--- a/lectures3/Pythonlearn-06-Strings.pptx
+++ b/lectures3/Pythonlearn-06-Strings.pptx
@@ -5841,7 +5841,7 @@
               <a:buNone/>
             </a:pPr>
             <a:r>
-              <a:rPr lang="pl" sz="3200" b="0" i="0" u="none" baseline="0">
+              <a:rPr lang="pl" sz="3200" b="0" i="0" u="none" baseline="0" dirty="0">
                 <a:solidFill>
                   <a:srgbClr val="FFFF00"/>
                 </a:solidFill>
@@ -5881,7 +5881,7 @@
               <a:buNone/>
             </a:pPr>
             <a:r>
-              <a:rPr lang="pl" sz="3200" b="0" i="0" u="sng" strike="noStrike" cap="none" baseline="0">
+              <a:rPr lang="pl" sz="3200" b="0" i="0" u="sng" strike="noStrike" cap="none" baseline="0" dirty="0">
                 <a:solidFill>
                   <a:srgbClr val="FFFF00"/>
                 </a:solidFill>
@@ -5891,7 +5891,20 @@
                 <a:sym typeface="Cabin"/>
                 <a:hlinkClick r:id="rId3"/>
               </a:rPr>
-              <a:t>www.py4e.com</a:t>
+              <a:t>www.py4e.</a:t>
+            </a:r>
+            <a:r>
+              <a:rPr lang="en-US" sz="3200" b="0" i="0" u="sng" strike="noStrike" cap="none" baseline="0">
+                <a:solidFill>
+                  <a:srgbClr val="FFFF00"/>
+                </a:solidFill>
+                <a:latin typeface="Arial" charset="0"/>
+                <a:ea typeface="Arial" charset="0"/>
+                <a:cs typeface="Arial" charset="0"/>
+                <a:sym typeface="Cabin"/>
+                <a:hlinkClick r:id="rId3"/>
+              </a:rPr>
+              <a:t>pl</a:t>
             </a:r>
             <a:endParaRPr lang="pl" sz="3200" u="sng" strike="noStrike" cap="none" dirty="0">
               <a:solidFill>
@@ -5901,7 +5914,7 @@
               <a:ea typeface="Arial" charset="0"/>
               <a:cs typeface="Arial" charset="0"/>
               <a:sym typeface="Cabin"/>
-              <a:hlinkClick r:id="rId3"/>
+              <a:hlinkClick r:id="rId4"/>
             </a:endParaRPr>
           </a:p>
         </p:txBody>
@@ -5913,7 +5926,7 @@
           <p:nvPr/>
         </p:nvPicPr>
         <p:blipFill rotWithShape="1">
-          <a:blip r:embed="rId4">
+          <a:blip r:embed="rId5">
             <a:alphaModFix/>
           </a:blip>
           <a:srcRect/>
@@ -5940,7 +5953,7 @@
           <p:nvPr/>
         </p:nvPicPr>
         <p:blipFill rotWithShape="1">
-          <a:blip r:embed="rId5">
+          <a:blip r:embed="rId6">
             <a:alphaModFix/>
           </a:blip>
           <a:srcRect/>
@@ -6225,7 +6238,7 @@
               <a:buNone/>
             </a:pPr>
             <a:r>
-              <a:rPr lang="pl" sz="3600" b="0" i="0" u="none" strike="noStrike" cap="none" baseline="0">
+              <a:rPr lang="pl" sz="3600" b="0" i="0" u="none" strike="noStrike" cap="none" baseline="0" dirty="0">
                 <a:solidFill>
                   <a:srgbClr val="FF00FF"/>
                 </a:solidFill>
@@ -6256,7 +6269,7 @@
               <a:buNone/>
             </a:pPr>
             <a:r>
-              <a:rPr lang="pl" sz="3600" b="0" i="0" u="none" strike="noStrike" cap="none" baseline="0">
+              <a:rPr lang="pl" sz="3600" b="0" i="0" u="none" strike="noStrike" cap="none" baseline="0" dirty="0">
                 <a:solidFill>
                   <a:srgbClr val="FF00FF"/>
                 </a:solidFill>
@@ -6287,7 +6300,7 @@
               <a:buNone/>
             </a:pPr>
             <a:r>
-              <a:rPr lang="pl" sz="3600" b="0" i="0" u="none" strike="noStrike" cap="none" baseline="0">
+              <a:rPr lang="pl" sz="3600" b="0" i="0" u="none" strike="noStrike" cap="none" baseline="0" dirty="0">
                 <a:solidFill>
                   <a:srgbClr val="FF00FF"/>
                 </a:solidFill>
@@ -6318,7 +6331,7 @@
               <a:buNone/>
             </a:pPr>
             <a:r>
-              <a:rPr lang="pl" sz="3600" b="0" i="0" u="none" strike="noStrike" cap="none" baseline="0">
+              <a:rPr lang="pl" sz="3600" b="0" i="0" u="none" strike="noStrike" cap="none" baseline="0" dirty="0">
                 <a:solidFill>
                   <a:srgbClr val="FF00FF"/>
                 </a:solidFill>
@@ -6349,7 +6362,7 @@
               <a:buNone/>
             </a:pPr>
             <a:r>
-              <a:rPr lang="pl" sz="3600" b="0" i="0" u="none" strike="noStrike" cap="none" baseline="0">
+              <a:rPr lang="pl" sz="3600" b="0" i="0" u="none" strike="noStrike" cap="none" baseline="0" dirty="0">
                 <a:solidFill>
                   <a:srgbClr val="FF00FF"/>
                 </a:solidFill>
@@ -6359,37 +6372,6 @@
                 <a:sym typeface="Cabin"/>
               </a:rPr>
               <a:t>n</a:t>
-            </a:r>
-          </a:p>
-          <a:p>
-            <a:pPr marL="0" marR="0" lvl="0" indent="0" algn="ctr" rtl="0">
-              <a:lnSpc>
-                <a:spcPct val="100000"/>
-              </a:lnSpc>
-              <a:spcBef>
-                <a:spcPts val="0"/>
-              </a:spcBef>
-              <a:spcAft>
-                <a:spcPts val="0"/>
-              </a:spcAft>
-              <a:buClr>
-                <a:srgbClr val="FF00FF"/>
-              </a:buClr>
-              <a:buSzPct val="25000"/>
-              <a:buFont typeface="Cabin"/>
-              <a:buNone/>
-            </a:pPr>
-            <a:r>
-              <a:rPr lang="pl" sz="3600" b="0" i="0" u="none" strike="noStrike" cap="none" baseline="0">
-                <a:solidFill>
-                  <a:srgbClr val="FF00FF"/>
-                </a:solidFill>
-                <a:latin typeface="Arial" charset="0"/>
-                <a:ea typeface="Arial" charset="0"/>
-                <a:cs typeface="Arial" charset="0"/>
-                <a:sym typeface="Cabin"/>
-              </a:rPr>
-              <a:t>a</a:t>
             </a:r>
           </a:p>
         </p:txBody>
@@ -6437,7 +6419,7 @@
               <a:buNone/>
             </a:pPr>
             <a:r>
-              <a:rPr lang="pl" sz="3600" b="0" i="0" u="none" strike="noStrike" cap="none" baseline="0">
+              <a:rPr lang="pl" sz="3600" b="0" i="0" u="none" strike="noStrike" cap="none" baseline="0" dirty="0">
                 <a:solidFill>
                   <a:srgbClr val="FFFF00"/>
                 </a:solidFill>
@@ -6446,7 +6428,7 @@
                 <a:cs typeface="Courier"/>
                 <a:sym typeface="Courier New"/>
               </a:rPr>
-              <a:t>fruit = 'banana'</a:t>
+              <a:t>fruit = 'banan'</a:t>
             </a:r>
           </a:p>
           <a:p>
@@ -6468,7 +6450,7 @@
               <a:buNone/>
             </a:pPr>
             <a:r>
-              <a:rPr lang="pl" sz="3600" b="0" i="0" u="none" strike="noStrike" cap="none" baseline="0">
+              <a:rPr lang="pl" sz="3600" b="0" i="0" u="none" strike="noStrike" cap="none" baseline="0" dirty="0">
                 <a:solidFill>
                   <a:srgbClr val="FFFF00"/>
                 </a:solidFill>
@@ -6480,7 +6462,7 @@
               <a:t>for</a:t>
             </a:r>
             <a:r>
-              <a:rPr lang="pl" sz="3600" b="0" i="0" u="none" strike="noStrike" cap="none" baseline="0">
+              <a:rPr lang="pl" sz="3600" b="0" i="0" u="none" strike="noStrike" cap="none" baseline="0" dirty="0">
                 <a:solidFill>
                   <a:schemeClr val="lt1"/>
                 </a:solidFill>
@@ -6492,7 +6474,7 @@
               <a:t> </a:t>
             </a:r>
             <a:r>
-              <a:rPr lang="pl" sz="3600" b="0" i="0" u="none" strike="noStrike" cap="none" baseline="0">
+              <a:rPr lang="pl" sz="3600" b="0" i="0" u="none" strike="noStrike" cap="none" baseline="0" dirty="0">
                 <a:solidFill>
                   <a:srgbClr val="00FF00"/>
                 </a:solidFill>
@@ -6504,7 +6486,7 @@
               <a:t>letter</a:t>
             </a:r>
             <a:r>
-              <a:rPr lang="pl" sz="3600" b="0" i="0" u="none" strike="noStrike" cap="none" baseline="0">
+              <a:rPr lang="pl" sz="3600" b="0" i="0" u="none" strike="noStrike" cap="none" baseline="0" dirty="0">
                 <a:solidFill>
                   <a:schemeClr val="lt1"/>
                 </a:solidFill>
@@ -6516,7 +6498,7 @@
               <a:t> </a:t>
             </a:r>
             <a:r>
-              <a:rPr lang="pl" sz="3600" b="0" i="0" u="none" strike="noStrike" cap="none" baseline="0">
+              <a:rPr lang="pl" sz="3600" b="0" i="0" u="none" strike="noStrike" cap="none" baseline="0" dirty="0">
                 <a:solidFill>
                   <a:srgbClr val="FFFF00"/>
                 </a:solidFill>
@@ -6528,7 +6510,7 @@
               <a:t>in</a:t>
             </a:r>
             <a:r>
-              <a:rPr lang="pl" sz="3600" b="0" i="0" u="none" strike="noStrike" cap="none" baseline="0">
+              <a:rPr lang="pl" sz="3600" b="0" i="0" u="none" strike="noStrike" cap="none" baseline="0" dirty="0">
                 <a:solidFill>
                   <a:schemeClr val="lt1"/>
                 </a:solidFill>
@@ -6540,7 +6522,7 @@
               <a:t> </a:t>
             </a:r>
             <a:r>
-              <a:rPr lang="pl" sz="3600" b="0" i="0" u="none" strike="noStrike" cap="none" baseline="0">
+              <a:rPr lang="pl" sz="3600" b="0" i="0" u="none" strike="noStrike" cap="none" baseline="0" dirty="0">
                 <a:solidFill>
                   <a:srgbClr val="00FF00"/>
                 </a:solidFill>
@@ -6552,7 +6534,7 @@
               <a:t>fruit</a:t>
             </a:r>
             <a:r>
-              <a:rPr lang="pl" sz="3600" b="0" i="0" u="none" strike="noStrike" cap="none" baseline="0">
+              <a:rPr lang="pl" sz="3600" b="0" i="0" u="none" strike="noStrike" cap="none" baseline="0" dirty="0">
                 <a:solidFill>
                   <a:schemeClr val="lt1"/>
                 </a:solidFill>
@@ -6583,7 +6565,7 @@
               <a:buNone/>
             </a:pPr>
             <a:r>
-              <a:rPr lang="pl" sz="3600" b="0" i="0" u="none" strike="noStrike" cap="none" baseline="0">
+              <a:rPr lang="pl" sz="3600" b="0" i="0" u="none" strike="noStrike" cap="none" baseline="0" dirty="0">
                 <a:solidFill>
                   <a:schemeClr val="lt1"/>
                 </a:solidFill>
@@ -6595,7 +6577,7 @@
               <a:t>    </a:t>
             </a:r>
             <a:r>
-              <a:rPr lang="pl" sz="3600" b="0" i="0" u="none" strike="noStrike" cap="none" baseline="0">
+              <a:rPr lang="pl" sz="3600" b="0" i="0" u="none" strike="noStrike" cap="none" baseline="0" dirty="0">
                 <a:solidFill>
                   <a:srgbClr val="FFFF00"/>
                 </a:solidFill>
@@ -6607,7 +6589,7 @@
               <a:t>print</a:t>
             </a:r>
             <a:r>
-              <a:rPr lang="pl" sz="3600" b="0" i="0" u="none" baseline="0">
+              <a:rPr lang="pl" sz="3600" b="0" i="0" u="none" baseline="0" dirty="0">
                 <a:solidFill>
                   <a:schemeClr val="lt1"/>
                 </a:solidFill>
@@ -6619,7 +6601,7 @@
               <a:t>(</a:t>
             </a:r>
             <a:r>
-              <a:rPr lang="pl" sz="3600" b="0" i="0" u="none" strike="noStrike" cap="none" baseline="0">
+              <a:rPr lang="pl" sz="3600" b="0" i="0" u="none" strike="noStrike" cap="none" baseline="0" dirty="0">
                 <a:solidFill>
                   <a:srgbClr val="00FF00"/>
                 </a:solidFill>
@@ -6631,7 +6613,7 @@
               <a:t>letter</a:t>
             </a:r>
             <a:r>
-              <a:rPr lang="pl" sz="3600" b="0" i="0" u="none" strike="noStrike" cap="none" baseline="0">
+              <a:rPr lang="pl" sz="3600" b="0" i="0" u="none" strike="noStrike" cap="none" baseline="0" dirty="0">
                 <a:solidFill>
                   <a:schemeClr val="bg1"/>
                 </a:solidFill>
@@ -7421,16 +7403,16 @@
               <a:buNone/>
             </a:pPr>
             <a:r>
-              <a:rPr lang="pl" sz="3000" b="0" i="0" u="none" strike="noStrike" cap="none" baseline="0">
-                <a:solidFill>
-                  <a:schemeClr val="lt1"/>
-                </a:solidFill>
-                <a:latin typeface="Courier"/>
-                <a:ea typeface="Courier"/>
-                <a:cs typeface="Courier"/>
-                <a:sym typeface="Courier New"/>
-              </a:rPr>
-              <a:t>fruit = 'banana'</a:t>
+              <a:rPr lang="pl" sz="3000" b="0" i="0" u="none" strike="noStrike" cap="none" baseline="0" dirty="0">
+                <a:solidFill>
+                  <a:schemeClr val="lt1"/>
+                </a:solidFill>
+                <a:latin typeface="Courier"/>
+                <a:ea typeface="Courier"/>
+                <a:cs typeface="Courier"/>
+                <a:sym typeface="Courier New"/>
+              </a:rPr>
+              <a:t>fruit = 'banan'</a:t>
             </a:r>
           </a:p>
           <a:p>
@@ -7452,7 +7434,7 @@
               <a:buNone/>
             </a:pPr>
             <a:r>
-              <a:rPr lang="pl" sz="3000" b="0" i="0" u="none" strike="noStrike" cap="none" baseline="0">
+              <a:rPr lang="pl" sz="3000" b="0" i="0" u="none" strike="noStrike" cap="none" baseline="0" dirty="0">
                 <a:solidFill>
                   <a:srgbClr val="FFFF00"/>
                 </a:solidFill>
@@ -7464,7 +7446,7 @@
               <a:t>for</a:t>
             </a:r>
             <a:r>
-              <a:rPr lang="pl" sz="3000" b="0" i="0" u="none" strike="noStrike" cap="none" baseline="0">
+              <a:rPr lang="pl" sz="3000" b="0" i="0" u="none" strike="noStrike" cap="none" baseline="0" dirty="0">
                 <a:solidFill>
                   <a:schemeClr val="lt1"/>
                 </a:solidFill>
@@ -7476,7 +7458,7 @@
               <a:t> </a:t>
             </a:r>
             <a:r>
-              <a:rPr lang="pl" sz="3000" b="0" i="0" u="none" strike="noStrike" cap="none" baseline="0">
+              <a:rPr lang="pl" sz="3000" b="0" i="0" u="none" strike="noStrike" cap="none" baseline="0" dirty="0">
                 <a:solidFill>
                   <a:srgbClr val="00FF00"/>
                 </a:solidFill>
@@ -7488,7 +7470,7 @@
               <a:t>letter</a:t>
             </a:r>
             <a:r>
-              <a:rPr lang="pl" sz="3000" b="0" i="0" u="none" strike="noStrike" cap="none" baseline="0">
+              <a:rPr lang="pl" sz="3000" b="0" i="0" u="none" strike="noStrike" cap="none" baseline="0" dirty="0">
                 <a:solidFill>
                   <a:schemeClr val="lt1"/>
                 </a:solidFill>
@@ -7500,7 +7482,7 @@
               <a:t> in </a:t>
             </a:r>
             <a:r>
-              <a:rPr lang="pl" sz="3000" b="0" i="0" u="none" strike="noStrike" cap="none" baseline="0">
+              <a:rPr lang="pl" sz="3000" b="0" i="0" u="none" strike="noStrike" cap="none" baseline="0" dirty="0">
                 <a:solidFill>
                   <a:srgbClr val="00FF00"/>
                 </a:solidFill>
@@ -7512,7 +7494,7 @@
               <a:t>fruit</a:t>
             </a:r>
             <a:r>
-              <a:rPr lang="pl" sz="3000" b="0" i="0" u="none" strike="noStrike" cap="none" baseline="0">
+              <a:rPr lang="pl" sz="3000" b="0" i="0" u="none" strike="noStrike" cap="none" baseline="0" dirty="0">
                 <a:solidFill>
                   <a:schemeClr val="lt1"/>
                 </a:solidFill>
@@ -7543,7 +7525,7 @@
               <a:buNone/>
             </a:pPr>
             <a:r>
-              <a:rPr lang="pl" sz="3000" b="0" i="0" u="none" strike="noStrike" cap="none" baseline="0">
+              <a:rPr lang="pl" sz="3000" b="0" i="0" u="none" strike="noStrike" cap="none" baseline="0" dirty="0">
                 <a:solidFill>
                   <a:schemeClr val="lt1"/>
                 </a:solidFill>
@@ -7555,7 +7537,7 @@
               <a:t>    </a:t>
             </a:r>
             <a:r>
-              <a:rPr lang="pl" sz="3000" b="0" i="0" u="none" strike="noStrike" cap="none" baseline="0">
+              <a:rPr lang="pl" sz="3000" b="0" i="0" u="none" strike="noStrike" cap="none" baseline="0" dirty="0">
                 <a:solidFill>
                   <a:srgbClr val="FFFF00"/>
                 </a:solidFill>
@@ -7567,7 +7549,7 @@
               <a:t>print</a:t>
             </a:r>
             <a:r>
-              <a:rPr lang="pl" sz="3000" b="0" i="0" u="none" baseline="0">
+              <a:rPr lang="pl" sz="3000" b="0" i="0" u="none" baseline="0" dirty="0">
                 <a:solidFill>
                   <a:schemeClr val="lt1"/>
                 </a:solidFill>
@@ -7579,7 +7561,7 @@
               <a:t>(</a:t>
             </a:r>
             <a:r>
-              <a:rPr lang="pl" sz="3000" b="0" i="0" u="none" strike="noStrike" cap="none" baseline="0">
+              <a:rPr lang="pl" sz="3000" b="0" i="0" u="none" strike="noStrike" cap="none" baseline="0" dirty="0">
                 <a:solidFill>
                   <a:srgbClr val="00FF00"/>
                 </a:solidFill>
@@ -7591,7 +7573,7 @@
               <a:t>letter</a:t>
             </a:r>
             <a:r>
-              <a:rPr lang="pl" sz="3000" b="0" i="0" u="none" strike="noStrike" cap="none" baseline="0">
+              <a:rPr lang="pl" sz="3000" b="0" i="0" u="none" strike="noStrike" cap="none" baseline="0" dirty="0">
                 <a:solidFill>
                   <a:schemeClr val="bg1"/>
                 </a:solidFill>
@@ -7657,7 +7639,7 @@
               <a:buNone/>
             </a:pPr>
             <a:r>
-              <a:rPr lang="pl" sz="3600" b="0" i="0" u="none" strike="noStrike" cap="none" baseline="0">
+              <a:rPr lang="pl" sz="3600" b="0" i="0" u="none" strike="noStrike" cap="none" baseline="0" dirty="0">
                 <a:solidFill>
                   <a:srgbClr val="FF00FF"/>
                 </a:solidFill>
@@ -7688,7 +7670,7 @@
               <a:buNone/>
             </a:pPr>
             <a:r>
-              <a:rPr lang="pl" sz="3600" b="0" i="0" u="none" strike="noStrike" cap="none" baseline="0">
+              <a:rPr lang="pl" sz="3600" b="0" i="0" u="none" strike="noStrike" cap="none" baseline="0" dirty="0">
                 <a:solidFill>
                   <a:srgbClr val="FF00FF"/>
                 </a:solidFill>
@@ -7719,7 +7701,7 @@
               <a:buNone/>
             </a:pPr>
             <a:r>
-              <a:rPr lang="pl" sz="3600" b="0" i="0" u="none" strike="noStrike" cap="none" baseline="0">
+              <a:rPr lang="pl" sz="3600" b="0" i="0" u="none" strike="noStrike" cap="none" baseline="0" dirty="0">
                 <a:solidFill>
                   <a:srgbClr val="FF00FF"/>
                 </a:solidFill>
@@ -7750,7 +7732,7 @@
               <a:buNone/>
             </a:pPr>
             <a:r>
-              <a:rPr lang="pl" sz="3600" b="0" i="0" u="none" strike="noStrike" cap="none" baseline="0">
+              <a:rPr lang="pl" sz="3600" b="0" i="0" u="none" strike="noStrike" cap="none" baseline="0" dirty="0">
                 <a:solidFill>
                   <a:srgbClr val="FF00FF"/>
                 </a:solidFill>
@@ -7781,7 +7763,7 @@
               <a:buNone/>
             </a:pPr>
             <a:r>
-              <a:rPr lang="pl" sz="3600" b="0" i="0" u="none" strike="noStrike" cap="none" baseline="0">
+              <a:rPr lang="pl" sz="3600" b="0" i="0" u="none" strike="noStrike" cap="none" baseline="0" dirty="0">
                 <a:solidFill>
                   <a:srgbClr val="FF00FF"/>
                 </a:solidFill>
@@ -7791,37 +7773,6 @@
                 <a:sym typeface="Cabin"/>
               </a:rPr>
               <a:t>n</a:t>
-            </a:r>
-          </a:p>
-          <a:p>
-            <a:pPr marL="0" marR="0" lvl="0" indent="0" algn="ctr" rtl="0">
-              <a:lnSpc>
-                <a:spcPct val="100000"/>
-              </a:lnSpc>
-              <a:spcBef>
-                <a:spcPts val="0"/>
-              </a:spcBef>
-              <a:spcAft>
-                <a:spcPts val="0"/>
-              </a:spcAft>
-              <a:buClr>
-                <a:srgbClr val="FF00FF"/>
-              </a:buClr>
-              <a:buSzPct val="25000"/>
-              <a:buFont typeface="Cabin"/>
-              <a:buNone/>
-            </a:pPr>
-            <a:r>
-              <a:rPr lang="pl" sz="3600" b="0" i="0" u="none" strike="noStrike" cap="none" baseline="0">
-                <a:solidFill>
-                  <a:srgbClr val="FF00FF"/>
-                </a:solidFill>
-                <a:latin typeface="Arial" charset="0"/>
-                <a:ea typeface="Arial" charset="0"/>
-                <a:cs typeface="Arial" charset="0"/>
-                <a:sym typeface="Cabin"/>
-              </a:rPr>
-              <a:t>a</a:t>
             </a:r>
           </a:p>
         </p:txBody>
@@ -8011,7 +7962,7 @@
               <a:buNone/>
             </a:pPr>
             <a:r>
-              <a:rPr lang="pl" sz="3600" b="0" i="0" u="none" strike="noStrike" cap="none" baseline="0">
+              <a:rPr lang="pl" sz="3600" b="0" i="0" u="none" strike="noStrike" cap="none" baseline="0" dirty="0">
                 <a:solidFill>
                   <a:srgbClr val="00FF00"/>
                 </a:solidFill>
@@ -8023,7 +7974,7 @@
               <a:t>word</a:t>
             </a:r>
             <a:r>
-              <a:rPr lang="pl" sz="3600" b="0" i="0" u="none" strike="noStrike" cap="none" baseline="0">
+              <a:rPr lang="pl" sz="3600" b="0" i="0" u="none" strike="noStrike" cap="none" baseline="0" dirty="0">
                 <a:solidFill>
                   <a:schemeClr val="lt1"/>
                 </a:solidFill>
@@ -8035,7 +7986,7 @@
               <a:t> = </a:t>
             </a:r>
             <a:r>
-              <a:rPr lang="pl" sz="3600" b="0" i="0" u="none" strike="noStrike" cap="none" baseline="0">
+              <a:rPr lang="pl" sz="3600" b="0" i="0" u="none" strike="noStrike" cap="none" baseline="0" dirty="0">
                 <a:solidFill>
                   <a:srgbClr val="FF7F00"/>
                 </a:solidFill>
@@ -8044,7 +7995,31 @@
                 <a:cs typeface="Courier"/>
                 <a:sym typeface="Courier New"/>
               </a:rPr>
-              <a:t>'banana'</a:t>
+              <a:t>'</a:t>
+            </a:r>
+            <a:r>
+              <a:rPr lang="en-US" sz="3600" b="0" i="0" u="none" strike="noStrike" cap="none" baseline="0" dirty="0" err="1">
+                <a:solidFill>
+                  <a:srgbClr val="FF7F00"/>
+                </a:solidFill>
+                <a:latin typeface="Courier"/>
+                <a:ea typeface="Courier"/>
+                <a:cs typeface="Courier"/>
+                <a:sym typeface="Courier New"/>
+              </a:rPr>
+              <a:t>banan</a:t>
+            </a:r>
+            <a:r>
+              <a:rPr lang="pl" sz="3600" b="0" i="0" u="none" strike="noStrike" cap="none" baseline="0" dirty="0">
+                <a:solidFill>
+                  <a:srgbClr val="FF7F00"/>
+                </a:solidFill>
+                <a:latin typeface="Courier"/>
+                <a:ea typeface="Courier"/>
+                <a:cs typeface="Courier"/>
+                <a:sym typeface="Courier New"/>
+              </a:rPr>
+              <a:t>'</a:t>
             </a:r>
           </a:p>
           <a:p>
@@ -8066,7 +8041,7 @@
               <a:buNone/>
             </a:pPr>
             <a:r>
-              <a:rPr lang="pl" sz="3600" b="0" i="0" u="none" strike="noStrike" cap="none" baseline="0">
+              <a:rPr lang="pl" sz="3600" b="0" i="0" u="none" strike="noStrike" cap="none" baseline="0" dirty="0">
                 <a:solidFill>
                   <a:srgbClr val="00FF00"/>
                 </a:solidFill>
@@ -8078,7 +8053,7 @@
               <a:t>count</a:t>
             </a:r>
             <a:r>
-              <a:rPr lang="pl" sz="3600" b="0" i="0" u="none" strike="noStrike" cap="none" baseline="0">
+              <a:rPr lang="pl" sz="3600" b="0" i="0" u="none" strike="noStrike" cap="none" baseline="0" dirty="0">
                 <a:solidFill>
                   <a:schemeClr val="lt1"/>
                 </a:solidFill>
@@ -8090,7 +8065,7 @@
               <a:t> = </a:t>
             </a:r>
             <a:r>
-              <a:rPr lang="pl" sz="3600" b="0" i="0" u="none" strike="noStrike" cap="none" baseline="0">
+              <a:rPr lang="pl" sz="3600" b="0" i="0" u="none" strike="noStrike" cap="none" baseline="0" dirty="0">
                 <a:solidFill>
                   <a:srgbClr val="FF7F00"/>
                 </a:solidFill>
@@ -8121,7 +8096,7 @@
               <a:buNone/>
             </a:pPr>
             <a:r>
-              <a:rPr lang="pl" sz="3600" b="0" i="0" u="none" strike="noStrike" cap="none" baseline="0">
+              <a:rPr lang="pl" sz="3600" b="0" i="0" u="none" strike="noStrike" cap="none" baseline="0" dirty="0">
                 <a:solidFill>
                   <a:srgbClr val="FFFF00"/>
                 </a:solidFill>
@@ -8133,7 +8108,7 @@
               <a:t>for</a:t>
             </a:r>
             <a:r>
-              <a:rPr lang="pl" sz="3600" b="0" i="0" u="none" strike="noStrike" cap="none" baseline="0">
+              <a:rPr lang="pl" sz="3600" b="0" i="0" u="none" strike="noStrike" cap="none" baseline="0" dirty="0">
                 <a:solidFill>
                   <a:srgbClr val="00FF00"/>
                 </a:solidFill>
@@ -8145,7 +8120,7 @@
               <a:t> letter </a:t>
             </a:r>
             <a:r>
-              <a:rPr lang="pl" sz="3600" b="0" i="0" u="none" strike="noStrike" cap="none" baseline="0">
+              <a:rPr lang="pl" sz="3600" b="0" i="0" u="none" strike="noStrike" cap="none" baseline="0" dirty="0">
                 <a:solidFill>
                   <a:srgbClr val="FFFF00"/>
                 </a:solidFill>
@@ -8157,7 +8132,7 @@
               <a:t>in</a:t>
             </a:r>
             <a:r>
-              <a:rPr lang="pl" sz="3600" b="0" i="0" u="none" strike="noStrike" cap="none" baseline="0">
+              <a:rPr lang="pl" sz="3600" b="0" i="0" u="none" strike="noStrike" cap="none" baseline="0" dirty="0">
                 <a:solidFill>
                   <a:srgbClr val="00FF00"/>
                 </a:solidFill>
@@ -8169,7 +8144,7 @@
               <a:t> word </a:t>
             </a:r>
             <a:r>
-              <a:rPr lang="pl" sz="3600" b="0" i="0" u="none" strike="noStrike" cap="none" baseline="0">
+              <a:rPr lang="pl" sz="3600" b="0" i="0" u="none" strike="noStrike" cap="none" baseline="0" dirty="0">
                 <a:solidFill>
                   <a:schemeClr val="lt1"/>
                 </a:solidFill>
@@ -8200,7 +8175,7 @@
               <a:buNone/>
             </a:pPr>
             <a:r>
-              <a:rPr lang="pl" sz="3600" b="0" i="0" u="none" strike="noStrike" cap="none" baseline="0">
+              <a:rPr lang="pl" sz="3600" b="0" i="0" u="none" strike="noStrike" cap="none" baseline="0" dirty="0">
                 <a:solidFill>
                   <a:schemeClr val="lt1"/>
                 </a:solidFill>
@@ -8212,7 +8187,7 @@
               <a:t>   </a:t>
             </a:r>
             <a:r>
-              <a:rPr lang="pl" sz="3600" b="0" i="0" u="none" strike="noStrike" cap="none" baseline="0">
+              <a:rPr lang="pl" sz="3600" b="0" i="0" u="none" strike="noStrike" cap="none" baseline="0" dirty="0">
                 <a:solidFill>
                   <a:srgbClr val="FFFF00"/>
                 </a:solidFill>
@@ -8224,7 +8199,7 @@
               <a:t> if</a:t>
             </a:r>
             <a:r>
-              <a:rPr lang="pl" sz="3600" b="0" i="0" u="none" strike="noStrike" cap="none" baseline="0">
+              <a:rPr lang="pl" sz="3600" b="0" i="0" u="none" strike="noStrike" cap="none" baseline="0" dirty="0">
                 <a:solidFill>
                   <a:schemeClr val="lt1"/>
                 </a:solidFill>
@@ -8236,7 +8211,7 @@
               <a:t> </a:t>
             </a:r>
             <a:r>
-              <a:rPr lang="pl" sz="3600" b="0" i="0" u="none" strike="noStrike" cap="none" baseline="0">
+              <a:rPr lang="pl" sz="3600" b="0" i="0" u="none" strike="noStrike" cap="none" baseline="0" dirty="0">
                 <a:solidFill>
                   <a:srgbClr val="00FF00"/>
                 </a:solidFill>
@@ -8248,7 +8223,7 @@
               <a:t>letter</a:t>
             </a:r>
             <a:r>
-              <a:rPr lang="pl" sz="3600" b="0" i="0" u="none" strike="noStrike" cap="none" baseline="0">
+              <a:rPr lang="pl" sz="3600" b="0" i="0" u="none" strike="noStrike" cap="none" baseline="0" dirty="0">
                 <a:solidFill>
                   <a:schemeClr val="lt1"/>
                 </a:solidFill>
@@ -8260,7 +8235,7 @@
               <a:t> </a:t>
             </a:r>
             <a:r>
-              <a:rPr lang="pl" sz="3600" b="0" i="0" u="none" strike="noStrike" cap="none" baseline="0">
+              <a:rPr lang="pl" sz="3600" b="0" i="0" u="none" strike="noStrike" cap="none" baseline="0" dirty="0">
                 <a:solidFill>
                   <a:srgbClr val="00FFFF"/>
                 </a:solidFill>
@@ -8272,7 +8247,7 @@
               <a:t>==</a:t>
             </a:r>
             <a:r>
-              <a:rPr lang="pl" sz="3600" b="0" i="0" u="none" strike="noStrike" cap="none" baseline="0">
+              <a:rPr lang="pl" sz="3600" b="0" i="0" u="none" strike="noStrike" cap="none" baseline="0" dirty="0">
                 <a:solidFill>
                   <a:schemeClr val="lt1"/>
                 </a:solidFill>
@@ -8284,7 +8259,7 @@
               <a:t> </a:t>
             </a:r>
             <a:r>
-              <a:rPr lang="pl" sz="3600" b="0" i="0" u="none" strike="noStrike" cap="none" baseline="0">
+              <a:rPr lang="pl" sz="3600" b="0" i="0" u="none" strike="noStrike" cap="none" baseline="0" dirty="0">
                 <a:solidFill>
                   <a:srgbClr val="FF7F00"/>
                 </a:solidFill>
@@ -8296,7 +8271,7 @@
               <a:t>'a' </a:t>
             </a:r>
             <a:r>
-              <a:rPr lang="pl" sz="3600" b="0" i="0" u="none" strike="noStrike" cap="none" baseline="0">
+              <a:rPr lang="pl" sz="3600" b="0" i="0" u="none" strike="noStrike" cap="none" baseline="0" dirty="0">
                 <a:solidFill>
                   <a:schemeClr val="lt1"/>
                 </a:solidFill>
@@ -8308,7 +8283,7 @@
               <a:t>:</a:t>
             </a:r>
             <a:r>
-              <a:rPr lang="pl" sz="3600" b="0" i="0" u="none" strike="noStrike" cap="none" baseline="0">
+              <a:rPr lang="pl" sz="3600" b="0" i="0" u="none" strike="noStrike" cap="none" baseline="0" dirty="0">
                 <a:solidFill>
                   <a:srgbClr val="00FF00"/>
                 </a:solidFill>
@@ -8339,7 +8314,7 @@
               <a:buNone/>
             </a:pPr>
             <a:r>
-              <a:rPr lang="pl" sz="3600" b="0" i="0" u="none" strike="noStrike" cap="none" baseline="0">
+              <a:rPr lang="pl" sz="3600" b="0" i="0" u="none" strike="noStrike" cap="none" baseline="0" dirty="0">
                 <a:solidFill>
                   <a:srgbClr val="00FF00"/>
                 </a:solidFill>
@@ -8351,7 +8326,7 @@
               <a:t>       count </a:t>
             </a:r>
             <a:r>
-              <a:rPr lang="pl" sz="3600" b="0" i="0" u="none" strike="noStrike" cap="none" baseline="0">
+              <a:rPr lang="pl" sz="3600" b="0" i="0" u="none" strike="noStrike" cap="none" baseline="0" dirty="0">
                 <a:solidFill>
                   <a:schemeClr val="lt1"/>
                 </a:solidFill>
@@ -8363,7 +8338,7 @@
               <a:t>= </a:t>
             </a:r>
             <a:r>
-              <a:rPr lang="pl" sz="3600" b="0" i="0" u="none" strike="noStrike" cap="none" baseline="0">
+              <a:rPr lang="pl" sz="3600" b="0" i="0" u="none" strike="noStrike" cap="none" baseline="0" dirty="0">
                 <a:solidFill>
                   <a:srgbClr val="00FF00"/>
                 </a:solidFill>
@@ -8375,7 +8350,7 @@
               <a:t>count </a:t>
             </a:r>
             <a:r>
-              <a:rPr lang="pl" sz="3600" b="0" i="0" u="none" strike="noStrike" cap="none" baseline="0">
+              <a:rPr lang="pl" sz="3600" b="0" i="0" u="none" strike="noStrike" cap="none" baseline="0" dirty="0">
                 <a:solidFill>
                   <a:srgbClr val="00FFFF"/>
                 </a:solidFill>
@@ -8387,7 +8362,7 @@
               <a:t>+</a:t>
             </a:r>
             <a:r>
-              <a:rPr lang="pl" sz="3600" b="0" i="0" u="none" strike="noStrike" cap="none" baseline="0">
+              <a:rPr lang="pl" sz="3600" b="0" i="0" u="none" strike="noStrike" cap="none" baseline="0" dirty="0">
                 <a:solidFill>
                   <a:srgbClr val="00FF00"/>
                 </a:solidFill>
@@ -8399,7 +8374,7 @@
               <a:t> </a:t>
             </a:r>
             <a:r>
-              <a:rPr lang="pl" sz="3600" b="0" i="0" u="none" strike="noStrike" cap="none" baseline="0">
+              <a:rPr lang="pl" sz="3600" b="0" i="0" u="none" strike="noStrike" cap="none" baseline="0" dirty="0">
                 <a:solidFill>
                   <a:srgbClr val="FF7F00"/>
                 </a:solidFill>
@@ -8430,7 +8405,7 @@
               <a:buNone/>
             </a:pPr>
             <a:r>
-              <a:rPr lang="pl" sz="3600" b="0" i="0" u="none" strike="noStrike" cap="none" baseline="0">
+              <a:rPr lang="pl" sz="3600" b="0" i="0" u="none" strike="noStrike" cap="none" baseline="0" dirty="0">
                 <a:solidFill>
                   <a:srgbClr val="FFFF00"/>
                 </a:solidFill>
@@ -8442,7 +8417,7 @@
               <a:t>print</a:t>
             </a:r>
             <a:r>
-              <a:rPr lang="pl" sz="3600" b="0" i="0" u="none" baseline="0">
+              <a:rPr lang="pl" sz="3600" b="0" i="0" u="none" baseline="0" dirty="0">
                 <a:solidFill>
                   <a:schemeClr val="lt1"/>
                 </a:solidFill>
@@ -8454,7 +8429,7 @@
               <a:t>(</a:t>
             </a:r>
             <a:r>
-              <a:rPr lang="pl" sz="3600" b="0" i="0" u="none" strike="noStrike" cap="none" baseline="0">
+              <a:rPr lang="pl" sz="3600" b="0" i="0" u="none" strike="noStrike" cap="none" baseline="0" dirty="0">
                 <a:solidFill>
                   <a:srgbClr val="00FF00"/>
                 </a:solidFill>
@@ -8466,7 +8441,7 @@
               <a:t>count</a:t>
             </a:r>
             <a:r>
-              <a:rPr lang="pl" sz="3600" b="0" i="0" u="none" strike="noStrike" cap="none" baseline="0">
+              <a:rPr lang="pl" sz="3600" b="0" i="0" u="none" strike="noStrike" cap="none" baseline="0" dirty="0">
                 <a:solidFill>
                   <a:schemeClr val="bg1"/>
                 </a:solidFill>
@@ -8917,7 +8892,7 @@
               <a:buNone/>
             </a:pPr>
             <a:r>
-              <a:rPr lang="pl" sz="3600" b="0" i="0" u="none" strike="noStrike" cap="none" baseline="0">
+              <a:rPr lang="pl" sz="3600" b="0" i="0" u="none" strike="noStrike" cap="none" baseline="0" dirty="0">
                 <a:solidFill>
                   <a:srgbClr val="FFFF00"/>
                 </a:solidFill>
@@ -8929,7 +8904,7 @@
               <a:t>for</a:t>
             </a:r>
             <a:r>
-              <a:rPr lang="pl" sz="3600" b="0" i="0" u="none" strike="noStrike" cap="none" baseline="0">
+              <a:rPr lang="pl" sz="3600" b="0" i="0" u="none" strike="noStrike" cap="none" baseline="0" dirty="0">
                 <a:solidFill>
                   <a:srgbClr val="00FF00"/>
                 </a:solidFill>
@@ -8941,7 +8916,7 @@
               <a:t> letter </a:t>
             </a:r>
             <a:r>
-              <a:rPr lang="pl" sz="3600" b="0" i="0" u="none" strike="noStrike" cap="none" baseline="0">
+              <a:rPr lang="pl" sz="3600" b="0" i="0" u="none" strike="noStrike" cap="none" baseline="0" dirty="0">
                 <a:solidFill>
                   <a:srgbClr val="FFFF00"/>
                 </a:solidFill>
@@ -8953,7 +8928,7 @@
               <a:t>in</a:t>
             </a:r>
             <a:r>
-              <a:rPr lang="pl" sz="3600" b="0" i="0" u="none" strike="noStrike" cap="none" baseline="0">
+              <a:rPr lang="pl" sz="3600" b="0" i="0" u="none" strike="noStrike" cap="none" baseline="0" dirty="0">
                 <a:solidFill>
                   <a:srgbClr val="FF7F00"/>
                 </a:solidFill>
@@ -8962,10 +8937,10 @@
                 <a:cs typeface="Courier"/>
                 <a:sym typeface="Courier New"/>
               </a:rPr>
-              <a:t> 'banana' </a:t>
-            </a:r>
-            <a:r>
-              <a:rPr lang="pl" sz="3600" b="0" i="0" u="none" strike="noStrike" cap="none" baseline="0">
+              <a:t> 'banan' </a:t>
+            </a:r>
+            <a:r>
+              <a:rPr lang="pl" sz="3600" b="0" i="0" u="none" strike="noStrike" cap="none" baseline="0" dirty="0">
                 <a:solidFill>
                   <a:schemeClr val="lt1"/>
                 </a:solidFill>
@@ -8996,19 +8971,19 @@
               <a:buNone/>
             </a:pPr>
             <a:r>
-              <a:rPr lang="pl" sz="3600" b="0" i="0" u="none" strike="noStrike" cap="none" baseline="0">
-                <a:solidFill>
-                  <a:schemeClr val="lt1"/>
-                </a:solidFill>
-                <a:latin typeface="Courier"/>
-                <a:ea typeface="Courier"/>
-                <a:cs typeface="Courier"/>
-                <a:sym typeface="Courier New"/>
-              </a:rPr>
-              <a:t>     </a:t>
-            </a:r>
-            <a:r>
-              <a:rPr lang="pl" sz="3600" b="0" i="0" u="none" strike="noStrike" cap="none" baseline="0">
+              <a:rPr lang="pl" sz="3600" b="0" i="0" u="none" strike="noStrike" cap="none" baseline="0" dirty="0">
+                <a:solidFill>
+                  <a:schemeClr val="lt1"/>
+                </a:solidFill>
+                <a:latin typeface="Courier"/>
+                <a:ea typeface="Courier"/>
+                <a:cs typeface="Courier"/>
+                <a:sym typeface="Courier New"/>
+              </a:rPr>
+              <a:t>    </a:t>
+            </a:r>
+            <a:r>
+              <a:rPr lang="pl" sz="3600" b="0" i="0" u="none" strike="noStrike" cap="none" baseline="0" dirty="0">
                 <a:solidFill>
                   <a:srgbClr val="FF00FF"/>
                 </a:solidFill>
@@ -9017,7 +8992,7 @@
                 <a:cs typeface="Courier"/>
                 <a:sym typeface="Courier New"/>
               </a:rPr>
-              <a:t> print(letter)</a:t>
+              <a:t>print(letter)</a:t>
             </a:r>
             <a:endParaRPr lang="pl" sz="3600" i="0" u="none" strike="noStrike" cap="none" dirty="0">
               <a:solidFill>
@@ -9096,8 +9071,8 @@
         </p:nvSpPr>
         <p:spPr>
           <a:xfrm>
-            <a:off x="12275426" y="3248202"/>
-            <a:ext cx="3751578" cy="1075126"/>
+            <a:off x="11887200" y="3248202"/>
+            <a:ext cx="4139804" cy="1075126"/>
           </a:xfrm>
           <a:prstGeom prst="rect">
             <a:avLst/>
@@ -9131,7 +9106,7 @@
               <a:buNone/>
             </a:pPr>
             <a:r>
-              <a:rPr lang="pl" sz="3600" b="0" i="0" u="none" strike="noStrike" cap="none" baseline="0">
+              <a:rPr lang="en-US" sz="3600" b="0" i="0" u="none" strike="noStrike" cap="none" baseline="0" dirty="0" err="1">
                 <a:solidFill>
                   <a:srgbClr val="FF7F00"/>
                 </a:solidFill>
@@ -9140,7 +9115,19 @@
                 <a:cs typeface="Arial" charset="0"/>
                 <a:sym typeface="Cabin"/>
               </a:rPr>
-              <a:t>sześcioznakowy ciąg</a:t>
+              <a:t>pięcio</a:t>
+            </a:r>
+            <a:r>
+              <a:rPr lang="pl" sz="3600" b="0" i="0" u="none" strike="noStrike" cap="none" baseline="0" dirty="0">
+                <a:solidFill>
+                  <a:srgbClr val="FF7F00"/>
+                </a:solidFill>
+                <a:latin typeface="Arial" charset="0"/>
+                <a:ea typeface="Arial" charset="0"/>
+                <a:cs typeface="Arial" charset="0"/>
+                <a:sym typeface="Cabin"/>
+              </a:rPr>
+              <a:t>znakowy ciąg</a:t>
             </a:r>
           </a:p>
         </p:txBody>
@@ -9803,7 +9790,7 @@
               <a:buNone/>
             </a:pPr>
             <a:r>
-              <a:rPr lang="pl" sz="3600" b="0" i="0" u="none" strike="noStrike" cap="none" baseline="0">
+              <a:rPr lang="pl" sz="3600" b="0" i="0" u="none" strike="noStrike" cap="none" baseline="0" dirty="0">
                 <a:solidFill>
                   <a:srgbClr val="FFFF00"/>
                 </a:solidFill>
@@ -9815,7 +9802,7 @@
               <a:t>for</a:t>
             </a:r>
             <a:r>
-              <a:rPr lang="pl" sz="3600" b="0" i="0" u="none" strike="noStrike" cap="none" baseline="0">
+              <a:rPr lang="pl" sz="3600" b="0" i="0" u="none" strike="noStrike" cap="none" baseline="0" dirty="0">
                 <a:solidFill>
                   <a:srgbClr val="00FF00"/>
                 </a:solidFill>
@@ -9827,7 +9814,7 @@
               <a:t> letter </a:t>
             </a:r>
             <a:r>
-              <a:rPr lang="pl" sz="3600" b="0" i="0" u="none" strike="noStrike" cap="none" baseline="0">
+              <a:rPr lang="pl" sz="3600" b="0" i="0" u="none" strike="noStrike" cap="none" baseline="0" dirty="0">
                 <a:solidFill>
                   <a:srgbClr val="FFFF00"/>
                 </a:solidFill>
@@ -9839,7 +9826,7 @@
               <a:t>in</a:t>
             </a:r>
             <a:r>
-              <a:rPr lang="pl" sz="3600" b="0" i="0" u="none" strike="noStrike" cap="none" baseline="0">
+              <a:rPr lang="pl" sz="3600" b="0" i="0" u="none" strike="noStrike" cap="none" baseline="0" dirty="0">
                 <a:solidFill>
                   <a:srgbClr val="FF7F00"/>
                 </a:solidFill>
@@ -9848,10 +9835,10 @@
                 <a:cs typeface="Courier"/>
                 <a:sym typeface="Courier New"/>
               </a:rPr>
-              <a:t> 'banana' </a:t>
-            </a:r>
-            <a:r>
-              <a:rPr lang="pl" sz="3600" b="0" i="0" u="none" strike="noStrike" cap="none" baseline="0">
+              <a:t> 'banan' </a:t>
+            </a:r>
+            <a:r>
+              <a:rPr lang="pl" sz="3600" b="0" i="0" u="none" strike="noStrike" cap="none" baseline="0" dirty="0">
                 <a:solidFill>
                   <a:schemeClr val="lt1"/>
                 </a:solidFill>
@@ -9882,7 +9869,7 @@
               <a:buNone/>
             </a:pPr>
             <a:r>
-              <a:rPr lang="pl" sz="3600" b="0" i="0" u="none" strike="noStrike" cap="none" baseline="0">
+              <a:rPr lang="pl" sz="3600" b="0" i="0" u="none" strike="noStrike" cap="none" baseline="0" dirty="0">
                 <a:solidFill>
                   <a:srgbClr val="FF00FF"/>
                 </a:solidFill>
@@ -10216,69 +10203,6 @@
                 <a:sym typeface="Cabin"/>
               </a:rPr>
               <a:t>n</a:t>
-            </a:r>
-          </a:p>
-        </p:txBody>
-      </p:sp>
-      <p:sp>
-        <p:nvSpPr>
-          <p:cNvPr id="361" name="Shape 361"/>
-          <p:cNvSpPr txBox="1"/>
-          <p:nvPr/>
-        </p:nvSpPr>
-        <p:spPr>
-          <a:xfrm>
-            <a:off x="13487400" y="1727200"/>
-            <a:ext cx="736599" cy="736599"/>
-          </a:xfrm>
-          <a:prstGeom prst="rect">
-            <a:avLst/>
-          </a:prstGeom>
-          <a:noFill/>
-          <a:ln w="50800" cap="rnd" cmpd="sng">
-            <a:solidFill>
-              <a:srgbClr val="FF7F00"/>
-            </a:solidFill>
-            <a:prstDash val="solid"/>
-            <a:miter/>
-            <a:headEnd type="none" w="med" len="med"/>
-            <a:tailEnd type="none" w="med" len="med"/>
-          </a:ln>
-        </p:spPr>
-        <p:txBody>
-          <a:bodyPr lIns="0" tIns="0" rIns="0" bIns="0" anchor="ctr" anchorCtr="0">
-            <a:noAutofit/>
-          </a:bodyPr>
-          <a:lstStyle/>
-          <a:p>
-            <a:pPr marL="0" marR="0" lvl="0" indent="0" algn="ctr" rtl="0">
-              <a:lnSpc>
-                <a:spcPct val="100000"/>
-              </a:lnSpc>
-              <a:spcBef>
-                <a:spcPts val="0"/>
-              </a:spcBef>
-              <a:spcAft>
-                <a:spcPts val="0"/>
-              </a:spcAft>
-              <a:buClr>
-                <a:schemeClr val="lt1"/>
-              </a:buClr>
-              <a:buSzPct val="25000"/>
-              <a:buFont typeface="Cabin"/>
-              <a:buNone/>
-            </a:pPr>
-            <a:r>
-              <a:rPr lang="pl" sz="4000" b="0" i="0" u="none" strike="noStrike" cap="none" baseline="0">
-                <a:solidFill>
-                  <a:schemeClr val="lt1"/>
-                </a:solidFill>
-                <a:latin typeface="Arial" charset="0"/>
-                <a:ea typeface="Arial" charset="0"/>
-                <a:cs typeface="Arial" charset="0"/>
-                <a:sym typeface="Cabin"/>
-              </a:rPr>
-              <a:t>a</a:t>
             </a:r>
           </a:p>
         </p:txBody>
@@ -10950,7 +10874,7 @@
               <a:buNone/>
             </a:pPr>
             <a:r>
-              <a:rPr lang="pl" sz="3600" b="0" i="0" u="none" strike="noStrike" cap="none" baseline="0">
+              <a:rPr lang="pl" sz="3600" b="0" i="0" u="none" strike="noStrike" cap="none" baseline="0" dirty="0">
                 <a:solidFill>
                   <a:schemeClr val="lt1"/>
                 </a:solidFill>
@@ -10962,7 +10886,7 @@
               <a:t>&gt;&gt;&gt; </a:t>
             </a:r>
             <a:r>
-              <a:rPr lang="pl" sz="3600" b="0" i="0" u="none" strike="noStrike" cap="none" baseline="0">
+              <a:rPr lang="pl" sz="3600" b="0" i="0" u="none" strike="noStrike" cap="none" baseline="0" dirty="0">
                 <a:solidFill>
                   <a:srgbClr val="00FF00"/>
                 </a:solidFill>
@@ -10974,7 +10898,7 @@
               <a:t>s</a:t>
             </a:r>
             <a:r>
-              <a:rPr lang="pl" sz="3600" b="0" i="0" u="none" strike="noStrike" cap="none" baseline="0">
+              <a:rPr lang="pl" sz="3600" b="0" i="0" u="none" strike="noStrike" cap="none" baseline="0" dirty="0">
                 <a:solidFill>
                   <a:schemeClr val="lt1"/>
                 </a:solidFill>
@@ -10986,7 +10910,7 @@
               <a:t> = </a:t>
             </a:r>
             <a:r>
-              <a:rPr lang="pl" sz="3600" b="0" i="0" u="none" strike="noStrike" cap="none" baseline="0">
+              <a:rPr lang="pl" sz="3600" b="0" i="0" u="none" strike="noStrike" cap="none" baseline="0" dirty="0">
                 <a:solidFill>
                   <a:srgbClr val="FF7F00"/>
                 </a:solidFill>
@@ -11017,7 +10941,7 @@
               <a:buNone/>
             </a:pPr>
             <a:r>
-              <a:rPr lang="pl" sz="3600" b="0" i="0" u="none" strike="noStrike" cap="none" baseline="0">
+              <a:rPr lang="pl" sz="3600" b="0" i="0" u="none" strike="noStrike" cap="none" baseline="0" dirty="0">
                 <a:solidFill>
                   <a:schemeClr val="lt1"/>
                 </a:solidFill>
@@ -11029,7 +10953,7 @@
               <a:t>&gt;&gt;&gt; </a:t>
             </a:r>
             <a:r>
-              <a:rPr lang="pl" sz="3600" b="0" i="0" u="none" strike="noStrike" cap="none" baseline="0">
+              <a:rPr lang="pl" sz="3600" b="0" i="0" u="none" strike="noStrike" cap="none" baseline="0" dirty="0">
                 <a:solidFill>
                   <a:srgbClr val="FFFF00"/>
                 </a:solidFill>
@@ -11041,7 +10965,7 @@
               <a:t>print</a:t>
             </a:r>
             <a:r>
-              <a:rPr lang="pl" sz="3600" b="0" i="0" u="none" baseline="0">
+              <a:rPr lang="pl" sz="3600" b="0" i="0" u="none" baseline="0" dirty="0">
                 <a:solidFill>
                   <a:schemeClr val="lt1"/>
                 </a:solidFill>
@@ -11053,7 +10977,7 @@
               <a:t>(</a:t>
             </a:r>
             <a:r>
-              <a:rPr lang="pl" sz="3600" b="0" i="0" u="none" strike="noStrike" cap="none" baseline="0">
+              <a:rPr lang="pl" sz="3600" b="0" i="0" u="none" strike="noStrike" cap="none" baseline="0" dirty="0">
                 <a:solidFill>
                   <a:srgbClr val="00FF00"/>
                 </a:solidFill>
@@ -11065,7 +10989,7 @@
               <a:t>s</a:t>
             </a:r>
             <a:r>
-              <a:rPr lang="pl" sz="3600" b="0" i="0" u="none" strike="noStrike" cap="none" baseline="0">
+              <a:rPr lang="pl" sz="3600" b="0" i="0" u="none" strike="noStrike" cap="none" baseline="0" dirty="0">
                 <a:solidFill>
                   <a:srgbClr val="00FFFF"/>
                 </a:solidFill>
@@ -11077,7 +11001,7 @@
               <a:t>[</a:t>
             </a:r>
             <a:r>
-              <a:rPr lang="pl" sz="3600" b="0" i="0" u="none" strike="noStrike" cap="none" baseline="0">
+              <a:rPr lang="pl" sz="3600" b="0" i="0" u="none" strike="noStrike" cap="none" baseline="0" dirty="0">
                 <a:solidFill>
                   <a:srgbClr val="FF7F00"/>
                 </a:solidFill>
@@ -11089,7 +11013,7 @@
               <a:t>0</a:t>
             </a:r>
             <a:r>
-              <a:rPr lang="pl" sz="3600" b="0" i="0" u="none" strike="noStrike" cap="none" baseline="0">
+              <a:rPr lang="pl" sz="3600" b="0" i="0" u="none" strike="noStrike" cap="none" baseline="0" dirty="0">
                 <a:solidFill>
                   <a:schemeClr val="lt1"/>
                 </a:solidFill>
@@ -11101,7 +11025,7 @@
               <a:t>:</a:t>
             </a:r>
             <a:r>
-              <a:rPr lang="pl" sz="3600" b="0" i="0" u="none" strike="noStrike" cap="none" baseline="0">
+              <a:rPr lang="pl" sz="3600" b="0" i="0" u="none" strike="noStrike" cap="none" baseline="0" dirty="0">
                 <a:solidFill>
                   <a:srgbClr val="FF7F00"/>
                 </a:solidFill>
@@ -11113,7 +11037,7 @@
               <a:t>4</a:t>
             </a:r>
             <a:r>
-              <a:rPr lang="pl" sz="3600" b="0" i="0" u="none" strike="noStrike" cap="none" baseline="0">
+              <a:rPr lang="pl" sz="3600" b="0" i="0" u="none" strike="noStrike" cap="none" baseline="0" dirty="0">
                 <a:solidFill>
                   <a:srgbClr val="00FFFF"/>
                 </a:solidFill>
@@ -11125,7 +11049,7 @@
               <a:t>]</a:t>
             </a:r>
             <a:r>
-              <a:rPr lang="pl" sz="3600" b="0" i="0" u="none" strike="noStrike" cap="none" baseline="0">
+              <a:rPr lang="pl" sz="3600" b="0" i="0" u="none" strike="noStrike" cap="none" baseline="0" dirty="0">
                 <a:solidFill>
                   <a:schemeClr val="bg1"/>
                 </a:solidFill>
@@ -11165,7 +11089,7 @@
               <a:buNone/>
             </a:pPr>
             <a:r>
-              <a:rPr lang="pl" sz="3600" b="0" i="0" u="none" strike="noStrike" cap="none" baseline="0">
+              <a:rPr lang="pl" sz="3600" b="0" i="0" u="none" strike="noStrike" cap="none" baseline="0" dirty="0">
                 <a:solidFill>
                   <a:schemeClr val="lt1"/>
                 </a:solidFill>
@@ -11196,7 +11120,7 @@
               <a:buNone/>
             </a:pPr>
             <a:r>
-              <a:rPr lang="pl" sz="3600" b="0" i="0" u="none" strike="noStrike" cap="none" baseline="0">
+              <a:rPr lang="pl" sz="3600" b="0" i="0" u="none" strike="noStrike" cap="none" baseline="0" dirty="0">
                 <a:solidFill>
                   <a:schemeClr val="lt1"/>
                 </a:solidFill>
@@ -11208,7 +11132,7 @@
               <a:t>&gt;&gt;&gt; </a:t>
             </a:r>
             <a:r>
-              <a:rPr lang="pl" sz="3600" b="0" i="0" u="none" strike="noStrike" cap="none" baseline="0">
+              <a:rPr lang="pl" sz="3600" b="0" i="0" u="none" strike="noStrike" cap="none" baseline="0" dirty="0">
                 <a:solidFill>
                   <a:srgbClr val="FFFF00"/>
                 </a:solidFill>
@@ -11220,7 +11144,7 @@
               <a:t>print</a:t>
             </a:r>
             <a:r>
-              <a:rPr lang="pl" sz="3600" b="0" i="0" u="none" baseline="0">
+              <a:rPr lang="pl" sz="3600" b="0" i="0" u="none" baseline="0" dirty="0">
                 <a:solidFill>
                   <a:schemeClr val="lt1"/>
                 </a:solidFill>
@@ -11232,7 +11156,7 @@
               <a:t>(</a:t>
             </a:r>
             <a:r>
-              <a:rPr lang="pl" sz="3600" b="0" i="0" u="none" strike="noStrike" cap="none" baseline="0">
+              <a:rPr lang="pl" sz="3600" b="0" i="0" u="none" strike="noStrike" cap="none" baseline="0" dirty="0">
                 <a:solidFill>
                   <a:srgbClr val="00FF00"/>
                 </a:solidFill>
@@ -11244,7 +11168,7 @@
               <a:t>s</a:t>
             </a:r>
             <a:r>
-              <a:rPr lang="pl" sz="3600" b="0" i="0" u="none" strike="noStrike" cap="none" baseline="0">
+              <a:rPr lang="pl" sz="3600" b="0" i="0" u="none" strike="noStrike" cap="none" baseline="0" dirty="0">
                 <a:solidFill>
                   <a:srgbClr val="00FFFF"/>
                 </a:solidFill>
@@ -11256,7 +11180,7 @@
               <a:t>[</a:t>
             </a:r>
             <a:r>
-              <a:rPr lang="pl" sz="3600" b="0" i="0" u="none" strike="noStrike" cap="none" baseline="0">
+              <a:rPr lang="pl" sz="3600" b="0" i="0" u="none" strike="noStrike" cap="none" baseline="0" dirty="0">
                 <a:solidFill>
                   <a:srgbClr val="FF7F00"/>
                 </a:solidFill>
@@ -11268,7 +11192,7 @@
               <a:t>6:7</a:t>
             </a:r>
             <a:r>
-              <a:rPr lang="pl" sz="3600" b="0" i="0" u="none" strike="noStrike" cap="none" baseline="0">
+              <a:rPr lang="pl" sz="3600" b="0" i="0" u="none" strike="noStrike" cap="none" baseline="0" dirty="0">
                 <a:solidFill>
                   <a:srgbClr val="00FFFF"/>
                 </a:solidFill>
@@ -11280,7 +11204,7 @@
               <a:t>]</a:t>
             </a:r>
             <a:r>
-              <a:rPr lang="pl" sz="3600" b="0" i="0" u="none" strike="noStrike" cap="none" baseline="0">
+              <a:rPr lang="pl" sz="3600" b="0" i="0" u="none" strike="noStrike" cap="none" baseline="0" dirty="0">
                 <a:solidFill>
                   <a:schemeClr val="bg1"/>
                 </a:solidFill>
@@ -11320,7 +11244,7 @@
               <a:buNone/>
             </a:pPr>
             <a:r>
-              <a:rPr lang="pl" sz="3600" b="0" i="0" u="none" strike="noStrike" cap="none" baseline="0">
+              <a:rPr lang="pl" sz="3600" b="0" i="0" u="none" strike="noStrike" cap="none" baseline="0" dirty="0">
                 <a:solidFill>
                   <a:schemeClr val="lt1"/>
                 </a:solidFill>
@@ -11351,7 +11275,7 @@
               <a:buNone/>
             </a:pPr>
             <a:r>
-              <a:rPr lang="pl" sz="3600" b="0" i="0" u="none" strike="noStrike" cap="none" baseline="0">
+              <a:rPr lang="pl" sz="3600" b="0" i="0" u="none" strike="noStrike" cap="none" baseline="0" dirty="0">
                 <a:solidFill>
                   <a:schemeClr val="lt1"/>
                 </a:solidFill>
@@ -11363,7 +11287,7 @@
               <a:t>&gt;&gt;&gt; </a:t>
             </a:r>
             <a:r>
-              <a:rPr lang="pl" sz="3600" b="0" i="0" u="none" strike="noStrike" cap="none" baseline="0">
+              <a:rPr lang="pl" sz="3600" b="0" i="0" u="none" strike="noStrike" cap="none" baseline="0" dirty="0">
                 <a:solidFill>
                   <a:srgbClr val="FFFF00"/>
                 </a:solidFill>
@@ -11375,7 +11299,7 @@
               <a:t>print</a:t>
             </a:r>
             <a:r>
-              <a:rPr lang="pl" sz="3600" b="0" i="0" u="none" baseline="0">
+              <a:rPr lang="pl" sz="3600" b="0" i="0" u="none" baseline="0" dirty="0">
                 <a:solidFill>
                   <a:schemeClr val="lt1"/>
                 </a:solidFill>
@@ -11387,7 +11311,7 @@
               <a:t>(</a:t>
             </a:r>
             <a:r>
-              <a:rPr lang="pl" sz="3600" b="0" i="0" u="none" strike="noStrike" cap="none" baseline="0">
+              <a:rPr lang="pl" sz="3600" b="0" i="0" u="none" strike="noStrike" cap="none" baseline="0" dirty="0">
                 <a:solidFill>
                   <a:srgbClr val="00FF00"/>
                 </a:solidFill>
@@ -11399,7 +11323,7 @@
               <a:t>s</a:t>
             </a:r>
             <a:r>
-              <a:rPr lang="pl" sz="3600" b="0" i="0" u="none" strike="noStrike" cap="none" baseline="0">
+              <a:rPr lang="pl" sz="3600" b="0" i="0" u="none" strike="noStrike" cap="none" baseline="0" dirty="0">
                 <a:solidFill>
                   <a:srgbClr val="00FFFF"/>
                 </a:solidFill>
@@ -11411,7 +11335,7 @@
               <a:t>[</a:t>
             </a:r>
             <a:r>
-              <a:rPr lang="pl" sz="3600" b="0" i="0" u="none" strike="noStrike" cap="none" baseline="0">
+              <a:rPr lang="pl" sz="3600" b="0" i="0" u="none" strike="noStrike" cap="none" baseline="0" dirty="0">
                 <a:solidFill>
                   <a:srgbClr val="FF7F00"/>
                 </a:solidFill>
@@ -11423,7 +11347,7 @@
               <a:t>6</a:t>
             </a:r>
             <a:r>
-              <a:rPr lang="pl" sz="3600" b="0" i="0" u="none" strike="noStrike" cap="none" baseline="0">
+              <a:rPr lang="pl" sz="3600" b="0" i="0" u="none" strike="noStrike" cap="none" baseline="0" dirty="0">
                 <a:solidFill>
                   <a:srgbClr val="00FFFF"/>
                 </a:solidFill>
@@ -11435,7 +11359,7 @@
               <a:t>:</a:t>
             </a:r>
             <a:r>
-              <a:rPr lang="pl" sz="3600" b="0" i="0" u="none" strike="noStrike" cap="none" baseline="0">
+              <a:rPr lang="pl" sz="3600" b="0" i="0" u="none" strike="noStrike" cap="none" baseline="0" dirty="0">
                 <a:solidFill>
                   <a:srgbClr val="FF7F00"/>
                 </a:solidFill>
@@ -11447,7 +11371,7 @@
               <a:t>20</a:t>
             </a:r>
             <a:r>
-              <a:rPr lang="pl" sz="3600" b="0" i="0" u="none" strike="noStrike" cap="none" baseline="0">
+              <a:rPr lang="pl" sz="3600" b="0" i="0" u="none" strike="noStrike" cap="none" baseline="0" dirty="0">
                 <a:solidFill>
                   <a:srgbClr val="00FFFF"/>
                 </a:solidFill>
@@ -11459,7 +11383,7 @@
               <a:t>]</a:t>
             </a:r>
             <a:r>
-              <a:rPr lang="pl" sz="3600" b="0" i="0" u="none" strike="noStrike" cap="none" baseline="0">
+              <a:rPr lang="pl" sz="3600" b="0" i="0" u="none" strike="noStrike" cap="none" baseline="0" dirty="0">
                 <a:solidFill>
                   <a:schemeClr val="bg1"/>
                 </a:solidFill>
@@ -11499,7 +11423,7 @@
               <a:buNone/>
             </a:pPr>
             <a:r>
-              <a:rPr lang="pl" sz="3600" b="0" i="0" u="none" strike="noStrike" cap="none" baseline="0">
+              <a:rPr lang="pl" sz="3600" b="0" i="0" u="none" strike="noStrike" cap="none" baseline="0" dirty="0">
                 <a:solidFill>
                   <a:schemeClr val="lt1"/>
                 </a:solidFill>
@@ -13021,7 +12945,7 @@
               <a:buNone/>
             </a:pPr>
             <a:r>
-              <a:rPr lang="pl" sz="3600" b="0" i="0" u="none" strike="noStrike" cap="none" baseline="0">
+              <a:rPr lang="pl" sz="3600" b="0" i="0" u="none" strike="noStrike" cap="none" baseline="0" dirty="0">
                 <a:solidFill>
                   <a:schemeClr val="lt1"/>
                 </a:solidFill>
@@ -13033,7 +12957,7 @@
               <a:t>&gt;&gt;&gt; </a:t>
             </a:r>
             <a:r>
-              <a:rPr lang="pl" sz="3600" b="0" i="0" u="none" strike="noStrike" cap="none" baseline="0">
+              <a:rPr lang="pl" sz="3600" b="0" i="0" u="none" strike="noStrike" cap="none" baseline="0" dirty="0">
                 <a:solidFill>
                   <a:srgbClr val="00FF00"/>
                 </a:solidFill>
@@ -13045,7 +12969,7 @@
               <a:t>s</a:t>
             </a:r>
             <a:r>
-              <a:rPr lang="pl" sz="3600" b="0" i="0" u="none" strike="noStrike" cap="none" baseline="0">
+              <a:rPr lang="pl" sz="3600" b="0" i="0" u="none" strike="noStrike" cap="none" baseline="0" dirty="0">
                 <a:solidFill>
                   <a:schemeClr val="lt1"/>
                 </a:solidFill>
@@ -13057,7 +12981,7 @@
               <a:t> = </a:t>
             </a:r>
             <a:r>
-              <a:rPr lang="pl" sz="3600" b="0" i="0" u="none" strike="noStrike" cap="none" baseline="0">
+              <a:rPr lang="pl" sz="3600" b="0" i="0" u="none" strike="noStrike" cap="none" baseline="0" dirty="0">
                 <a:solidFill>
                   <a:srgbClr val="FF7F00"/>
                 </a:solidFill>
@@ -13088,7 +13012,7 @@
               <a:buNone/>
             </a:pPr>
             <a:r>
-              <a:rPr lang="pl" sz="3600" b="0" i="0" u="none" strike="noStrike" cap="none" baseline="0">
+              <a:rPr lang="pl" sz="3600" b="0" i="0" u="none" strike="noStrike" cap="none" baseline="0" dirty="0">
                 <a:solidFill>
                   <a:schemeClr val="lt1"/>
                 </a:solidFill>
@@ -13100,7 +13024,7 @@
               <a:t>&gt;&gt;&gt; </a:t>
             </a:r>
             <a:r>
-              <a:rPr lang="pl" sz="3600" b="0" i="0" u="none" strike="noStrike" cap="none" baseline="0">
+              <a:rPr lang="pl" sz="3600" b="0" i="0" u="none" strike="noStrike" cap="none" baseline="0" dirty="0">
                 <a:solidFill>
                   <a:srgbClr val="FFFF00"/>
                 </a:solidFill>
@@ -13112,7 +13036,7 @@
               <a:t>print</a:t>
             </a:r>
             <a:r>
-              <a:rPr lang="pl" sz="3600" b="0" i="0" u="none" baseline="0">
+              <a:rPr lang="pl" sz="3600" b="0" i="0" u="none" baseline="0" dirty="0">
                 <a:solidFill>
                   <a:schemeClr val="lt1"/>
                 </a:solidFill>
@@ -13124,7 +13048,7 @@
               <a:t>(</a:t>
             </a:r>
             <a:r>
-              <a:rPr lang="pl" sz="3600" b="0" i="0" u="none" strike="noStrike" cap="none" baseline="0">
+              <a:rPr lang="pl" sz="3600" b="0" i="0" u="none" strike="noStrike" cap="none" baseline="0" dirty="0">
                 <a:solidFill>
                   <a:srgbClr val="00FF00"/>
                 </a:solidFill>
@@ -13136,7 +13060,7 @@
               <a:t>s</a:t>
             </a:r>
             <a:r>
-              <a:rPr lang="pl" sz="3600" b="0" i="0" u="none" strike="noStrike" cap="none" baseline="0">
+              <a:rPr lang="pl" sz="3600" b="0" i="0" u="none" strike="noStrike" cap="none" baseline="0" dirty="0">
                 <a:solidFill>
                   <a:srgbClr val="00FFFF"/>
                 </a:solidFill>
@@ -13148,7 +13072,7 @@
               <a:t>[:</a:t>
             </a:r>
             <a:r>
-              <a:rPr lang="pl" sz="3600" b="0" i="0" u="none" strike="noStrike" cap="none" baseline="0">
+              <a:rPr lang="pl" sz="3600" b="0" i="0" u="none" strike="noStrike" cap="none" baseline="0" dirty="0">
                 <a:solidFill>
                   <a:srgbClr val="FF7F00"/>
                 </a:solidFill>
@@ -13160,7 +13084,7 @@
               <a:t>2</a:t>
             </a:r>
             <a:r>
-              <a:rPr lang="pl" sz="3600" b="0" i="0" u="none" strike="noStrike" cap="none" baseline="0">
+              <a:rPr lang="pl" sz="3600" b="0" i="0" u="none" strike="noStrike" cap="none" baseline="0" dirty="0">
                 <a:solidFill>
                   <a:srgbClr val="00FFFF"/>
                 </a:solidFill>
@@ -13172,7 +13096,7 @@
               <a:t>]</a:t>
             </a:r>
             <a:r>
-              <a:rPr lang="pl" sz="3600" b="0" i="0" u="none" strike="noStrike" cap="none" baseline="0">
+              <a:rPr lang="pl" sz="3600" b="0" i="0" u="none" strike="noStrike" cap="none" baseline="0" dirty="0">
                 <a:solidFill>
                   <a:schemeClr val="bg1"/>
                 </a:solidFill>
@@ -13212,7 +13136,7 @@
               <a:buNone/>
             </a:pPr>
             <a:r>
-              <a:rPr lang="pl" sz="3600" b="0" i="0" u="none" strike="noStrike" cap="none" baseline="0">
+              <a:rPr lang="pl" sz="3600" b="0" i="0" u="none" strike="noStrike" cap="none" baseline="0" dirty="0">
                 <a:solidFill>
                   <a:schemeClr val="lt1"/>
                 </a:solidFill>
@@ -13243,7 +13167,7 @@
               <a:buNone/>
             </a:pPr>
             <a:r>
-              <a:rPr lang="pl" sz="3600" b="0" i="0" u="none" strike="noStrike" cap="none" baseline="0">
+              <a:rPr lang="pl" sz="3600" b="0" i="0" u="none" strike="noStrike" cap="none" baseline="0" dirty="0">
                 <a:solidFill>
                   <a:schemeClr val="lt1"/>
                 </a:solidFill>
@@ -13255,7 +13179,7 @@
               <a:t>&gt;&gt;&gt; </a:t>
             </a:r>
             <a:r>
-              <a:rPr lang="pl" sz="3600" b="0" i="0" u="none" strike="noStrike" cap="none" baseline="0">
+              <a:rPr lang="pl" sz="3600" b="0" i="0" u="none" strike="noStrike" cap="none" baseline="0" dirty="0">
                 <a:solidFill>
                   <a:srgbClr val="FFFF00"/>
                 </a:solidFill>
@@ -13267,7 +13191,7 @@
               <a:t>print</a:t>
             </a:r>
             <a:r>
-              <a:rPr lang="pl" sz="3600" b="0" i="0" u="none" strike="noStrike" cap="none" baseline="0">
+              <a:rPr lang="pl" sz="3600" b="0" i="0" u="none" strike="noStrike" cap="none" baseline="0" dirty="0">
                 <a:solidFill>
                   <a:schemeClr val="lt1"/>
                 </a:solidFill>
@@ -13279,7 +13203,7 @@
               <a:t>(</a:t>
             </a:r>
             <a:r>
-              <a:rPr lang="pl" sz="3600" b="0" i="0" u="none" strike="noStrike" cap="none" baseline="0">
+              <a:rPr lang="pl" sz="3600" b="0" i="0" u="none" strike="noStrike" cap="none" baseline="0" dirty="0">
                 <a:solidFill>
                   <a:srgbClr val="00FF00"/>
                 </a:solidFill>
@@ -13291,7 +13215,7 @@
               <a:t>s</a:t>
             </a:r>
             <a:r>
-              <a:rPr lang="pl" sz="3600" b="0" i="0" u="none" strike="noStrike" cap="none" baseline="0">
+              <a:rPr lang="pl" sz="3600" b="0" i="0" u="none" strike="noStrike" cap="none" baseline="0" dirty="0">
                 <a:solidFill>
                   <a:srgbClr val="00FFFF"/>
                 </a:solidFill>
@@ -13303,7 +13227,7 @@
               <a:t>[</a:t>
             </a:r>
             <a:r>
-              <a:rPr lang="pl" sz="3600" b="0" i="0" u="none" strike="noStrike" cap="none" baseline="0">
+              <a:rPr lang="pl" sz="3600" b="0" i="0" u="none" strike="noStrike" cap="none" baseline="0" dirty="0">
                 <a:solidFill>
                   <a:srgbClr val="FF7F00"/>
                 </a:solidFill>
@@ -13315,7 +13239,7 @@
               <a:t>8</a:t>
             </a:r>
             <a:r>
-              <a:rPr lang="pl" sz="3600" b="0" i="0" u="none" strike="noStrike" cap="none" baseline="0">
+              <a:rPr lang="pl" sz="3600" b="0" i="0" u="none" strike="noStrike" cap="none" baseline="0" dirty="0">
                 <a:solidFill>
                   <a:srgbClr val="00FFFF"/>
                 </a:solidFill>
@@ -13327,7 +13251,7 @@
               <a:t>:]</a:t>
             </a:r>
             <a:r>
-              <a:rPr lang="pl" sz="3600" b="0" i="0" u="none" strike="noStrike" cap="none" baseline="0">
+              <a:rPr lang="pl" sz="3600" b="0" i="0" u="none" strike="noStrike" cap="none" baseline="0" dirty="0">
                 <a:solidFill>
                   <a:schemeClr val="bg1"/>
                 </a:solidFill>
@@ -13367,7 +13291,7 @@
               <a:buNone/>
             </a:pPr>
             <a:r>
-              <a:rPr lang="pl" sz="3600" b="0" i="0" u="none" baseline="0">
+              <a:rPr lang="pl" sz="3600" b="0" i="0" u="none" baseline="0" dirty="0">
                 <a:solidFill>
                   <a:schemeClr val="lt1"/>
                 </a:solidFill>
@@ -13379,7 +13303,7 @@
               <a:t>t</a:t>
             </a:r>
             <a:r>
-              <a:rPr lang="pl" sz="3600" b="0" i="0" u="none" strike="noStrike" cap="none" baseline="0">
+              <a:rPr lang="pl" sz="3600" b="0" i="0" u="none" strike="noStrike" cap="none" baseline="0" dirty="0">
                 <a:solidFill>
                   <a:schemeClr val="lt1"/>
                 </a:solidFill>
@@ -13410,7 +13334,7 @@
               <a:buNone/>
             </a:pPr>
             <a:r>
-              <a:rPr lang="pl" sz="3600" b="0" i="0" u="none" strike="noStrike" cap="none" baseline="0">
+              <a:rPr lang="pl" sz="3600" b="0" i="0" u="none" strike="noStrike" cap="none" baseline="0" dirty="0">
                 <a:solidFill>
                   <a:schemeClr val="lt1"/>
                 </a:solidFill>
@@ -13422,7 +13346,7 @@
               <a:t>&gt;&gt;&gt; </a:t>
             </a:r>
             <a:r>
-              <a:rPr lang="pl" sz="3600" b="0" i="0" u="none" strike="noStrike" cap="none" baseline="0">
+              <a:rPr lang="pl" sz="3600" b="0" i="0" u="none" strike="noStrike" cap="none" baseline="0" dirty="0">
                 <a:solidFill>
                   <a:srgbClr val="FFFF00"/>
                 </a:solidFill>
@@ -13434,7 +13358,7 @@
               <a:t>print</a:t>
             </a:r>
             <a:r>
-              <a:rPr lang="pl" sz="3600" b="0" i="0" u="none" baseline="0">
+              <a:rPr lang="pl" sz="3600" b="0" i="0" u="none" baseline="0" dirty="0">
                 <a:solidFill>
                   <a:schemeClr val="lt1"/>
                 </a:solidFill>
@@ -13446,7 +13370,7 @@
               <a:t>(</a:t>
             </a:r>
             <a:r>
-              <a:rPr lang="pl" sz="3600" b="0" i="0" u="none" strike="noStrike" cap="none" baseline="0">
+              <a:rPr lang="pl" sz="3600" b="0" i="0" u="none" strike="noStrike" cap="none" baseline="0" dirty="0">
                 <a:solidFill>
                   <a:srgbClr val="00FF00"/>
                 </a:solidFill>
@@ -13458,7 +13382,7 @@
               <a:t>s</a:t>
             </a:r>
             <a:r>
-              <a:rPr lang="pl" sz="3600" b="0" i="0" u="none" strike="noStrike" cap="none" baseline="0">
+              <a:rPr lang="pl" sz="3600" b="0" i="0" u="none" strike="noStrike" cap="none" baseline="0" dirty="0">
                 <a:solidFill>
                   <a:srgbClr val="00FFFF"/>
                 </a:solidFill>
@@ -13470,7 +13394,7 @@
               <a:t>[:]</a:t>
             </a:r>
             <a:r>
-              <a:rPr lang="pl" sz="3600" b="0" i="0" u="none" strike="noStrike" cap="none" baseline="0">
+              <a:rPr lang="pl" sz="3600" b="0" i="0" u="none" strike="noStrike" cap="none" baseline="0" dirty="0">
                 <a:solidFill>
                   <a:schemeClr val="bg1"/>
                 </a:solidFill>
@@ -13510,7 +13434,7 @@
               <a:buNone/>
             </a:pPr>
             <a:r>
-              <a:rPr lang="pl" sz="3600" b="0" i="0" u="none" strike="noStrike" cap="none" baseline="0">
+              <a:rPr lang="pl" sz="3600" b="0" i="0" u="none" strike="noStrike" cap="none" baseline="0" dirty="0">
                 <a:solidFill>
                   <a:schemeClr val="lt1"/>
                 </a:solidFill>
@@ -13561,7 +13485,7 @@
               <a:buNone/>
             </a:pPr>
             <a:r>
-              <a:rPr lang="pl" sz="3400" b="0" i="0" u="none" baseline="0">
+              <a:rPr lang="pl" sz="3400" b="0" i="0" u="none" baseline="0" dirty="0">
                 <a:solidFill>
                   <a:schemeClr val="lt1"/>
                 </a:solidFill>
@@ -16418,7 +16342,7 @@
                 <a:cs typeface="Arial" charset="0"/>
                 <a:sym typeface="Cabin"/>
               </a:rPr>
-              <a:t> zwraca wartość </a:t>
+              <a:t>zwraca wartość </a:t>
             </a:r>
             <a:r>
               <a:rPr lang="pl" sz="3600" b="0" i="0" u="none" strike="noStrike" cap="none" baseline="0" dirty="0">
@@ -16526,7 +16450,7 @@
               <a:buNone/>
             </a:pPr>
             <a:r>
-              <a:rPr lang="pl" sz="3000" b="0" i="0" u="none" strike="noStrike" cap="none" baseline="0">
+              <a:rPr lang="pl" sz="3000" b="0" i="0" u="none" strike="noStrike" cap="none" baseline="0" dirty="0">
                 <a:solidFill>
                   <a:schemeClr val="lt1"/>
                 </a:solidFill>
@@ -16538,7 +16462,7 @@
               <a:t>&gt;&gt;&gt; </a:t>
             </a:r>
             <a:r>
-              <a:rPr lang="pl" sz="3000" b="0" i="0" u="none" strike="noStrike" cap="none" baseline="0">
+              <a:rPr lang="pl" sz="3000" b="0" i="0" u="none" strike="noStrike" cap="none" baseline="0" dirty="0">
                 <a:solidFill>
                   <a:srgbClr val="00FF00"/>
                 </a:solidFill>
@@ -16550,7 +16474,7 @@
               <a:t>fruit</a:t>
             </a:r>
             <a:r>
-              <a:rPr lang="pl" sz="3000" b="0" i="0" u="none" strike="noStrike" cap="none" baseline="0">
+              <a:rPr lang="pl" sz="3000" b="0" i="0" u="none" strike="noStrike" cap="none" baseline="0" dirty="0">
                 <a:solidFill>
                   <a:schemeClr val="lt1"/>
                 </a:solidFill>
@@ -16562,7 +16486,7 @@
               <a:t> = </a:t>
             </a:r>
             <a:r>
-              <a:rPr lang="pl" sz="3000" b="0" i="0" u="none" strike="noStrike" cap="none" baseline="0">
+              <a:rPr lang="pl" sz="3000" b="0" i="0" u="none" strike="noStrike" cap="none" baseline="0" dirty="0">
                 <a:solidFill>
                   <a:srgbClr val="FF7F00"/>
                 </a:solidFill>
@@ -16571,10 +16495,10 @@
                 <a:cs typeface="Courier"/>
                 <a:sym typeface="Courier New"/>
               </a:rPr>
-              <a:t>'banana</a:t>
-            </a:r>
-            <a:r>
-              <a:rPr lang="pl" sz="3000" b="0" i="0" u="none" baseline="0">
+              <a:t>'banan</a:t>
+            </a:r>
+            <a:r>
+              <a:rPr lang="pl" sz="3000" b="0" i="0" u="none" baseline="0" dirty="0">
                 <a:solidFill>
                   <a:srgbClr val="FF7F00"/>
                 </a:solidFill>
@@ -16605,7 +16529,7 @@
               <a:buNone/>
             </a:pPr>
             <a:r>
-              <a:rPr lang="pl" sz="3000" b="0" i="0" u="none" strike="noStrike" cap="none" baseline="0">
+              <a:rPr lang="pl" sz="3000" b="0" i="0" u="none" strike="noStrike" cap="none" baseline="0" dirty="0">
                 <a:solidFill>
                   <a:schemeClr val="lt1"/>
                 </a:solidFill>
@@ -16617,7 +16541,7 @@
               <a:t>&gt;&gt;&gt; </a:t>
             </a:r>
             <a:r>
-              <a:rPr lang="pl" sz="3000" b="0" i="0" u="none" strike="noStrike" cap="none" baseline="0">
+              <a:rPr lang="pl" sz="3000" b="0" i="0" u="none" strike="noStrike" cap="none" baseline="0" dirty="0">
                 <a:solidFill>
                   <a:srgbClr val="FF7F00"/>
                 </a:solidFill>
@@ -16629,7 +16553,7 @@
               <a:t>'n'</a:t>
             </a:r>
             <a:r>
-              <a:rPr lang="pl" sz="3000" b="0" i="0" u="none" strike="noStrike" cap="none" baseline="0">
+              <a:rPr lang="pl" sz="3000" b="0" i="0" u="none" strike="noStrike" cap="none" baseline="0" dirty="0">
                 <a:solidFill>
                   <a:schemeClr val="lt1"/>
                 </a:solidFill>
@@ -16641,7 +16565,7 @@
               <a:t> </a:t>
             </a:r>
             <a:r>
-              <a:rPr lang="pl" sz="3000" b="0" i="0" u="none" strike="noStrike" cap="none" baseline="0">
+              <a:rPr lang="pl" sz="3000" b="0" i="0" u="none" strike="noStrike" cap="none" baseline="0" dirty="0">
                 <a:solidFill>
                   <a:srgbClr val="FFFF00"/>
                 </a:solidFill>
@@ -16653,7 +16577,7 @@
               <a:t>in</a:t>
             </a:r>
             <a:r>
-              <a:rPr lang="pl" sz="3000" b="0" i="0" u="none" strike="noStrike" cap="none" baseline="0">
+              <a:rPr lang="pl" sz="3000" b="0" i="0" u="none" strike="noStrike" cap="none" baseline="0" dirty="0">
                 <a:solidFill>
                   <a:schemeClr val="lt1"/>
                 </a:solidFill>
@@ -16665,7 +16589,7 @@
               <a:t> </a:t>
             </a:r>
             <a:r>
-              <a:rPr lang="pl" sz="3000" b="0" i="0" u="none" strike="noStrike" cap="none" baseline="0">
+              <a:rPr lang="pl" sz="3000" b="0" i="0" u="none" strike="noStrike" cap="none" baseline="0" dirty="0">
                 <a:solidFill>
                   <a:srgbClr val="00FF00"/>
                 </a:solidFill>
@@ -16696,7 +16620,7 @@
               <a:buNone/>
             </a:pPr>
             <a:r>
-              <a:rPr lang="pl" sz="3000" b="0" i="0" u="none" strike="noStrike" cap="none" baseline="0">
+              <a:rPr lang="pl" sz="3000" b="0" i="0" u="none" strike="noStrike" cap="none" baseline="0" dirty="0">
                 <a:solidFill>
                   <a:schemeClr val="lt1"/>
                 </a:solidFill>
@@ -16727,7 +16651,7 @@
               <a:buNone/>
             </a:pPr>
             <a:r>
-              <a:rPr lang="pl" sz="3000" b="0" i="0" u="none" strike="noStrike" cap="none" baseline="0">
+              <a:rPr lang="pl" sz="3000" b="0" i="0" u="none" strike="noStrike" cap="none" baseline="0" dirty="0">
                 <a:solidFill>
                   <a:schemeClr val="lt1"/>
                 </a:solidFill>
@@ -16739,7 +16663,7 @@
               <a:t>&gt;&gt;&gt; </a:t>
             </a:r>
             <a:r>
-              <a:rPr lang="pl" sz="3000" b="0" i="0" u="none" strike="noStrike" cap="none" baseline="0">
+              <a:rPr lang="pl" sz="3000" b="0" i="0" u="none" strike="noStrike" cap="none" baseline="0" dirty="0">
                 <a:solidFill>
                   <a:srgbClr val="FF7F00"/>
                 </a:solidFill>
@@ -16751,7 +16675,7 @@
               <a:t>'m'</a:t>
             </a:r>
             <a:r>
-              <a:rPr lang="pl" sz="3000" b="0" i="0" u="none" strike="noStrike" cap="none" baseline="0">
+              <a:rPr lang="pl" sz="3000" b="0" i="0" u="none" strike="noStrike" cap="none" baseline="0" dirty="0">
                 <a:solidFill>
                   <a:schemeClr val="lt1"/>
                 </a:solidFill>
@@ -16763,7 +16687,7 @@
               <a:t> </a:t>
             </a:r>
             <a:r>
-              <a:rPr lang="pl" sz="3000" b="0" i="0" u="none" strike="noStrike" cap="none" baseline="0">
+              <a:rPr lang="pl" sz="3000" b="0" i="0" u="none" strike="noStrike" cap="none" baseline="0" dirty="0">
                 <a:solidFill>
                   <a:srgbClr val="FFFF00"/>
                 </a:solidFill>
@@ -16775,7 +16699,7 @@
               <a:t>in</a:t>
             </a:r>
             <a:r>
-              <a:rPr lang="pl" sz="3000" b="0" i="0" u="none" strike="noStrike" cap="none" baseline="0">
+              <a:rPr lang="pl" sz="3000" b="0" i="0" u="none" strike="noStrike" cap="none" baseline="0" dirty="0">
                 <a:solidFill>
                   <a:schemeClr val="lt1"/>
                 </a:solidFill>
@@ -16787,7 +16711,7 @@
               <a:t> </a:t>
             </a:r>
             <a:r>
-              <a:rPr lang="pl" sz="3000" b="0" i="0" u="none" strike="noStrike" cap="none" baseline="0">
+              <a:rPr lang="pl" sz="3000" b="0" i="0" u="none" strike="noStrike" cap="none" baseline="0" dirty="0">
                 <a:solidFill>
                   <a:srgbClr val="00FF00"/>
                 </a:solidFill>
@@ -16818,7 +16742,7 @@
               <a:buNone/>
             </a:pPr>
             <a:r>
-              <a:rPr lang="pl" sz="3000" b="0" i="0" u="none" strike="noStrike" cap="none" baseline="0">
+              <a:rPr lang="pl" sz="3000" b="0" i="0" u="none" strike="noStrike" cap="none" baseline="0" dirty="0">
                 <a:solidFill>
                   <a:schemeClr val="lt1"/>
                 </a:solidFill>
@@ -16849,7 +16773,7 @@
               <a:buNone/>
             </a:pPr>
             <a:r>
-              <a:rPr lang="pl" sz="3000" b="0" i="0" u="none" strike="noStrike" cap="none" baseline="0">
+              <a:rPr lang="pl" sz="3000" b="0" i="0" u="none" strike="noStrike" cap="none" baseline="0" dirty="0">
                 <a:solidFill>
                   <a:schemeClr val="lt1"/>
                 </a:solidFill>
@@ -16861,7 +16785,7 @@
               <a:t>&gt;&gt;&gt; </a:t>
             </a:r>
             <a:r>
-              <a:rPr lang="pl" sz="3000" b="0" i="0" u="none" strike="noStrike" cap="none" baseline="0">
+              <a:rPr lang="pl" sz="3000" b="0" i="0" u="none" strike="noStrike" cap="none" baseline="0" dirty="0">
                 <a:solidFill>
                   <a:srgbClr val="FF7F00"/>
                 </a:solidFill>
@@ -16873,7 +16797,7 @@
               <a:t>'nan'</a:t>
             </a:r>
             <a:r>
-              <a:rPr lang="pl" sz="3000" b="0" i="0" u="none" strike="noStrike" cap="none" baseline="0">
+              <a:rPr lang="pl" sz="3000" b="0" i="0" u="none" strike="noStrike" cap="none" baseline="0" dirty="0">
                 <a:solidFill>
                   <a:schemeClr val="lt1"/>
                 </a:solidFill>
@@ -16885,7 +16809,7 @@
               <a:t> </a:t>
             </a:r>
             <a:r>
-              <a:rPr lang="pl" sz="3000" b="0" i="0" u="none" strike="noStrike" cap="none" baseline="0">
+              <a:rPr lang="pl" sz="3000" b="0" i="0" u="none" strike="noStrike" cap="none" baseline="0" dirty="0">
                 <a:solidFill>
                   <a:srgbClr val="FFFF00"/>
                 </a:solidFill>
@@ -16897,7 +16821,7 @@
               <a:t>in </a:t>
             </a:r>
             <a:r>
-              <a:rPr lang="pl" sz="3000" b="0" i="0" u="none" strike="noStrike" cap="none" baseline="0">
+              <a:rPr lang="pl" sz="3000" b="0" i="0" u="none" strike="noStrike" cap="none" baseline="0" dirty="0">
                 <a:solidFill>
                   <a:srgbClr val="00FF00"/>
                 </a:solidFill>
@@ -16928,7 +16852,7 @@
               <a:buNone/>
             </a:pPr>
             <a:r>
-              <a:rPr lang="pl" sz="3000" b="0" i="0" u="none" strike="noStrike" cap="none" baseline="0">
+              <a:rPr lang="pl" sz="3000" b="0" i="0" u="none" strike="noStrike" cap="none" baseline="0" dirty="0">
                 <a:solidFill>
                   <a:schemeClr val="lt1"/>
                 </a:solidFill>
@@ -16959,7 +16883,7 @@
               <a:buNone/>
             </a:pPr>
             <a:r>
-              <a:rPr lang="pl" sz="3000" b="0" i="0" u="none" strike="noStrike" cap="none" baseline="0">
+              <a:rPr lang="pl" sz="3000" b="0" i="0" u="none" strike="noStrike" cap="none" baseline="0" dirty="0">
                 <a:solidFill>
                   <a:schemeClr val="lt1"/>
                 </a:solidFill>
@@ -16971,7 +16895,7 @@
               <a:t>&gt;&gt;&gt; </a:t>
             </a:r>
             <a:r>
-              <a:rPr lang="pl" sz="3000" b="0" i="0" u="none" strike="noStrike" cap="none" baseline="0">
+              <a:rPr lang="pl" sz="3000" b="0" i="0" u="none" strike="noStrike" cap="none" baseline="0" dirty="0">
                 <a:solidFill>
                   <a:srgbClr val="FFFF00"/>
                 </a:solidFill>
@@ -16983,7 +16907,7 @@
               <a:t>if</a:t>
             </a:r>
             <a:r>
-              <a:rPr lang="pl" sz="3000" b="0" i="0" u="none" strike="noStrike" cap="none" baseline="0">
+              <a:rPr lang="pl" sz="3000" b="0" i="0" u="none" strike="noStrike" cap="none" baseline="0" dirty="0">
                 <a:solidFill>
                   <a:schemeClr val="lt1"/>
                 </a:solidFill>
@@ -16995,7 +16919,7 @@
               <a:t> </a:t>
             </a:r>
             <a:r>
-              <a:rPr lang="pl" sz="3000" b="0" i="0" u="none" strike="noStrike" cap="none" baseline="0">
+              <a:rPr lang="pl" sz="3000" b="0" i="0" u="none" strike="noStrike" cap="none" baseline="0" dirty="0">
                 <a:solidFill>
                   <a:srgbClr val="FF7F00"/>
                 </a:solidFill>
@@ -17007,7 +16931,7 @@
               <a:t>'a'</a:t>
             </a:r>
             <a:r>
-              <a:rPr lang="pl" sz="3000" b="0" i="0" u="none" strike="noStrike" cap="none" baseline="0">
+              <a:rPr lang="pl" sz="3000" b="0" i="0" u="none" strike="noStrike" cap="none" baseline="0" dirty="0">
                 <a:solidFill>
                   <a:schemeClr val="lt1"/>
                 </a:solidFill>
@@ -17019,7 +16943,7 @@
               <a:t> </a:t>
             </a:r>
             <a:r>
-              <a:rPr lang="pl" sz="3000" b="0" i="0" u="none" strike="noStrike" cap="none" baseline="0">
+              <a:rPr lang="pl" sz="3000" b="0" i="0" u="none" strike="noStrike" cap="none" baseline="0" dirty="0">
                 <a:solidFill>
                   <a:srgbClr val="FFFF00"/>
                 </a:solidFill>
@@ -17031,7 +16955,7 @@
               <a:t>in</a:t>
             </a:r>
             <a:r>
-              <a:rPr lang="pl" sz="3000" b="0" i="0" u="none" strike="noStrike" cap="none" baseline="0">
+              <a:rPr lang="pl" sz="3000" b="0" i="0" u="none" strike="noStrike" cap="none" baseline="0" dirty="0">
                 <a:solidFill>
                   <a:schemeClr val="lt1"/>
                 </a:solidFill>
@@ -17043,7 +16967,7 @@
               <a:t> </a:t>
             </a:r>
             <a:r>
-              <a:rPr lang="pl" sz="3000" b="0" i="0" u="none" strike="noStrike" cap="none" baseline="0">
+              <a:rPr lang="pl" sz="3000" b="0" i="0" u="none" strike="noStrike" cap="none" baseline="0" dirty="0">
                 <a:solidFill>
                   <a:srgbClr val="00FF00"/>
                 </a:solidFill>
@@ -17055,7 +16979,7 @@
               <a:t>fruit</a:t>
             </a:r>
             <a:r>
-              <a:rPr lang="pl" sz="3000" b="0" i="0" u="none" strike="noStrike" cap="none" baseline="0">
+              <a:rPr lang="pl" sz="3000" b="0" i="0" u="none" strike="noStrike" cap="none" baseline="0" dirty="0">
                 <a:solidFill>
                   <a:schemeClr val="lt1"/>
                 </a:solidFill>
@@ -17086,7 +17010,7 @@
               <a:buNone/>
             </a:pPr>
             <a:r>
-              <a:rPr lang="pl" sz="3000" b="0" i="0" u="none" strike="noStrike" cap="none" baseline="0">
+              <a:rPr lang="pl" sz="3000" b="0" i="0" u="none" strike="noStrike" cap="none" baseline="0" dirty="0">
                 <a:solidFill>
                   <a:schemeClr val="lt1"/>
                 </a:solidFill>
@@ -17098,7 +17022,7 @@
               <a:t>...     </a:t>
             </a:r>
             <a:r>
-              <a:rPr lang="pl" sz="3000" b="0" i="0" u="none" strike="noStrike" cap="none" baseline="0">
+              <a:rPr lang="pl" sz="3000" b="0" i="0" u="none" strike="noStrike" cap="none" baseline="0" dirty="0">
                 <a:solidFill>
                   <a:srgbClr val="FFFF00"/>
                 </a:solidFill>
@@ -17110,7 +17034,7 @@
               <a:t>print</a:t>
             </a:r>
             <a:r>
-              <a:rPr lang="pl" sz="3000" b="0" i="0" u="none" baseline="0">
+              <a:rPr lang="pl" sz="3000" b="0" i="0" u="none" baseline="0" dirty="0">
                 <a:solidFill>
                   <a:schemeClr val="lt1"/>
                 </a:solidFill>
@@ -17122,7 +17046,7 @@
               <a:t>(</a:t>
             </a:r>
             <a:r>
-              <a:rPr lang="pl" sz="3000" b="0" i="0" u="none" strike="noStrike" cap="none" baseline="0">
+              <a:rPr lang="pl" sz="3000" b="0" i="0" u="none" strike="noStrike" cap="none" baseline="0" dirty="0">
                 <a:solidFill>
                   <a:srgbClr val="FF7F00"/>
                 </a:solidFill>
@@ -17134,7 +17058,7 @@
               <a:t>'Jest!</a:t>
             </a:r>
             <a:r>
-              <a:rPr lang="pl" sz="3000" b="0" i="0" u="none" baseline="0">
+              <a:rPr lang="pl" sz="3000" b="0" i="0" u="none" baseline="0" dirty="0">
                 <a:solidFill>
                   <a:srgbClr val="FF7F00"/>
                 </a:solidFill>
@@ -17146,7 +17070,7 @@
               <a:t>'</a:t>
             </a:r>
             <a:r>
-              <a:rPr lang="pl" sz="3000" b="0" i="0" u="none" baseline="0">
+              <a:rPr lang="pl" sz="3000" b="0" i="0" u="none" baseline="0" dirty="0">
                 <a:solidFill>
                   <a:schemeClr val="bg1"/>
                 </a:solidFill>
@@ -17186,7 +17110,7 @@
               <a:buNone/>
             </a:pPr>
             <a:r>
-              <a:rPr lang="pl" sz="3000" b="0" i="0" u="none" strike="noStrike" cap="none" baseline="0">
+              <a:rPr lang="pl" sz="3000" b="0" i="0" u="none" strike="noStrike" cap="none" baseline="0" dirty="0">
                 <a:solidFill>
                   <a:schemeClr val="lt1"/>
                 </a:solidFill>
@@ -17217,7 +17141,7 @@
               <a:buNone/>
             </a:pPr>
             <a:r>
-              <a:rPr lang="pl" sz="3000" b="0" i="0" u="none" strike="noStrike" cap="none" baseline="0">
+              <a:rPr lang="pl" sz="3000" b="0" i="0" u="none" strike="noStrike" cap="none" baseline="0" dirty="0">
                 <a:solidFill>
                   <a:schemeClr val="lt1"/>
                 </a:solidFill>
@@ -17248,7 +17172,7 @@
               <a:buNone/>
             </a:pPr>
             <a:r>
-              <a:rPr lang="pl" sz="3000" b="0" i="0" u="none" strike="noStrike" cap="none" baseline="0">
+              <a:rPr lang="pl" sz="3000" b="0" i="0" u="none" strike="noStrike" cap="none" baseline="0" dirty="0">
                 <a:solidFill>
                   <a:schemeClr val="lt1"/>
                 </a:solidFill>
@@ -17360,8 +17284,8 @@
         </p:nvSpPr>
         <p:spPr>
           <a:xfrm>
-            <a:off x="1155700" y="2832100"/>
-            <a:ext cx="7288213" cy="5702399"/>
+            <a:off x="668740" y="2832100"/>
+            <a:ext cx="7775173" cy="5702399"/>
           </a:xfrm>
           <a:prstGeom prst="rect">
             <a:avLst/>
@@ -17435,7 +17359,31 @@
                 <a:cs typeface="Arial" charset="0"/>
                 <a:sym typeface="Cabin"/>
               </a:rPr>
-              <a:t>Literał ciągu zapisuje się w cudzysłowach </a:t>
+              <a:t>Literał ciągu zapisuje się w </a:t>
+            </a:r>
+            <a:r>
+              <a:rPr lang="en-US" sz="3000" b="0" i="0" u="none" strike="noStrike" cap="none" baseline="0" dirty="0" err="1">
+                <a:solidFill>
+                  <a:srgbClr val="FF00FF"/>
+                </a:solidFill>
+                <a:latin typeface="Arial" charset="0"/>
+                <a:ea typeface="Arial" charset="0"/>
+                <a:cs typeface="Arial" charset="0"/>
+                <a:sym typeface="Cabin"/>
+              </a:rPr>
+              <a:t>apostrofach</a:t>
+            </a:r>
+            <a:r>
+              <a:rPr lang="en-US" sz="3000" b="0" i="0" u="none" strike="noStrike" cap="none" baseline="0" dirty="0">
+                <a:solidFill>
+                  <a:srgbClr val="FF00FF"/>
+                </a:solidFill>
+                <a:latin typeface="Arial" charset="0"/>
+                <a:ea typeface="Arial" charset="0"/>
+                <a:cs typeface="Arial" charset="0"/>
+                <a:sym typeface="Cabin"/>
+              </a:rPr>
+              <a:t> </a:t>
             </a:r>
             <a:r>
               <a:rPr lang="pl" sz="3000" b="0" i="0" u="none" strike="noStrike" cap="none" baseline="0" dirty="0">
@@ -17483,7 +17431,7 @@
                 <a:cs typeface="Arial" charset="0"/>
                 <a:sym typeface="Cabin"/>
               </a:rPr>
-              <a:t> lub </a:t>
+              <a:t> lub cudzysłowach </a:t>
             </a:r>
             <a:r>
               <a:rPr lang="pl" sz="3000" b="0" i="0" u="none" baseline="0" dirty="0">
@@ -18454,7 +18402,7 @@
               <a:buNone/>
             </a:pPr>
             <a:r>
-              <a:rPr lang="pl" sz="3400" b="0" i="0" u="none" strike="noStrike" cap="none" baseline="0">
+              <a:rPr lang="pl" sz="3400" b="0" i="0" u="none" strike="noStrike" cap="none" baseline="0" dirty="0">
                 <a:solidFill>
                   <a:srgbClr val="FFFF00"/>
                 </a:solidFill>
@@ -18466,7 +18414,7 @@
               <a:t>if</a:t>
             </a:r>
             <a:r>
-              <a:rPr lang="pl" sz="3400" b="0" i="0" u="none" strike="noStrike" cap="none" baseline="0">
+              <a:rPr lang="pl" sz="3400" b="0" i="0" u="none" strike="noStrike" cap="none" baseline="0" dirty="0">
                 <a:solidFill>
                   <a:schemeClr val="lt1"/>
                 </a:solidFill>
@@ -18478,7 +18426,7 @@
               <a:t> </a:t>
             </a:r>
             <a:r>
-              <a:rPr lang="pl" sz="3400" b="0" i="0" u="none" strike="noStrike" cap="none" baseline="0">
+              <a:rPr lang="pl" sz="3400" b="0" i="0" u="none" strike="noStrike" cap="none" baseline="0" dirty="0">
                 <a:solidFill>
                   <a:srgbClr val="00FF00"/>
                 </a:solidFill>
@@ -18490,7 +18438,7 @@
               <a:t>word</a:t>
             </a:r>
             <a:r>
-              <a:rPr lang="pl" sz="3400" b="0" i="0" u="none" strike="noStrike" cap="none" baseline="0">
+              <a:rPr lang="pl" sz="3400" b="0" i="0" u="none" strike="noStrike" cap="none" baseline="0" dirty="0">
                 <a:solidFill>
                   <a:schemeClr val="lt1"/>
                 </a:solidFill>
@@ -18502,7 +18450,7 @@
               <a:t> </a:t>
             </a:r>
             <a:r>
-              <a:rPr lang="pl" sz="3400" b="0" i="0" u="none" strike="noStrike" cap="none" baseline="0">
+              <a:rPr lang="pl" sz="3400" b="0" i="0" u="none" strike="noStrike" cap="none" baseline="0" dirty="0">
                 <a:solidFill>
                   <a:srgbClr val="00FFFF"/>
                 </a:solidFill>
@@ -18514,7 +18462,7 @@
               <a:t>==</a:t>
             </a:r>
             <a:r>
-              <a:rPr lang="pl" sz="3400" b="0" i="0" u="none" strike="noStrike" cap="none" baseline="0">
+              <a:rPr lang="pl" sz="3400" b="0" i="0" u="none" strike="noStrike" cap="none" baseline="0" dirty="0">
                 <a:solidFill>
                   <a:schemeClr val="lt1"/>
                 </a:solidFill>
@@ -18526,7 +18474,7 @@
               <a:t> </a:t>
             </a:r>
             <a:r>
-              <a:rPr lang="pl" sz="3400" b="0" i="0" u="none" strike="noStrike" cap="none" baseline="0">
+              <a:rPr lang="pl" sz="3400" b="0" i="0" u="none" strike="noStrike" cap="none" baseline="0" dirty="0">
                 <a:solidFill>
                   <a:srgbClr val="FF7F00"/>
                 </a:solidFill>
@@ -18535,10 +18483,10 @@
                 <a:cs typeface="Courier"/>
                 <a:sym typeface="Courier New"/>
               </a:rPr>
-              <a:t>'banana'</a:t>
-            </a:r>
-            <a:r>
-              <a:rPr lang="pl" sz="3400" b="0" i="0" u="none" strike="noStrike" cap="none" baseline="0">
+              <a:t>'banan'</a:t>
+            </a:r>
+            <a:r>
+              <a:rPr lang="pl" sz="3400" b="0" i="0" u="none" strike="noStrike" cap="none" baseline="0" dirty="0">
                 <a:solidFill>
                   <a:schemeClr val="lt1"/>
                 </a:solidFill>
@@ -18569,7 +18517,7 @@
               <a:buNone/>
             </a:pPr>
             <a:r>
-              <a:rPr lang="pl" sz="3400" b="0" i="0" u="none" strike="noStrike" cap="none" baseline="0">
+              <a:rPr lang="pl" sz="3400" b="0" i="0" u="none" strike="noStrike" cap="none" baseline="0" dirty="0">
                 <a:solidFill>
                   <a:schemeClr val="lt1"/>
                 </a:solidFill>
@@ -18581,7 +18529,7 @@
               <a:t>    </a:t>
             </a:r>
             <a:r>
-              <a:rPr lang="pl" sz="3400" b="0" i="0" u="none" strike="noStrike" cap="none" baseline="0">
+              <a:rPr lang="pl" sz="3400" b="0" i="0" u="none" strike="noStrike" cap="none" baseline="0" dirty="0">
                 <a:solidFill>
                   <a:srgbClr val="FFFF00"/>
                 </a:solidFill>
@@ -18593,7 +18541,7 @@
               <a:t>print</a:t>
             </a:r>
             <a:r>
-              <a:rPr lang="pl" sz="3400" b="0" i="0" u="none" baseline="0">
+              <a:rPr lang="pl" sz="3400" b="0" i="0" u="none" baseline="0" dirty="0">
                 <a:solidFill>
                   <a:schemeClr val="lt1"/>
                 </a:solidFill>
@@ -18605,7 +18553,7 @@
               <a:t>(</a:t>
             </a:r>
             <a:r>
-              <a:rPr lang="pl" sz="3400" b="0" i="0" u="none" strike="noStrike" cap="none" baseline="0">
+              <a:rPr lang="pl" sz="3400" b="0" i="0" u="none" strike="noStrike" cap="none" baseline="0" dirty="0">
                 <a:solidFill>
                   <a:srgbClr val="FF7F00"/>
                 </a:solidFill>
@@ -18617,7 +18565,7 @@
               <a:t>'Okej, to banan.'</a:t>
             </a:r>
             <a:r>
-              <a:rPr lang="pl" sz="3400" b="0" i="0" u="none" strike="noStrike" cap="none" baseline="0">
+              <a:rPr lang="pl" sz="3400" b="0" i="0" u="none" strike="noStrike" cap="none" baseline="0" dirty="0">
                 <a:solidFill>
                   <a:schemeClr val="bg1"/>
                 </a:solidFill>
@@ -18680,7 +18628,7 @@
               <a:buNone/>
             </a:pPr>
             <a:r>
-              <a:rPr lang="pl" sz="3400" b="0" i="0" u="none" strike="noStrike" cap="none" baseline="0">
+              <a:rPr lang="pl" sz="3400" b="0" i="0" u="none" strike="noStrike" cap="none" baseline="0" dirty="0">
                 <a:solidFill>
                   <a:srgbClr val="FFFF00"/>
                 </a:solidFill>
@@ -18692,7 +18640,7 @@
               <a:t>if</a:t>
             </a:r>
             <a:r>
-              <a:rPr lang="pl" sz="3400" b="0" i="0" u="none" strike="noStrike" cap="none" baseline="0">
+              <a:rPr lang="pl" sz="3400" b="0" i="0" u="none" strike="noStrike" cap="none" baseline="0" dirty="0">
                 <a:solidFill>
                   <a:schemeClr val="lt1"/>
                 </a:solidFill>
@@ -18704,7 +18652,7 @@
               <a:t> </a:t>
             </a:r>
             <a:r>
-              <a:rPr lang="pl" sz="3400" b="0" i="0" u="none" strike="noStrike" cap="none" baseline="0">
+              <a:rPr lang="pl" sz="3400" b="0" i="0" u="none" strike="noStrike" cap="none" baseline="0" dirty="0">
                 <a:solidFill>
                   <a:srgbClr val="00FF00"/>
                 </a:solidFill>
@@ -18716,7 +18664,7 @@
               <a:t>word</a:t>
             </a:r>
             <a:r>
-              <a:rPr lang="pl" sz="3400" b="0" i="0" u="none" strike="noStrike" cap="none" baseline="0">
+              <a:rPr lang="pl" sz="3400" b="0" i="0" u="none" strike="noStrike" cap="none" baseline="0" dirty="0">
                 <a:solidFill>
                   <a:schemeClr val="lt1"/>
                 </a:solidFill>
@@ -18728,7 +18676,7 @@
               <a:t> </a:t>
             </a:r>
             <a:r>
-              <a:rPr lang="pl" sz="3400" b="0" i="0" u="none" strike="noStrike" cap="none" baseline="0">
+              <a:rPr lang="pl" sz="3400" b="0" i="0" u="none" strike="noStrike" cap="none" baseline="0" dirty="0">
                 <a:solidFill>
                   <a:srgbClr val="00FFFF"/>
                 </a:solidFill>
@@ -18740,7 +18688,7 @@
               <a:t>&lt;</a:t>
             </a:r>
             <a:r>
-              <a:rPr lang="pl" sz="3400" b="0" i="0" u="none" strike="noStrike" cap="none" baseline="0">
+              <a:rPr lang="pl" sz="3400" b="0" i="0" u="none" strike="noStrike" cap="none" baseline="0" dirty="0">
                 <a:solidFill>
                   <a:schemeClr val="lt1"/>
                 </a:solidFill>
@@ -18752,7 +18700,7 @@
               <a:t> </a:t>
             </a:r>
             <a:r>
-              <a:rPr lang="pl" sz="3400" b="0" i="0" u="none" strike="noStrike" cap="none" baseline="0">
+              <a:rPr lang="pl" sz="3400" b="0" i="0" u="none" strike="noStrike" cap="none" baseline="0" dirty="0">
                 <a:solidFill>
                   <a:srgbClr val="FF7F00"/>
                 </a:solidFill>
@@ -18761,10 +18709,10 @@
                 <a:cs typeface="Courier"/>
                 <a:sym typeface="Courier New"/>
               </a:rPr>
-              <a:t>'banana'</a:t>
-            </a:r>
-            <a:r>
-              <a:rPr lang="pl" sz="3400" b="0" i="0" u="none" strike="noStrike" cap="none" baseline="0">
+              <a:t>'banan'</a:t>
+            </a:r>
+            <a:r>
+              <a:rPr lang="pl" sz="3400" b="0" i="0" u="none" strike="noStrike" cap="none" baseline="0" dirty="0">
                 <a:solidFill>
                   <a:schemeClr val="lt1"/>
                 </a:solidFill>
@@ -18795,7 +18743,7 @@
               <a:buNone/>
             </a:pPr>
             <a:r>
-              <a:rPr lang="pl" sz="3400" b="0" i="0" u="none" strike="noStrike" cap="none" baseline="0">
+              <a:rPr lang="pl" sz="3400" b="0" i="0" u="none" strike="noStrike" cap="none" baseline="0" dirty="0">
                 <a:solidFill>
                   <a:schemeClr val="lt1"/>
                 </a:solidFill>
@@ -18807,7 +18755,7 @@
               <a:t>    </a:t>
             </a:r>
             <a:r>
-              <a:rPr lang="pl" sz="3400" b="0" i="0" u="none" strike="noStrike" cap="none" baseline="0">
+              <a:rPr lang="pl" sz="3400" b="0" i="0" u="none" strike="noStrike" cap="none" baseline="0" dirty="0">
                 <a:solidFill>
                   <a:srgbClr val="FFFF00"/>
                 </a:solidFill>
@@ -18819,7 +18767,7 @@
               <a:t>print</a:t>
             </a:r>
             <a:r>
-              <a:rPr lang="pl" sz="3400" b="0" i="0" u="none" baseline="0">
+              <a:rPr lang="pl" sz="3400" b="0" i="0" u="none" baseline="0" dirty="0">
                 <a:solidFill>
                   <a:schemeClr val="lt1"/>
                 </a:solidFill>
@@ -18831,7 +18779,7 @@
               <a:t>(</a:t>
             </a:r>
             <a:r>
-              <a:rPr lang="pl" sz="3400" b="0" i="0" u="none" strike="noStrike" cap="none" baseline="0">
+              <a:rPr lang="pl" sz="3400" b="0" i="0" u="none" strike="noStrike" cap="none" baseline="0" dirty="0">
                 <a:solidFill>
                   <a:srgbClr val="FF7F00"/>
                 </a:solidFill>
@@ -18843,7 +18791,7 @@
               <a:t>'Twoje słowo,'</a:t>
             </a:r>
             <a:r>
-              <a:rPr lang="pl" sz="3400" b="0" i="0" u="none" strike="noStrike" cap="none" baseline="0">
+              <a:rPr lang="pl" sz="3400" b="0" i="0" u="none" strike="noStrike" cap="none" baseline="0" dirty="0">
                 <a:solidFill>
                   <a:schemeClr val="lt1"/>
                 </a:solidFill>
@@ -18855,7 +18803,7 @@
               <a:t> </a:t>
             </a:r>
             <a:r>
-              <a:rPr lang="pl" sz="3400" b="0" i="0" u="none" strike="noStrike" cap="none" baseline="0">
+              <a:rPr lang="pl" sz="3400" b="0" i="0" u="none" strike="noStrike" cap="none" baseline="0" dirty="0">
                 <a:solidFill>
                   <a:srgbClr val="00FFFF"/>
                 </a:solidFill>
@@ -18867,7 +18815,7 @@
               <a:t>+</a:t>
             </a:r>
             <a:r>
-              <a:rPr lang="pl" sz="3400" b="0" i="0" u="none" strike="noStrike" cap="none" baseline="0">
+              <a:rPr lang="pl" sz="3400" b="0" i="0" u="none" strike="noStrike" cap="none" baseline="0" dirty="0">
                 <a:solidFill>
                   <a:schemeClr val="lt1"/>
                 </a:solidFill>
@@ -18879,7 +18827,7 @@
               <a:t> </a:t>
             </a:r>
             <a:r>
-              <a:rPr lang="pl" sz="3400" b="0" i="0" u="none" strike="noStrike" cap="none" baseline="0">
+              <a:rPr lang="pl" sz="3400" b="0" i="0" u="none" strike="noStrike" cap="none" baseline="0" dirty="0">
                 <a:solidFill>
                   <a:srgbClr val="00FF00"/>
                 </a:solidFill>
@@ -18891,7 +18839,7 @@
               <a:t>word</a:t>
             </a:r>
             <a:r>
-              <a:rPr lang="pl" sz="3400" b="0" i="0" u="none" strike="noStrike" cap="none" baseline="0">
+              <a:rPr lang="pl" sz="3400" b="0" i="0" u="none" strike="noStrike" cap="none" baseline="0" dirty="0">
                 <a:solidFill>
                   <a:schemeClr val="lt1"/>
                 </a:solidFill>
@@ -18903,7 +18851,7 @@
               <a:t> </a:t>
             </a:r>
             <a:r>
-              <a:rPr lang="pl" sz="3400" b="0" i="0" u="none" strike="noStrike" cap="none" baseline="0">
+              <a:rPr lang="pl" sz="3400" b="0" i="0" u="none" strike="noStrike" cap="none" baseline="0" dirty="0">
                 <a:solidFill>
                   <a:srgbClr val="00FFFF"/>
                 </a:solidFill>
@@ -18915,7 +18863,7 @@
               <a:t>+</a:t>
             </a:r>
             <a:r>
-              <a:rPr lang="pl" sz="3400" b="0" i="0" u="none" strike="noStrike" cap="none" baseline="0">
+              <a:rPr lang="pl" sz="3400" b="0" i="0" u="none" strike="noStrike" cap="none" baseline="0" dirty="0">
                 <a:solidFill>
                   <a:schemeClr val="lt1"/>
                 </a:solidFill>
@@ -18927,7 +18875,7 @@
               <a:t> </a:t>
             </a:r>
             <a:r>
-              <a:rPr lang="pl" sz="3400" b="0" i="0" u="none" strike="noStrike" cap="none" baseline="0">
+              <a:rPr lang="pl" sz="3400" b="0" i="0" u="none" strike="noStrike" cap="none" baseline="0" dirty="0">
                 <a:solidFill>
                   <a:srgbClr val="FF7F00"/>
                 </a:solidFill>
@@ -18939,7 +18887,7 @@
               <a:t>', jest przed bananem.</a:t>
             </a:r>
             <a:r>
-              <a:rPr lang="pl" sz="3400" b="0" i="0" u="none" baseline="0">
+              <a:rPr lang="pl" sz="3400" b="0" i="0" u="none" baseline="0" dirty="0">
                 <a:solidFill>
                   <a:srgbClr val="FF7F00"/>
                 </a:solidFill>
@@ -18951,7 +18899,7 @@
               <a:t>'</a:t>
             </a:r>
             <a:r>
-              <a:rPr lang="pl" sz="3400" b="0" i="0" u="none" baseline="0">
+              <a:rPr lang="pl" sz="3400" b="0" i="0" u="none" baseline="0" dirty="0">
                 <a:solidFill>
                   <a:schemeClr val="bg1"/>
                 </a:solidFill>
@@ -18991,7 +18939,7 @@
               <a:buNone/>
             </a:pPr>
             <a:r>
-              <a:rPr lang="pl" sz="3400" b="0" i="0" u="none" strike="noStrike" cap="none" baseline="0">
+              <a:rPr lang="pl" sz="3400" b="0" i="0" u="none" strike="noStrike" cap="none" baseline="0" dirty="0">
                 <a:solidFill>
                   <a:srgbClr val="FFFF00"/>
                 </a:solidFill>
@@ -19003,7 +18951,7 @@
               <a:t>elif</a:t>
             </a:r>
             <a:r>
-              <a:rPr lang="pl" sz="3400" b="0" i="0" u="none" strike="noStrike" cap="none" baseline="0">
+              <a:rPr lang="pl" sz="3400" b="0" i="0" u="none" strike="noStrike" cap="none" baseline="0" dirty="0">
                 <a:solidFill>
                   <a:schemeClr val="lt1"/>
                 </a:solidFill>
@@ -19015,7 +18963,7 @@
               <a:t> </a:t>
             </a:r>
             <a:r>
-              <a:rPr lang="pl" sz="3400" b="0" i="0" u="none" strike="noStrike" cap="none" baseline="0">
+              <a:rPr lang="pl" sz="3400" b="0" i="0" u="none" strike="noStrike" cap="none" baseline="0" dirty="0">
                 <a:solidFill>
                   <a:srgbClr val="00FF00"/>
                 </a:solidFill>
@@ -19027,7 +18975,7 @@
               <a:t>word</a:t>
             </a:r>
             <a:r>
-              <a:rPr lang="pl" sz="3400" b="0" i="0" u="none" strike="noStrike" cap="none" baseline="0">
+              <a:rPr lang="pl" sz="3400" b="0" i="0" u="none" strike="noStrike" cap="none" baseline="0" dirty="0">
                 <a:solidFill>
                   <a:schemeClr val="lt1"/>
                 </a:solidFill>
@@ -19039,7 +18987,7 @@
               <a:t> </a:t>
             </a:r>
             <a:r>
-              <a:rPr lang="pl" sz="3400" b="0" i="0" u="none" strike="noStrike" cap="none" baseline="0">
+              <a:rPr lang="pl" sz="3400" b="0" i="0" u="none" strike="noStrike" cap="none" baseline="0" dirty="0">
                 <a:solidFill>
                   <a:srgbClr val="00FFFF"/>
                 </a:solidFill>
@@ -19051,7 +18999,7 @@
               <a:t>&gt;</a:t>
             </a:r>
             <a:r>
-              <a:rPr lang="pl" sz="3400" b="0" i="0" u="none" strike="noStrike" cap="none" baseline="0">
+              <a:rPr lang="pl" sz="3400" b="0" i="0" u="none" strike="noStrike" cap="none" baseline="0" dirty="0">
                 <a:solidFill>
                   <a:schemeClr val="lt1"/>
                 </a:solidFill>
@@ -19063,7 +19011,7 @@
               <a:t> </a:t>
             </a:r>
             <a:r>
-              <a:rPr lang="pl" sz="3400" b="0" i="0" u="none" strike="noStrike" cap="none" baseline="0">
+              <a:rPr lang="pl" sz="3400" b="0" i="0" u="none" strike="noStrike" cap="none" baseline="0" dirty="0">
                 <a:solidFill>
                   <a:srgbClr val="FF7F00"/>
                 </a:solidFill>
@@ -19072,10 +19020,10 @@
                 <a:cs typeface="Courier"/>
                 <a:sym typeface="Courier New"/>
               </a:rPr>
-              <a:t>'banana'</a:t>
-            </a:r>
-            <a:r>
-              <a:rPr lang="pl" sz="3400" b="0" i="0" u="none" strike="noStrike" cap="none" baseline="0">
+              <a:t>'banan'</a:t>
+            </a:r>
+            <a:r>
+              <a:rPr lang="pl" sz="3400" b="0" i="0" u="none" strike="noStrike" cap="none" baseline="0" dirty="0">
                 <a:solidFill>
                   <a:schemeClr val="lt1"/>
                 </a:solidFill>
@@ -19106,7 +19054,7 @@
               <a:buNone/>
             </a:pPr>
             <a:r>
-              <a:rPr lang="pl" sz="3400" b="0" i="0" u="none" strike="noStrike" cap="none" baseline="0">
+              <a:rPr lang="pl" sz="3400" b="0" i="0" u="none" strike="noStrike" cap="none" baseline="0" dirty="0">
                 <a:solidFill>
                   <a:schemeClr val="lt1"/>
                 </a:solidFill>
@@ -19118,7 +19066,7 @@
               <a:t>    </a:t>
             </a:r>
             <a:r>
-              <a:rPr lang="pl" sz="3400" b="0" i="0" u="none" strike="noStrike" cap="none" baseline="0">
+              <a:rPr lang="pl" sz="3400" b="0" i="0" u="none" strike="noStrike" cap="none" baseline="0" dirty="0">
                 <a:solidFill>
                   <a:srgbClr val="FFFF00"/>
                 </a:solidFill>
@@ -19130,7 +19078,7 @@
               <a:t>print</a:t>
             </a:r>
             <a:r>
-              <a:rPr lang="pl" sz="3400" b="0" i="0" u="none" baseline="0">
+              <a:rPr lang="pl" sz="3400" b="0" i="0" u="none" baseline="0" dirty="0">
                 <a:solidFill>
                   <a:schemeClr val="lt1"/>
                 </a:solidFill>
@@ -19142,7 +19090,7 @@
               <a:t>(</a:t>
             </a:r>
             <a:r>
-              <a:rPr lang="pl" sz="3400" b="0" i="0" u="none" strike="noStrike" cap="none" baseline="0">
+              <a:rPr lang="pl" sz="3400" b="0" i="0" u="none" strike="noStrike" cap="none" baseline="0" dirty="0">
                 <a:solidFill>
                   <a:srgbClr val="FF7F00"/>
                 </a:solidFill>
@@ -19154,7 +19102,7 @@
               <a:t>'Twoje słowo,'</a:t>
             </a:r>
             <a:r>
-              <a:rPr lang="pl" sz="3400" b="0" i="0" u="none" strike="noStrike" cap="none" baseline="0">
+              <a:rPr lang="pl" sz="3400" b="0" i="0" u="none" strike="noStrike" cap="none" baseline="0" dirty="0">
                 <a:solidFill>
                   <a:schemeClr val="lt1"/>
                 </a:solidFill>
@@ -19166,7 +19114,7 @@
               <a:t> </a:t>
             </a:r>
             <a:r>
-              <a:rPr lang="pl" sz="3400" b="0" i="0" u="none" strike="noStrike" cap="none" baseline="0">
+              <a:rPr lang="pl" sz="3400" b="0" i="0" u="none" strike="noStrike" cap="none" baseline="0" dirty="0">
                 <a:solidFill>
                   <a:srgbClr val="00FFFF"/>
                 </a:solidFill>
@@ -19178,7 +19126,7 @@
               <a:t>+</a:t>
             </a:r>
             <a:r>
-              <a:rPr lang="pl" sz="3400" b="0" i="0" u="none" strike="noStrike" cap="none" baseline="0">
+              <a:rPr lang="pl" sz="3400" b="0" i="0" u="none" strike="noStrike" cap="none" baseline="0" dirty="0">
                 <a:solidFill>
                   <a:schemeClr val="lt1"/>
                 </a:solidFill>
@@ -19190,7 +19138,7 @@
               <a:t> </a:t>
             </a:r>
             <a:r>
-              <a:rPr lang="pl" sz="3400" b="0" i="0" u="none" strike="noStrike" cap="none" baseline="0">
+              <a:rPr lang="pl" sz="3400" b="0" i="0" u="none" strike="noStrike" cap="none" baseline="0" dirty="0">
                 <a:solidFill>
                   <a:srgbClr val="00FF00"/>
                 </a:solidFill>
@@ -19202,7 +19150,7 @@
               <a:t>word</a:t>
             </a:r>
             <a:r>
-              <a:rPr lang="pl" sz="3400" b="0" i="0" u="none" strike="noStrike" cap="none" baseline="0">
+              <a:rPr lang="pl" sz="3400" b="0" i="0" u="none" strike="noStrike" cap="none" baseline="0" dirty="0">
                 <a:solidFill>
                   <a:schemeClr val="lt1"/>
                 </a:solidFill>
@@ -19214,7 +19162,7 @@
               <a:t> </a:t>
             </a:r>
             <a:r>
-              <a:rPr lang="pl" sz="3400" b="0" i="0" u="none" strike="noStrike" cap="none" baseline="0">
+              <a:rPr lang="pl" sz="3400" b="0" i="0" u="none" strike="noStrike" cap="none" baseline="0" dirty="0">
                 <a:solidFill>
                   <a:srgbClr val="00FFFF"/>
                 </a:solidFill>
@@ -19226,7 +19174,7 @@
               <a:t>+</a:t>
             </a:r>
             <a:r>
-              <a:rPr lang="pl" sz="3400" b="0" i="0" u="none" strike="noStrike" cap="none" baseline="0">
+              <a:rPr lang="pl" sz="3400" b="0" i="0" u="none" strike="noStrike" cap="none" baseline="0" dirty="0">
                 <a:solidFill>
                   <a:schemeClr val="lt1"/>
                 </a:solidFill>
@@ -19238,7 +19186,7 @@
               <a:t> </a:t>
             </a:r>
             <a:r>
-              <a:rPr lang="pl" sz="3400" b="0" i="0" u="none" strike="noStrike" cap="none" baseline="0">
+              <a:rPr lang="pl" sz="3400" b="0" i="0" u="none" strike="noStrike" cap="none" baseline="0" dirty="0">
                 <a:solidFill>
                   <a:srgbClr val="FF7F00"/>
                 </a:solidFill>
@@ -19250,7 +19198,7 @@
               <a:t>', jest po bananie.</a:t>
             </a:r>
             <a:r>
-              <a:rPr lang="pl" sz="3400" b="0" i="0" u="none" baseline="0">
+              <a:rPr lang="pl" sz="3400" b="0" i="0" u="none" baseline="0" dirty="0">
                 <a:solidFill>
                   <a:srgbClr val="FF7F00"/>
                 </a:solidFill>
@@ -19262,7 +19210,7 @@
               <a:t>'</a:t>
             </a:r>
             <a:r>
-              <a:rPr lang="pl" sz="3400" b="0" i="0" u="none" baseline="0">
+              <a:rPr lang="pl" sz="3400" b="0" i="0" u="none" baseline="0" dirty="0">
                 <a:solidFill>
                   <a:schemeClr val="bg1"/>
                 </a:solidFill>
@@ -19302,7 +19250,7 @@
               <a:buNone/>
             </a:pPr>
             <a:r>
-              <a:rPr lang="pl" sz="3400" b="0" i="0" u="none" strike="noStrike" cap="none" baseline="0">
+              <a:rPr lang="pl" sz="3400" b="0" i="0" u="none" strike="noStrike" cap="none" baseline="0" dirty="0">
                 <a:solidFill>
                   <a:srgbClr val="FFFF00"/>
                 </a:solidFill>
@@ -19314,7 +19262,7 @@
               <a:t>else</a:t>
             </a:r>
             <a:r>
-              <a:rPr lang="pl" sz="3400" b="0" i="0" u="none" strike="noStrike" cap="none" baseline="0">
+              <a:rPr lang="pl" sz="3400" b="0" i="0" u="none" strike="noStrike" cap="none" baseline="0" dirty="0">
                 <a:solidFill>
                   <a:schemeClr val="lt1"/>
                 </a:solidFill>
@@ -19345,7 +19293,7 @@
               <a:buNone/>
             </a:pPr>
             <a:r>
-              <a:rPr lang="pl" sz="3400" b="0" i="0" u="none" strike="noStrike" cap="none" baseline="0">
+              <a:rPr lang="pl" sz="3400" b="0" i="0" u="none" strike="noStrike" cap="none" baseline="0" dirty="0">
                 <a:solidFill>
                   <a:schemeClr val="lt1"/>
                 </a:solidFill>
@@ -19357,7 +19305,7 @@
               <a:t>    </a:t>
             </a:r>
             <a:r>
-              <a:rPr lang="pl" sz="3400" b="0" i="0" u="none" strike="noStrike" cap="none" baseline="0">
+              <a:rPr lang="pl" sz="3400" b="0" i="0" u="none" strike="noStrike" cap="none" baseline="0" dirty="0">
                 <a:solidFill>
                   <a:srgbClr val="FFFF00"/>
                 </a:solidFill>
@@ -19369,7 +19317,7 @@
               <a:t>print</a:t>
             </a:r>
             <a:r>
-              <a:rPr lang="pl" sz="3400" b="0" i="0" u="none" baseline="0">
+              <a:rPr lang="pl" sz="3400" b="0" i="0" u="none" baseline="0" dirty="0">
                 <a:solidFill>
                   <a:schemeClr val="lt1"/>
                 </a:solidFill>
@@ -19381,7 +19329,7 @@
               <a:t>(</a:t>
             </a:r>
             <a:r>
-              <a:rPr lang="pl" sz="3400" b="0" i="0" u="none" strike="noStrike" cap="none" baseline="0">
+              <a:rPr lang="pl" sz="3400" b="0" i="0" u="none" strike="noStrike" cap="none" baseline="0" dirty="0">
                 <a:solidFill>
                   <a:srgbClr val="FF7F00"/>
                 </a:solidFill>
@@ -20430,7 +20378,7 @@
               <a:buNone/>
             </a:pPr>
             <a:r>
-              <a:rPr lang="pl" sz="3000" b="0" i="0" u="none" strike="noStrike" cap="none" baseline="0">
+              <a:rPr lang="pl" sz="3000" b="0" i="0" u="none" strike="noStrike" cap="none" baseline="0" dirty="0">
                 <a:solidFill>
                   <a:schemeClr val="lt1"/>
                 </a:solidFill>
@@ -20442,7 +20390,7 @@
               <a:t>&gt;&gt;&gt; </a:t>
             </a:r>
             <a:r>
-              <a:rPr lang="pl" sz="3000" b="0" i="0" u="none" strike="noStrike" cap="none" baseline="0">
+              <a:rPr lang="pl" sz="3000" b="0" i="0" u="none" strike="noStrike" cap="none" baseline="0" dirty="0">
                 <a:solidFill>
                   <a:srgbClr val="00FF00"/>
                 </a:solidFill>
@@ -20454,7 +20402,7 @@
               <a:t>stuff</a:t>
             </a:r>
             <a:r>
-              <a:rPr lang="pl" sz="3000" b="0" i="0" u="none" strike="noStrike" cap="none" baseline="0">
+              <a:rPr lang="pl" sz="3000" b="0" i="0" u="none" strike="noStrike" cap="none" baseline="0" dirty="0">
                 <a:solidFill>
                   <a:schemeClr val="lt1"/>
                 </a:solidFill>
@@ -20466,7 +20414,7 @@
               <a:t> = </a:t>
             </a:r>
             <a:r>
-              <a:rPr lang="pl" sz="3000" b="0" i="0" u="none" strike="noStrike" cap="none" baseline="0">
+              <a:rPr lang="pl" sz="3000" b="0" i="0" u="none" strike="noStrike" cap="none" baseline="0" dirty="0">
                 <a:solidFill>
                   <a:srgbClr val="FF7F00"/>
                 </a:solidFill>
@@ -20478,7 +20426,7 @@
               <a:t>'Witaj świecie</a:t>
             </a:r>
             <a:r>
-              <a:rPr lang="pl" sz="3000" b="0" i="0" u="none" baseline="0">
+              <a:rPr lang="pl" sz="3000" b="0" i="0" u="none" baseline="0" dirty="0">
                 <a:solidFill>
                   <a:srgbClr val="FF7F00"/>
                 </a:solidFill>
@@ -20509,7 +20457,7 @@
               <a:buNone/>
             </a:pPr>
             <a:r>
-              <a:rPr lang="pl" sz="3000" b="0" i="0" u="none" strike="noStrike" cap="none" baseline="0">
+              <a:rPr lang="pl" sz="3000" b="0" i="0" u="none" strike="noStrike" cap="none" baseline="0" dirty="0">
                 <a:solidFill>
                   <a:schemeClr val="lt1"/>
                 </a:solidFill>
@@ -20521,7 +20469,7 @@
               <a:t>&gt;&gt;&gt; </a:t>
             </a:r>
             <a:r>
-              <a:rPr lang="pl" sz="3000" b="0" i="0" u="none" strike="noStrike" cap="none" baseline="0">
+              <a:rPr lang="pl" sz="3000" b="0" i="0" u="none" strike="noStrike" cap="none" baseline="0" dirty="0">
                 <a:solidFill>
                   <a:srgbClr val="FFFF00"/>
                 </a:solidFill>
@@ -20533,7 +20481,7 @@
               <a:t>type</a:t>
             </a:r>
             <a:r>
-              <a:rPr lang="pl" sz="3000" b="0" i="0" u="none" strike="noStrike" cap="none" baseline="0">
+              <a:rPr lang="pl" sz="3000" b="0" i="0" u="none" strike="noStrike" cap="none" baseline="0" dirty="0">
                 <a:solidFill>
                   <a:schemeClr val="lt1"/>
                 </a:solidFill>
@@ -20545,7 +20493,7 @@
               <a:t>(</a:t>
             </a:r>
             <a:r>
-              <a:rPr lang="pl" sz="3000" b="0" i="0" u="none" strike="noStrike" cap="none" baseline="0">
+              <a:rPr lang="pl" sz="3000" b="0" i="0" u="none" strike="noStrike" cap="none" baseline="0" dirty="0">
                 <a:solidFill>
                   <a:srgbClr val="00FF00"/>
                 </a:solidFill>
@@ -20557,7 +20505,7 @@
               <a:t>stuff</a:t>
             </a:r>
             <a:r>
-              <a:rPr lang="pl" sz="3000" b="0" i="0" u="none" strike="noStrike" cap="none" baseline="0">
+              <a:rPr lang="pl" sz="3000" b="0" i="0" u="none" strike="noStrike" cap="none" baseline="0" dirty="0">
                 <a:solidFill>
                   <a:schemeClr val="lt1"/>
                 </a:solidFill>
@@ -20588,7 +20536,7 @@
               <a:buNone/>
             </a:pPr>
             <a:r>
-              <a:rPr lang="pl" sz="3000" b="0" i="0" u="none" strike="noStrike" cap="none" baseline="0">
+              <a:rPr lang="pl" sz="3000" b="0" i="0" u="none" strike="noStrike" cap="none" baseline="0" dirty="0">
                 <a:solidFill>
                   <a:schemeClr val="lt1"/>
                 </a:solidFill>
@@ -20619,7 +20567,7 @@
               <a:buNone/>
             </a:pPr>
             <a:r>
-              <a:rPr lang="pl" sz="3000" b="0" i="0" u="none" strike="noStrike" cap="none" baseline="0">
+              <a:rPr lang="pl" sz="3000" b="0" i="0" u="none" strike="noStrike" cap="none" baseline="0" dirty="0">
                 <a:solidFill>
                   <a:schemeClr val="lt1"/>
                 </a:solidFill>
@@ -20631,7 +20579,7 @@
               <a:t>&gt;&gt;&gt; </a:t>
             </a:r>
             <a:r>
-              <a:rPr lang="pl" sz="3000" b="0" i="0" u="none" strike="noStrike" cap="none" baseline="0">
+              <a:rPr lang="pl" sz="3000" b="0" i="0" u="none" strike="noStrike" cap="none" baseline="0" dirty="0">
                 <a:solidFill>
                   <a:srgbClr val="FFFF00"/>
                 </a:solidFill>
@@ -20643,7 +20591,7 @@
               <a:t>dir</a:t>
             </a:r>
             <a:r>
-              <a:rPr lang="pl" sz="3000" b="0" i="0" u="none" strike="noStrike" cap="none" baseline="0">
+              <a:rPr lang="pl" sz="3000" b="0" i="0" u="none" strike="noStrike" cap="none" baseline="0" dirty="0">
                 <a:solidFill>
                   <a:schemeClr val="lt1"/>
                 </a:solidFill>
@@ -20655,7 +20603,7 @@
               <a:t>(</a:t>
             </a:r>
             <a:r>
-              <a:rPr lang="pl" sz="3000" b="0" i="0" u="none" strike="noStrike" cap="none" baseline="0">
+              <a:rPr lang="pl" sz="3000" b="0" i="0" u="none" strike="noStrike" cap="none" baseline="0" dirty="0">
                 <a:solidFill>
                   <a:srgbClr val="00FF00"/>
                 </a:solidFill>
@@ -20667,7 +20615,7 @@
               <a:t>stuff</a:t>
             </a:r>
             <a:r>
-              <a:rPr lang="pl" sz="3000" b="0" i="0" u="none" strike="noStrike" cap="none" baseline="0">
+              <a:rPr lang="pl" sz="3000" b="0" i="0" u="none" strike="noStrike" cap="none" baseline="0" dirty="0">
                 <a:solidFill>
                   <a:schemeClr val="lt1"/>
                 </a:solidFill>
@@ -20687,7 +20635,7 @@
               <a:buSzPct val="25000"/>
             </a:pPr>
             <a:r>
-              <a:rPr lang="pl" sz="3000" b="0" i="0" u="none" baseline="0">
+              <a:rPr lang="pl" sz="3000" b="0" i="0" u="none" baseline="0" dirty="0">
                 <a:solidFill>
                   <a:schemeClr val="lt1"/>
                 </a:solidFill>
@@ -20781,7 +20729,7 @@
               <a:buNone/>
             </a:pPr>
             <a:r>
-              <a:rPr lang="pl" sz="2800" b="1" i="0" u="none" baseline="0">
+              <a:rPr lang="pl" sz="2800" b="1" i="0" u="none" baseline="0" dirty="0">
                 <a:solidFill>
                   <a:schemeClr val="lt1"/>
                 </a:solidFill>
@@ -20793,7 +20741,7 @@
               <a:t>          </a:t>
             </a:r>
             <a:r>
-              <a:rPr lang="pl" sz="2800" b="0" i="0" u="sng" baseline="0">
+              <a:rPr lang="pl" sz="2800" b="0" i="0" u="sng" baseline="0" dirty="0">
                 <a:solidFill>
                   <a:srgbClr val="FFFF00"/>
                 </a:solidFill>
@@ -20813,7 +20761,7 @@
               <a:ea typeface="Arial" charset="0"/>
               <a:cs typeface="Arial" charset="0"/>
               <a:sym typeface="Cabin"/>
-              <a:hlinkClick r:id="rId3"/>
+              <a:hlinkClick r:id="rId4"/>
             </a:endParaRPr>
           </a:p>
         </p:txBody>
@@ -21857,7 +21805,7 @@
               <a:buNone/>
             </a:pPr>
             <a:r>
-              <a:rPr lang="pl" sz="3000" b="0" i="0" u="none" strike="noStrike" cap="none" baseline="0">
+              <a:rPr lang="pl" sz="3000" b="0" i="0" u="none" strike="noStrike" cap="none" baseline="0" dirty="0">
                 <a:solidFill>
                   <a:schemeClr val="lt1"/>
                 </a:solidFill>
@@ -21869,7 +21817,7 @@
               <a:t>&gt;&gt;&gt; </a:t>
             </a:r>
             <a:r>
-              <a:rPr lang="pl" sz="3000" b="0" i="0" u="none" strike="noStrike" cap="none" baseline="0">
+              <a:rPr lang="pl" sz="3000" b="0" i="0" u="none" strike="noStrike" cap="none" baseline="0" dirty="0">
                 <a:solidFill>
                   <a:srgbClr val="00FF00"/>
                 </a:solidFill>
@@ -21881,7 +21829,7 @@
               <a:t>fruit</a:t>
             </a:r>
             <a:r>
-              <a:rPr lang="pl" sz="3000" b="0" i="0" u="none" strike="noStrike" cap="none" baseline="0">
+              <a:rPr lang="pl" sz="3000" b="0" i="0" u="none" strike="noStrike" cap="none" baseline="0" dirty="0">
                 <a:solidFill>
                   <a:srgbClr val="FF7F00"/>
                 </a:solidFill>
@@ -21893,7 +21841,7 @@
               <a:t> </a:t>
             </a:r>
             <a:r>
-              <a:rPr lang="pl" sz="3000" b="0" i="0" u="none" strike="noStrike" cap="none" baseline="0">
+              <a:rPr lang="pl" sz="3000" b="0" i="0" u="none" strike="noStrike" cap="none" baseline="0" dirty="0">
                 <a:solidFill>
                   <a:schemeClr val="lt1"/>
                 </a:solidFill>
@@ -21905,7 +21853,7 @@
               <a:t>=</a:t>
             </a:r>
             <a:r>
-              <a:rPr lang="pl" sz="3000" b="0" i="0" u="none" strike="noStrike" cap="none" baseline="0">
+              <a:rPr lang="pl" sz="3000" b="0" i="0" u="none" strike="noStrike" cap="none" baseline="0" dirty="0">
                 <a:solidFill>
                   <a:srgbClr val="FF7F00"/>
                 </a:solidFill>
@@ -21914,7 +21862,7 @@
                 <a:cs typeface="Courier"/>
                 <a:sym typeface="Courier New"/>
               </a:rPr>
-              <a:t> 'banana'</a:t>
+              <a:t> 'banan'</a:t>
             </a:r>
           </a:p>
           <a:p>
@@ -21936,7 +21884,7 @@
               <a:buNone/>
             </a:pPr>
             <a:r>
-              <a:rPr lang="pl" sz="3000" b="0" i="0" u="none" strike="noStrike" cap="none" baseline="0">
+              <a:rPr lang="pl" sz="3000" b="0" i="0" u="none" strike="noStrike" cap="none" baseline="0" dirty="0">
                 <a:solidFill>
                   <a:schemeClr val="lt1"/>
                 </a:solidFill>
@@ -21948,7 +21896,7 @@
               <a:t>&gt;&gt;&gt; </a:t>
             </a:r>
             <a:r>
-              <a:rPr lang="pl" sz="3000" b="0" i="0" u="none" strike="noStrike" cap="none" baseline="0">
+              <a:rPr lang="pl" sz="3000" b="0" i="0" u="none" strike="noStrike" cap="none" baseline="0" dirty="0">
                 <a:solidFill>
                   <a:srgbClr val="00FF00"/>
                 </a:solidFill>
@@ -21960,7 +21908,7 @@
               <a:t>pos</a:t>
             </a:r>
             <a:r>
-              <a:rPr lang="pl" sz="3000" b="0" i="0" u="none" strike="noStrike" cap="none" baseline="0">
+              <a:rPr lang="pl" sz="3000" b="0" i="0" u="none" strike="noStrike" cap="none" baseline="0" dirty="0">
                 <a:solidFill>
                   <a:srgbClr val="FF7F00"/>
                 </a:solidFill>
@@ -21972,7 +21920,7 @@
               <a:t> </a:t>
             </a:r>
             <a:r>
-              <a:rPr lang="pl" sz="3000" b="0" i="0" u="none" strike="noStrike" cap="none" baseline="0">
+              <a:rPr lang="pl" sz="3000" b="0" i="0" u="none" strike="noStrike" cap="none" baseline="0" dirty="0">
                 <a:solidFill>
                   <a:schemeClr val="lt1"/>
                 </a:solidFill>
@@ -21984,7 +21932,7 @@
               <a:t>=</a:t>
             </a:r>
             <a:r>
-              <a:rPr lang="pl" sz="3000" b="0" i="0" u="none" strike="noStrike" cap="none" baseline="0">
+              <a:rPr lang="pl" sz="3000" b="0" i="0" u="none" strike="noStrike" cap="none" baseline="0" dirty="0">
                 <a:solidFill>
                   <a:srgbClr val="00FF00"/>
                 </a:solidFill>
@@ -21996,7 +21944,7 @@
               <a:t> fruit</a:t>
             </a:r>
             <a:r>
-              <a:rPr lang="pl" sz="3000" b="0" i="0" u="none" strike="noStrike" cap="none" baseline="0">
+              <a:rPr lang="pl" sz="3000" b="0" i="0" u="none" strike="noStrike" cap="none" baseline="0" dirty="0">
                 <a:solidFill>
                   <a:srgbClr val="FF00FF"/>
                 </a:solidFill>
@@ -22008,7 +21956,7 @@
               <a:t>.find</a:t>
             </a:r>
             <a:r>
-              <a:rPr lang="pl" sz="3000" b="0" i="0" u="none" strike="noStrike" cap="none" baseline="0">
+              <a:rPr lang="pl" sz="3000" b="0" i="0" u="none" strike="noStrike" cap="none" baseline="0" dirty="0">
                 <a:solidFill>
                   <a:schemeClr val="lt1"/>
                 </a:solidFill>
@@ -22020,7 +21968,7 @@
               <a:t>(</a:t>
             </a:r>
             <a:r>
-              <a:rPr lang="pl" sz="3000" b="0" i="0" u="none" strike="noStrike" cap="none" baseline="0">
+              <a:rPr lang="pl" sz="3000" b="0" i="0" u="none" strike="noStrike" cap="none" baseline="0" dirty="0">
                 <a:solidFill>
                   <a:srgbClr val="FF7F00"/>
                 </a:solidFill>
@@ -22032,7 +21980,7 @@
               <a:t>'na'</a:t>
             </a:r>
             <a:r>
-              <a:rPr lang="pl" sz="3000" b="0" i="0" u="none" strike="noStrike" cap="none" baseline="0">
+              <a:rPr lang="pl" sz="3000" b="0" i="0" u="none" strike="noStrike" cap="none" baseline="0" dirty="0">
                 <a:solidFill>
                   <a:schemeClr val="lt1"/>
                 </a:solidFill>
@@ -22063,7 +22011,7 @@
               <a:buNone/>
             </a:pPr>
             <a:r>
-              <a:rPr lang="pl" sz="3000" b="0" i="0" u="none" strike="noStrike" cap="none" baseline="0">
+              <a:rPr lang="pl" sz="3000" b="0" i="0" u="none" strike="noStrike" cap="none" baseline="0" dirty="0">
                 <a:solidFill>
                   <a:schemeClr val="lt1"/>
                 </a:solidFill>
@@ -22075,7 +22023,7 @@
               <a:t>&gt;&gt;&gt; </a:t>
             </a:r>
             <a:r>
-              <a:rPr lang="pl" sz="3000" b="0" i="0" u="none" strike="noStrike" cap="none" baseline="0">
+              <a:rPr lang="pl" sz="3000" b="0" i="0" u="none" strike="noStrike" cap="none" baseline="0" dirty="0">
                 <a:solidFill>
                   <a:srgbClr val="FFFF00"/>
                 </a:solidFill>
@@ -22087,7 +22035,7 @@
               <a:t>print</a:t>
             </a:r>
             <a:r>
-              <a:rPr lang="pl" sz="3000" b="0" i="0" u="none" baseline="0">
+              <a:rPr lang="pl" sz="3000" b="0" i="0" u="none" baseline="0" dirty="0">
                 <a:solidFill>
                   <a:schemeClr val="bg1"/>
                 </a:solidFill>
@@ -22099,7 +22047,7 @@
               <a:t>(</a:t>
             </a:r>
             <a:r>
-              <a:rPr lang="pl" sz="3000" b="0" i="0" u="none" strike="noStrike" cap="none" baseline="0">
+              <a:rPr lang="pl" sz="3000" b="0" i="0" u="none" strike="noStrike" cap="none" baseline="0" dirty="0">
                 <a:solidFill>
                   <a:srgbClr val="00FF00"/>
                 </a:solidFill>
@@ -22111,7 +22059,7 @@
               <a:t>pos</a:t>
             </a:r>
             <a:r>
-              <a:rPr lang="pl" sz="3000" b="0" i="0" u="none" strike="noStrike" cap="none" baseline="0">
+              <a:rPr lang="pl" sz="3000" b="0" i="0" u="none" strike="noStrike" cap="none" baseline="0" dirty="0">
                 <a:solidFill>
                   <a:schemeClr val="bg1"/>
                 </a:solidFill>
@@ -22151,7 +22099,7 @@
               <a:buNone/>
             </a:pPr>
             <a:r>
-              <a:rPr lang="pl" sz="3000" b="0" i="0" u="none" strike="noStrike" cap="none" baseline="0">
+              <a:rPr lang="pl" sz="3000" b="0" i="0" u="none" strike="noStrike" cap="none" baseline="0" dirty="0">
                 <a:solidFill>
                   <a:schemeClr val="lt1"/>
                 </a:solidFill>
@@ -22182,7 +22130,7 @@
               <a:buNone/>
             </a:pPr>
             <a:r>
-              <a:rPr lang="pl" sz="3000" b="0" i="0" u="none" strike="noStrike" cap="none" baseline="0">
+              <a:rPr lang="pl" sz="3000" b="0" i="0" u="none" strike="noStrike" cap="none" baseline="0" dirty="0">
                 <a:solidFill>
                   <a:schemeClr val="lt1"/>
                 </a:solidFill>
@@ -22194,7 +22142,7 @@
               <a:t>&gt;&gt;&gt; </a:t>
             </a:r>
             <a:r>
-              <a:rPr lang="pl" sz="3000" b="0" i="0" u="none" strike="noStrike" cap="none" baseline="0">
+              <a:rPr lang="pl" sz="3000" b="0" i="0" u="none" strike="noStrike" cap="none" baseline="0" dirty="0">
                 <a:solidFill>
                   <a:srgbClr val="00FF00"/>
                 </a:solidFill>
@@ -22206,7 +22154,7 @@
               <a:t>aa</a:t>
             </a:r>
             <a:r>
-              <a:rPr lang="pl" sz="3000" b="0" i="0" u="none" strike="noStrike" cap="none" baseline="0">
+              <a:rPr lang="pl" sz="3000" b="0" i="0" u="none" strike="noStrike" cap="none" baseline="0" dirty="0">
                 <a:solidFill>
                   <a:srgbClr val="FF7F00"/>
                 </a:solidFill>
@@ -22218,7 +22166,7 @@
               <a:t> </a:t>
             </a:r>
             <a:r>
-              <a:rPr lang="pl" sz="3000" b="0" i="0" u="none" strike="noStrike" cap="none" baseline="0">
+              <a:rPr lang="pl" sz="3000" b="0" i="0" u="none" strike="noStrike" cap="none" baseline="0" dirty="0">
                 <a:solidFill>
                   <a:schemeClr val="lt1"/>
                 </a:solidFill>
@@ -22230,7 +22178,7 @@
               <a:t>=</a:t>
             </a:r>
             <a:r>
-              <a:rPr lang="pl" sz="3000" b="0" i="0" u="none" strike="noStrike" cap="none" baseline="0">
+              <a:rPr lang="pl" sz="3000" b="0" i="0" u="none" strike="noStrike" cap="none" baseline="0" dirty="0">
                 <a:solidFill>
                   <a:srgbClr val="FF7F00"/>
                 </a:solidFill>
@@ -22242,7 +22190,7 @@
               <a:t> </a:t>
             </a:r>
             <a:r>
-              <a:rPr lang="pl" sz="3000" b="0" i="0" u="none" strike="noStrike" cap="none" baseline="0">
+              <a:rPr lang="pl" sz="3000" b="0" i="0" u="none" strike="noStrike" cap="none" baseline="0" dirty="0">
                 <a:solidFill>
                   <a:srgbClr val="00FF00"/>
                 </a:solidFill>
@@ -22254,7 +22202,7 @@
               <a:t>fruit</a:t>
             </a:r>
             <a:r>
-              <a:rPr lang="pl" sz="3000" b="0" i="0" u="none" strike="noStrike" cap="none" baseline="0">
+              <a:rPr lang="pl" sz="3000" b="0" i="0" u="none" strike="noStrike" cap="none" baseline="0" dirty="0">
                 <a:solidFill>
                   <a:srgbClr val="FF00FF"/>
                 </a:solidFill>
@@ -22266,7 +22214,7 @@
               <a:t>.find</a:t>
             </a:r>
             <a:r>
-              <a:rPr lang="pl" sz="3000" b="0" i="0" u="none" strike="noStrike" cap="none" baseline="0">
+              <a:rPr lang="pl" sz="3000" b="0" i="0" u="none" strike="noStrike" cap="none" baseline="0" dirty="0">
                 <a:solidFill>
                   <a:schemeClr val="lt1"/>
                 </a:solidFill>
@@ -22278,7 +22226,7 @@
               <a:t>(</a:t>
             </a:r>
             <a:r>
-              <a:rPr lang="pl" sz="3000" b="0" i="0" u="none" strike="noStrike" cap="none" baseline="0">
+              <a:rPr lang="pl" sz="3000" b="0" i="0" u="none" strike="noStrike" cap="none" baseline="0" dirty="0">
                 <a:solidFill>
                   <a:srgbClr val="FF7F00"/>
                 </a:solidFill>
@@ -22290,7 +22238,7 @@
               <a:t>'z'</a:t>
             </a:r>
             <a:r>
-              <a:rPr lang="pl" sz="3000" b="0" i="0" u="none" strike="noStrike" cap="none" baseline="0">
+              <a:rPr lang="pl" sz="3000" b="0" i="0" u="none" strike="noStrike" cap="none" baseline="0" dirty="0">
                 <a:solidFill>
                   <a:schemeClr val="lt1"/>
                 </a:solidFill>
@@ -22321,7 +22269,7 @@
               <a:buNone/>
             </a:pPr>
             <a:r>
-              <a:rPr lang="pl" sz="3000" b="0" i="0" u="none" strike="noStrike" cap="none" baseline="0">
+              <a:rPr lang="pl" sz="3000" b="0" i="0" u="none" strike="noStrike" cap="none" baseline="0" dirty="0">
                 <a:solidFill>
                   <a:schemeClr val="lt1"/>
                 </a:solidFill>
@@ -22333,7 +22281,7 @@
               <a:t>&gt;&gt;&gt; </a:t>
             </a:r>
             <a:r>
-              <a:rPr lang="pl" sz="3000" b="0" i="0" u="none" strike="noStrike" cap="none" baseline="0">
+              <a:rPr lang="pl" sz="3000" b="0" i="0" u="none" strike="noStrike" cap="none" baseline="0" dirty="0">
                 <a:solidFill>
                   <a:srgbClr val="FFFF00"/>
                 </a:solidFill>
@@ -22345,7 +22293,7 @@
               <a:t>print</a:t>
             </a:r>
             <a:r>
-              <a:rPr lang="pl" sz="3000" b="0" i="0" u="none" baseline="0">
+              <a:rPr lang="pl" sz="3000" b="0" i="0" u="none" baseline="0" dirty="0">
                 <a:solidFill>
                   <a:schemeClr val="bg1"/>
                 </a:solidFill>
@@ -22357,7 +22305,7 @@
               <a:t>(</a:t>
             </a:r>
             <a:r>
-              <a:rPr lang="pl" sz="3000" b="0" i="0" u="none" strike="noStrike" cap="none" baseline="0">
+              <a:rPr lang="pl" sz="3000" b="0" i="0" u="none" strike="noStrike" cap="none" baseline="0" dirty="0">
                 <a:solidFill>
                   <a:srgbClr val="00FF00"/>
                 </a:solidFill>
@@ -22369,7 +22317,7 @@
               <a:t>aa</a:t>
             </a:r>
             <a:r>
-              <a:rPr lang="pl" sz="3000" b="0" i="0" u="none" strike="noStrike" cap="none" baseline="0">
+              <a:rPr lang="pl" sz="3000" b="0" i="0" u="none" strike="noStrike" cap="none" baseline="0" dirty="0">
                 <a:solidFill>
                   <a:schemeClr val="bg1"/>
                 </a:solidFill>
@@ -22409,7 +22357,7 @@
               <a:buNone/>
             </a:pPr>
             <a:r>
-              <a:rPr lang="pl" sz="3000" b="0" i="0" u="none" strike="noStrike" cap="none" baseline="0">
+              <a:rPr lang="pl" sz="3000" b="0" i="0" u="none" strike="noStrike" cap="none" baseline="0" dirty="0">
                 <a:solidFill>
                   <a:schemeClr val="lt1"/>
                 </a:solidFill>
@@ -23049,126 +22997,6 @@
           </a:p>
         </p:txBody>
       </p:sp>
-      <p:sp>
-        <p:nvSpPr>
-          <p:cNvPr id="489" name="Shape 489"/>
-          <p:cNvSpPr txBox="1"/>
-          <p:nvPr/>
-        </p:nvSpPr>
-        <p:spPr>
-          <a:xfrm>
-            <a:off x="13512800" y="2857500"/>
-            <a:ext cx="736599" cy="736599"/>
-          </a:xfrm>
-          <a:prstGeom prst="rect">
-            <a:avLst/>
-          </a:prstGeom>
-          <a:noFill/>
-          <a:ln>
-            <a:noFill/>
-          </a:ln>
-        </p:spPr>
-        <p:txBody>
-          <a:bodyPr lIns="0" tIns="0" rIns="0" bIns="0" anchor="ctr" anchorCtr="0">
-            <a:noAutofit/>
-          </a:bodyPr>
-          <a:lstStyle/>
-          <a:p>
-            <a:pPr marL="0" marR="0" lvl="0" indent="0" algn="ctr" rtl="0">
-              <a:lnSpc>
-                <a:spcPct val="100000"/>
-              </a:lnSpc>
-              <a:spcBef>
-                <a:spcPts val="0"/>
-              </a:spcBef>
-              <a:spcAft>
-                <a:spcPts val="0"/>
-              </a:spcAft>
-              <a:buClr>
-                <a:schemeClr val="lt1"/>
-              </a:buClr>
-              <a:buSzPct val="25000"/>
-              <a:buFont typeface="Cabin"/>
-              <a:buNone/>
-            </a:pPr>
-            <a:r>
-              <a:rPr lang="pl" sz="4000" b="0" i="0" u="none" strike="noStrike" cap="none" baseline="0">
-                <a:solidFill>
-                  <a:schemeClr val="lt1"/>
-                </a:solidFill>
-                <a:latin typeface="Arial" charset="0"/>
-                <a:ea typeface="Arial" charset="0"/>
-                <a:cs typeface="Arial" charset="0"/>
-                <a:sym typeface="Cabin"/>
-              </a:rPr>
-              <a:t>5</a:t>
-            </a:r>
-          </a:p>
-        </p:txBody>
-      </p:sp>
-      <p:sp>
-        <p:nvSpPr>
-          <p:cNvPr id="490" name="Shape 490"/>
-          <p:cNvSpPr txBox="1"/>
-          <p:nvPr/>
-        </p:nvSpPr>
-        <p:spPr>
-          <a:xfrm>
-            <a:off x="13512800" y="2120900"/>
-            <a:ext cx="736599" cy="736599"/>
-          </a:xfrm>
-          <a:prstGeom prst="rect">
-            <a:avLst/>
-          </a:prstGeom>
-          <a:noFill/>
-          <a:ln w="50800" cap="rnd" cmpd="sng">
-            <a:solidFill>
-              <a:srgbClr val="FF7F00"/>
-            </a:solidFill>
-            <a:prstDash val="solid"/>
-            <a:miter/>
-            <a:headEnd type="none" w="med" len="med"/>
-            <a:tailEnd type="none" w="med" len="med"/>
-          </a:ln>
-        </p:spPr>
-        <p:txBody>
-          <a:bodyPr lIns="0" tIns="0" rIns="0" bIns="0" anchor="ctr" anchorCtr="0">
-            <a:noAutofit/>
-          </a:bodyPr>
-          <a:lstStyle/>
-          <a:p>
-            <a:pPr marL="0" marR="0" lvl="0" indent="0" algn="ctr" rtl="0">
-              <a:lnSpc>
-                <a:spcPct val="100000"/>
-              </a:lnSpc>
-              <a:spcBef>
-                <a:spcPts val="0"/>
-              </a:spcBef>
-              <a:spcAft>
-                <a:spcPts val="0"/>
-              </a:spcAft>
-              <a:buClr>
-                <a:schemeClr val="lt1"/>
-              </a:buClr>
-              <a:buSzPct val="25000"/>
-              <a:buFont typeface="Cabin"/>
-              <a:buNone/>
-            </a:pPr>
-            <a:r>
-              <a:rPr lang="pl" sz="4000" b="0" i="0" u="none" strike="noStrike" cap="none" baseline="0">
-                <a:solidFill>
-                  <a:schemeClr val="lt1"/>
-                </a:solidFill>
-                <a:latin typeface="Arial" charset="0"/>
-                <a:ea typeface="Arial" charset="0"/>
-                <a:cs typeface="Arial" charset="0"/>
-                <a:sym typeface="Cabin"/>
-              </a:rPr>
-              <a:t>a</a:t>
-            </a:r>
-          </a:p>
-        </p:txBody>
-      </p:sp>
     </p:spTree>
   </p:cSld>
   <p:clrMapOvr>
@@ -25794,7 +25622,7 @@
               <a:buNone/>
             </a:pPr>
             <a:r>
-              <a:rPr lang="pl" sz="3600" b="0" i="0" u="none" strike="noStrike" cap="none" baseline="0">
+              <a:rPr lang="pl" sz="3600" b="0" i="0" u="none" strike="noStrike" cap="none" baseline="0" dirty="0">
                 <a:solidFill>
                   <a:schemeClr val="lt1"/>
                 </a:solidFill>
@@ -25806,7 +25634,7 @@
               <a:t>&gt;&gt;&gt; </a:t>
             </a:r>
             <a:r>
-              <a:rPr lang="pl" sz="3600" b="0" i="0" u="none" strike="noStrike" cap="none" baseline="0">
+              <a:rPr lang="pl" sz="3600" b="0" i="0" u="none" strike="noStrike" cap="none" baseline="0" dirty="0">
                 <a:solidFill>
                   <a:srgbClr val="00FF00"/>
                 </a:solidFill>
@@ -25818,7 +25646,7 @@
               <a:t>line</a:t>
             </a:r>
             <a:r>
-              <a:rPr lang="pl" sz="3600" b="0" i="0" u="none" strike="noStrike" cap="none" baseline="0">
+              <a:rPr lang="pl" sz="3600" b="0" i="0" u="none" strike="noStrike" cap="none" baseline="0" dirty="0">
                 <a:solidFill>
                   <a:schemeClr val="lt1"/>
                 </a:solidFill>
@@ -25830,7 +25658,7 @@
               <a:t> = </a:t>
             </a:r>
             <a:r>
-              <a:rPr lang="pl" sz="3600" b="0" i="0" u="none" strike="noStrike" cap="none" baseline="0">
+              <a:rPr lang="pl" sz="3600" b="0" i="0" u="none" strike="noStrike" cap="none" baseline="0" dirty="0">
                 <a:solidFill>
                   <a:srgbClr val="FF7F00"/>
                 </a:solidFill>
@@ -25842,7 +25670,7 @@
               <a:t>'Życzę miłego dnia</a:t>
             </a:r>
             <a:r>
-              <a:rPr lang="pl" sz="3600" b="0" i="0" u="none" baseline="0">
+              <a:rPr lang="pl" sz="3600" b="0" i="0" u="none" baseline="0" dirty="0">
                 <a:solidFill>
                   <a:srgbClr val="FF7F00"/>
                 </a:solidFill>
@@ -25873,7 +25701,7 @@
               <a:buNone/>
             </a:pPr>
             <a:r>
-              <a:rPr lang="pl" sz="3600" b="0" i="0" u="none" strike="noStrike" cap="none" baseline="0">
+              <a:rPr lang="pl" sz="3600" b="0" i="0" u="none" strike="noStrike" cap="none" baseline="0" dirty="0">
                 <a:solidFill>
                   <a:schemeClr val="lt1"/>
                 </a:solidFill>
@@ -25885,7 +25713,7 @@
               <a:t>&gt;&gt;&gt; </a:t>
             </a:r>
             <a:r>
-              <a:rPr lang="pl" sz="3600" b="0" i="0" u="none" strike="noStrike" cap="none" baseline="0">
+              <a:rPr lang="pl" sz="3600" b="0" i="0" u="none" strike="noStrike" cap="none" baseline="0" dirty="0">
                 <a:solidFill>
                   <a:srgbClr val="00FF00"/>
                 </a:solidFill>
@@ -25897,7 +25725,7 @@
               <a:t>line</a:t>
             </a:r>
             <a:r>
-              <a:rPr lang="pl" sz="3600" b="0" i="0" u="none" strike="noStrike" cap="none" baseline="0">
+              <a:rPr lang="pl" sz="3600" b="0" i="0" u="none" strike="noStrike" cap="none" baseline="0" dirty="0">
                 <a:solidFill>
                   <a:srgbClr val="FF00FF"/>
                 </a:solidFill>
@@ -25909,7 +25737,7 @@
               <a:t>.startswith</a:t>
             </a:r>
             <a:r>
-              <a:rPr lang="pl" sz="3600" b="0" i="0" u="none" strike="noStrike" cap="none" baseline="0">
+              <a:rPr lang="pl" sz="3600" b="0" i="0" u="none" strike="noStrike" cap="none" baseline="0" dirty="0">
                 <a:solidFill>
                   <a:schemeClr val="lt1"/>
                 </a:solidFill>
@@ -25921,7 +25749,7 @@
               <a:t>(</a:t>
             </a:r>
             <a:r>
-              <a:rPr lang="pl" sz="3600" b="0" i="0" u="none" strike="noStrike" cap="none" baseline="0">
+              <a:rPr lang="pl" sz="3600" b="0" i="0" u="none" strike="noStrike" cap="none" baseline="0" dirty="0">
                 <a:solidFill>
                   <a:srgbClr val="FF7F00"/>
                 </a:solidFill>
@@ -25933,7 +25761,7 @@
               <a:t>'Życzę'</a:t>
             </a:r>
             <a:r>
-              <a:rPr lang="pl" sz="3600" b="0" i="0" u="none" strike="noStrike" cap="none" baseline="0">
+              <a:rPr lang="pl" sz="3600" b="0" i="0" u="none" strike="noStrike" cap="none" baseline="0" dirty="0">
                 <a:solidFill>
                   <a:schemeClr val="lt1"/>
                 </a:solidFill>
@@ -25964,7 +25792,7 @@
               <a:buNone/>
             </a:pPr>
             <a:r>
-              <a:rPr lang="pl" sz="3600" b="0" i="0" u="none" strike="noStrike" cap="none" baseline="0">
+              <a:rPr lang="pl" sz="3600" b="0" i="0" u="none" strike="noStrike" cap="none" baseline="0" dirty="0">
                 <a:solidFill>
                   <a:schemeClr val="lt1"/>
                 </a:solidFill>
@@ -25995,7 +25823,7 @@
               <a:buNone/>
             </a:pPr>
             <a:r>
-              <a:rPr lang="pl" sz="3600" b="0" i="0" u="none" strike="noStrike" cap="none" baseline="0">
+              <a:rPr lang="pl" sz="3600" b="0" i="0" u="none" strike="noStrike" cap="none" baseline="0" dirty="0">
                 <a:solidFill>
                   <a:schemeClr val="lt1"/>
                 </a:solidFill>
@@ -26007,7 +25835,7 @@
               <a:t>&gt;&gt;&gt; </a:t>
             </a:r>
             <a:r>
-              <a:rPr lang="pl" sz="3600" b="0" i="0" u="none" strike="noStrike" cap="none" baseline="0">
+              <a:rPr lang="pl" sz="3600" b="0" i="0" u="none" strike="noStrike" cap="none" baseline="0" dirty="0">
                 <a:solidFill>
                   <a:srgbClr val="00FF00"/>
                 </a:solidFill>
@@ -26019,7 +25847,7 @@
               <a:t>line</a:t>
             </a:r>
             <a:r>
-              <a:rPr lang="pl" sz="3600" b="0" i="0" u="none" strike="noStrike" cap="none" baseline="0">
+              <a:rPr lang="pl" sz="3600" b="0" i="0" u="none" strike="noStrike" cap="none" baseline="0" dirty="0">
                 <a:solidFill>
                   <a:srgbClr val="FF00FF"/>
                 </a:solidFill>
@@ -26031,7 +25859,7 @@
               <a:t>.startswith</a:t>
             </a:r>
             <a:r>
-              <a:rPr lang="pl" sz="3600" b="0" i="0" u="none" strike="noStrike" cap="none" baseline="0">
+              <a:rPr lang="pl" sz="3600" b="0" i="0" u="none" strike="noStrike" cap="none" baseline="0" dirty="0">
                 <a:solidFill>
                   <a:schemeClr val="lt1"/>
                 </a:solidFill>
@@ -26043,7 +25871,7 @@
               <a:t>(</a:t>
             </a:r>
             <a:r>
-              <a:rPr lang="pl" sz="3600" b="0" i="0" u="none" strike="noStrike" cap="none" baseline="0">
+              <a:rPr lang="pl" sz="3600" b="0" i="0" u="none" strike="noStrike" cap="none" baseline="0" dirty="0">
                 <a:solidFill>
                   <a:srgbClr val="FF7F00"/>
                 </a:solidFill>
@@ -26055,7 +25883,7 @@
               <a:t>'ż'</a:t>
             </a:r>
             <a:r>
-              <a:rPr lang="pl" sz="3600" b="0" i="0" u="none" strike="noStrike" cap="none" baseline="0">
+              <a:rPr lang="pl" sz="3600" b="0" i="0" u="none" strike="noStrike" cap="none" baseline="0" dirty="0">
                 <a:solidFill>
                   <a:schemeClr val="lt1"/>
                 </a:solidFill>
@@ -26086,7 +25914,7 @@
               <a:buNone/>
             </a:pPr>
             <a:r>
-              <a:rPr lang="pl" sz="3600" b="0" i="0" u="none" strike="noStrike" cap="none" baseline="0">
+              <a:rPr lang="pl" sz="3600" b="0" i="0" u="none" strike="noStrike" cap="none" baseline="0" dirty="0">
                 <a:solidFill>
                   <a:schemeClr val="lt1"/>
                 </a:solidFill>
@@ -26466,7 +26294,7 @@
               <a:buNone/>
             </a:pPr>
             <a:r>
-              <a:rPr lang="pl" sz="3000" b="0" i="0" u="none" strike="noStrike" cap="none" baseline="0">
+              <a:rPr lang="pl" sz="3000" b="0" i="0" u="none" strike="noStrike" cap="none" baseline="0" dirty="0">
                 <a:solidFill>
                   <a:schemeClr val="lt1"/>
                 </a:solidFill>
@@ -26478,7 +26306,7 @@
               <a:t>&gt;&gt;&gt; </a:t>
             </a:r>
             <a:r>
-              <a:rPr lang="pl" sz="3000" b="0" i="0" u="none" strike="noStrike" cap="none" baseline="0">
+              <a:rPr lang="pl" sz="3000" b="0" i="0" u="none" strike="noStrike" cap="none" baseline="0" dirty="0">
                 <a:solidFill>
                   <a:srgbClr val="00FF00"/>
                 </a:solidFill>
@@ -26490,7 +26318,7 @@
               <a:t>name</a:t>
             </a:r>
             <a:r>
-              <a:rPr lang="pl" sz="3000" b="0" i="0" u="none" strike="noStrike" cap="none" baseline="0">
+              <a:rPr lang="pl" sz="3000" b="0" i="0" u="none" strike="noStrike" cap="none" baseline="0" dirty="0">
                 <a:solidFill>
                   <a:srgbClr val="FF7F00"/>
                 </a:solidFill>
@@ -26502,7 +26330,7 @@
               <a:t> </a:t>
             </a:r>
             <a:r>
-              <a:rPr lang="pl" sz="3000" b="0" i="0" u="none" strike="noStrike" cap="none" baseline="0">
+              <a:rPr lang="pl" sz="3000" b="0" i="0" u="none" strike="noStrike" cap="none" baseline="0" dirty="0">
                 <a:solidFill>
                   <a:schemeClr val="lt1"/>
                 </a:solidFill>
@@ -26514,7 +26342,7 @@
               <a:t>=</a:t>
             </a:r>
             <a:r>
-              <a:rPr lang="pl" sz="3000" b="0" i="0" u="none" strike="noStrike" cap="none" baseline="0">
+              <a:rPr lang="pl" sz="3000" b="0" i="0" u="none" strike="noStrike" cap="none" baseline="0" dirty="0">
                 <a:solidFill>
                   <a:srgbClr val="FF7F00"/>
                 </a:solidFill>
@@ -26526,7 +26354,7 @@
               <a:t> </a:t>
             </a:r>
             <a:r>
-              <a:rPr lang="pl" sz="3000" b="0" i="0" u="none" strike="noStrike" cap="none" baseline="0">
+              <a:rPr lang="pl" sz="3000" b="0" i="0" u="none" strike="noStrike" cap="none" baseline="0" dirty="0">
                 <a:solidFill>
                   <a:srgbClr val="FF00FF"/>
                 </a:solidFill>
@@ -26538,7 +26366,7 @@
               <a:t>input</a:t>
             </a:r>
             <a:r>
-              <a:rPr lang="pl" sz="3000" b="0" i="0" u="none" strike="noStrike" cap="none" baseline="0">
+              <a:rPr lang="pl" sz="3000" b="0" i="0" u="none" strike="noStrike" cap="none" baseline="0" dirty="0">
                 <a:solidFill>
                   <a:schemeClr val="lt1"/>
                 </a:solidFill>
@@ -26550,7 +26378,7 @@
               <a:t>(</a:t>
             </a:r>
             <a:r>
-              <a:rPr lang="pl" sz="3000" b="0" i="0" u="none" strike="noStrike" cap="none" baseline="0">
+              <a:rPr lang="pl" sz="3000" b="0" i="0" u="none" strike="noStrike" cap="none" baseline="0" dirty="0">
                 <a:solidFill>
                   <a:srgbClr val="FF7F00"/>
                 </a:solidFill>
@@ -26559,10 +26387,34 @@
                 <a:cs typeface="Courier"/>
                 <a:sym typeface="Courier New"/>
               </a:rPr>
-              <a:t>'Wpisz:'</a:t>
-            </a:r>
-            <a:r>
-              <a:rPr lang="pl" sz="3000" b="0" i="0" u="none" strike="noStrike" cap="none" baseline="0">
+              <a:t>'Wpisz:</a:t>
+            </a:r>
+            <a:r>
+              <a:rPr lang="en-US" sz="3000" b="0" i="0" u="none" strike="noStrike" cap="none" baseline="0" dirty="0">
+                <a:solidFill>
+                  <a:srgbClr val="FF7F00"/>
+                </a:solidFill>
+                <a:latin typeface="Courier"/>
+                <a:ea typeface="Courier"/>
+                <a:cs typeface="Courier"/>
+                <a:sym typeface="Courier New"/>
+              </a:rPr>
+              <a:t> </a:t>
+            </a:r>
+            <a:r>
+              <a:rPr lang="pl" sz="3000" b="0" i="0" u="none" strike="noStrike" cap="none" baseline="0" dirty="0">
+                <a:solidFill>
+                  <a:srgbClr val="FF7F00"/>
+                </a:solidFill>
+                <a:latin typeface="Courier"/>
+                <a:ea typeface="Courier"/>
+                <a:cs typeface="Courier"/>
+                <a:sym typeface="Courier New"/>
+              </a:rPr>
+              <a:t>'</a:t>
+            </a:r>
+            <a:r>
+              <a:rPr lang="pl" sz="3000" b="0" i="0" u="none" strike="noStrike" cap="none" baseline="0" dirty="0">
                 <a:solidFill>
                   <a:schemeClr val="lt1"/>
                 </a:solidFill>
@@ -26593,7 +26445,7 @@
               <a:buNone/>
             </a:pPr>
             <a:r>
-              <a:rPr lang="pl" sz="3000" b="0" i="0" u="none" strike="noStrike" cap="none" baseline="0">
+              <a:rPr lang="pl" sz="3000" b="0" i="0" u="none" strike="noStrike" cap="none" baseline="0" dirty="0">
                 <a:solidFill>
                   <a:schemeClr val="lt1"/>
                 </a:solidFill>
@@ -26605,7 +26457,19 @@
               <a:t>Wpisz:</a:t>
             </a:r>
             <a:r>
-              <a:rPr lang="pl" sz="3000" b="0" i="0" u="none" strike="noStrike" cap="none" baseline="0">
+              <a:rPr lang="en-US" sz="3000" b="0" i="0" u="none" strike="noStrike" cap="none" baseline="0" dirty="0">
+                <a:solidFill>
+                  <a:schemeClr val="lt1"/>
+                </a:solidFill>
+                <a:latin typeface="Courier"/>
+                <a:ea typeface="Courier"/>
+                <a:cs typeface="Courier"/>
+                <a:sym typeface="Courier New"/>
+              </a:rPr>
+              <a:t> </a:t>
+            </a:r>
+            <a:r>
+              <a:rPr lang="pl" sz="3000" b="0" i="0" u="none" strike="noStrike" cap="none" baseline="0" dirty="0">
                 <a:solidFill>
                   <a:srgbClr val="00FF00"/>
                 </a:solidFill>
@@ -26645,7 +26509,7 @@
               <a:buNone/>
             </a:pPr>
             <a:r>
-              <a:rPr lang="pl" sz="3000" b="0" i="0" u="none" strike="noStrike" cap="none" baseline="0">
+              <a:rPr lang="pl" sz="3000" b="0" i="0" u="none" strike="noStrike" cap="none" baseline="0" dirty="0">
                 <a:solidFill>
                   <a:schemeClr val="lt1"/>
                 </a:solidFill>
@@ -26657,7 +26521,7 @@
               <a:t>&gt;&gt;&gt; </a:t>
             </a:r>
             <a:r>
-              <a:rPr lang="pl" sz="3000" b="0" i="0" u="none" strike="noStrike" cap="none" baseline="0">
+              <a:rPr lang="pl" sz="3000" b="0" i="0" u="none" strike="noStrike" cap="none" baseline="0" dirty="0">
                 <a:solidFill>
                   <a:srgbClr val="FFFF00"/>
                 </a:solidFill>
@@ -26669,7 +26533,7 @@
               <a:t>print</a:t>
             </a:r>
             <a:r>
-              <a:rPr lang="pl" sz="3000" b="0" i="0" u="none" baseline="0">
+              <a:rPr lang="pl" sz="3000" b="0" i="0" u="none" baseline="0" dirty="0">
                 <a:solidFill>
                   <a:schemeClr val="lt1"/>
                 </a:solidFill>
@@ -26681,7 +26545,7 @@
               <a:t>(</a:t>
             </a:r>
             <a:r>
-              <a:rPr lang="pl" sz="3000" b="0" i="0" u="none" strike="noStrike" cap="none" baseline="0">
+              <a:rPr lang="pl" sz="3000" b="0" i="0" u="none" strike="noStrike" cap="none" baseline="0" dirty="0">
                 <a:solidFill>
                   <a:srgbClr val="FF7F00"/>
                 </a:solidFill>
@@ -26693,7 +26557,7 @@
               <a:t>name</a:t>
             </a:r>
             <a:r>
-              <a:rPr lang="pl" sz="3000" b="0" i="0" u="none" strike="noStrike" cap="none" baseline="0">
+              <a:rPr lang="pl" sz="3000" b="0" i="0" u="none" strike="noStrike" cap="none" baseline="0" dirty="0">
                 <a:solidFill>
                   <a:schemeClr val="bg1"/>
                 </a:solidFill>
@@ -26733,7 +26597,7 @@
               <a:buNone/>
             </a:pPr>
             <a:r>
-              <a:rPr lang="pl" sz="3000" b="0" i="0" u="none" strike="noStrike" cap="none" baseline="0">
+              <a:rPr lang="pl" sz="3000" b="0" i="0" u="none" strike="noStrike" cap="none" baseline="0" dirty="0">
                 <a:solidFill>
                   <a:schemeClr val="lt1"/>
                 </a:solidFill>
@@ -26764,7 +26628,7 @@
               <a:buNone/>
             </a:pPr>
             <a:r>
-              <a:rPr lang="pl" sz="3000" b="0" i="0" u="none" strike="noStrike" cap="none" baseline="0">
+              <a:rPr lang="pl" sz="3000" b="0" i="0" u="none" strike="noStrike" cap="none" baseline="0" dirty="0">
                 <a:solidFill>
                   <a:schemeClr val="lt1"/>
                 </a:solidFill>
@@ -26776,7 +26640,7 @@
               <a:t>&gt;&gt;&gt; </a:t>
             </a:r>
             <a:r>
-              <a:rPr lang="pl" sz="3000" b="0" i="0" u="none" strike="noStrike" cap="none" baseline="0">
+              <a:rPr lang="pl" sz="3000" b="0" i="0" u="none" strike="noStrike" cap="none" baseline="0" dirty="0">
                 <a:solidFill>
                   <a:srgbClr val="00FF00"/>
                 </a:solidFill>
@@ -26788,7 +26652,7 @@
               <a:t>apple</a:t>
             </a:r>
             <a:r>
-              <a:rPr lang="pl" sz="3000" b="0" i="0" u="none" strike="noStrike" cap="none" baseline="0">
+              <a:rPr lang="pl" sz="3000" b="0" i="0" u="none" strike="noStrike" cap="none" baseline="0" dirty="0">
                 <a:solidFill>
                   <a:srgbClr val="FF7F00"/>
                 </a:solidFill>
@@ -26800,7 +26664,7 @@
               <a:t> </a:t>
             </a:r>
             <a:r>
-              <a:rPr lang="pl" sz="3000" b="0" i="0" u="none" strike="noStrike" cap="none" baseline="0">
+              <a:rPr lang="pl" sz="3000" b="0" i="0" u="none" strike="noStrike" cap="none" baseline="0" dirty="0">
                 <a:solidFill>
                   <a:schemeClr val="lt1"/>
                 </a:solidFill>
@@ -26812,7 +26676,7 @@
               <a:t>=</a:t>
             </a:r>
             <a:r>
-              <a:rPr lang="pl" sz="3000" b="0" i="0" u="none" strike="noStrike" cap="none" baseline="0">
+              <a:rPr lang="pl" sz="3000" b="0" i="0" u="none" strike="noStrike" cap="none" baseline="0" dirty="0">
                 <a:solidFill>
                   <a:srgbClr val="FF7F00"/>
                 </a:solidFill>
@@ -26824,7 +26688,7 @@
               <a:t> </a:t>
             </a:r>
             <a:r>
-              <a:rPr lang="pl" sz="3000" b="0" i="0" u="none" strike="noStrike" cap="none" baseline="0">
+              <a:rPr lang="pl" sz="3000" b="0" i="0" u="none" strike="noStrike" cap="none" baseline="0" dirty="0">
                 <a:solidFill>
                   <a:srgbClr val="FF00FF"/>
                 </a:solidFill>
@@ -26836,7 +26700,7 @@
               <a:t>input</a:t>
             </a:r>
             <a:r>
-              <a:rPr lang="pl" sz="3000" b="0" i="0" u="none" strike="noStrike" cap="none" baseline="0">
+              <a:rPr lang="pl" sz="3000" b="0" i="0" u="none" strike="noStrike" cap="none" baseline="0" dirty="0">
                 <a:solidFill>
                   <a:schemeClr val="lt1"/>
                 </a:solidFill>
@@ -26848,7 +26712,7 @@
               <a:t>(</a:t>
             </a:r>
             <a:r>
-              <a:rPr lang="pl" sz="3000" b="0" i="0" u="none" strike="noStrike" cap="none" baseline="0">
+              <a:rPr lang="pl" sz="3000" b="0" i="0" u="none" strike="noStrike" cap="none" baseline="0" dirty="0">
                 <a:solidFill>
                   <a:srgbClr val="FF7F00"/>
                 </a:solidFill>
@@ -26857,10 +26721,34 @@
                 <a:cs typeface="Courier"/>
                 <a:sym typeface="Courier New"/>
               </a:rPr>
-              <a:t>'Wpisz:'</a:t>
-            </a:r>
-            <a:r>
-              <a:rPr lang="pl" sz="3000" b="0" i="0" u="none" strike="noStrike" cap="none" baseline="0">
+              <a:t>'Wpisz:</a:t>
+            </a:r>
+            <a:r>
+              <a:rPr lang="en-US" sz="3000" b="0" i="0" u="none" strike="noStrike" cap="none" baseline="0" dirty="0">
+                <a:solidFill>
+                  <a:srgbClr val="FF7F00"/>
+                </a:solidFill>
+                <a:latin typeface="Courier"/>
+                <a:ea typeface="Courier"/>
+                <a:cs typeface="Courier"/>
+                <a:sym typeface="Courier New"/>
+              </a:rPr>
+              <a:t> </a:t>
+            </a:r>
+            <a:r>
+              <a:rPr lang="pl" sz="3000" b="0" i="0" u="none" strike="noStrike" cap="none" baseline="0" dirty="0">
+                <a:solidFill>
+                  <a:srgbClr val="FF7F00"/>
+                </a:solidFill>
+                <a:latin typeface="Courier"/>
+                <a:ea typeface="Courier"/>
+                <a:cs typeface="Courier"/>
+                <a:sym typeface="Courier New"/>
+              </a:rPr>
+              <a:t>'</a:t>
+            </a:r>
+            <a:r>
+              <a:rPr lang="pl" sz="3000" b="0" i="0" u="none" strike="noStrike" cap="none" baseline="0" dirty="0">
                 <a:solidFill>
                   <a:schemeClr val="lt1"/>
                 </a:solidFill>
@@ -26891,7 +26779,7 @@
               <a:buNone/>
             </a:pPr>
             <a:r>
-              <a:rPr lang="pl" sz="3000" b="0" i="0" u="none" strike="noStrike" cap="none" baseline="0">
+              <a:rPr lang="pl" sz="3000" b="0" i="0" u="none" strike="noStrike" cap="none" baseline="0" dirty="0">
                 <a:solidFill>
                   <a:schemeClr val="lt1"/>
                 </a:solidFill>
@@ -26903,7 +26791,19 @@
               <a:t>Wpisz:</a:t>
             </a:r>
             <a:r>
-              <a:rPr lang="pl" sz="3000" b="0" i="0" u="none" strike="noStrike" cap="none" baseline="0">
+              <a:rPr lang="en-US" sz="3000" b="0" i="0" u="none" strike="noStrike" cap="none" baseline="0" dirty="0">
+                <a:solidFill>
+                  <a:schemeClr val="lt1"/>
+                </a:solidFill>
+                <a:latin typeface="Courier"/>
+                <a:ea typeface="Courier"/>
+                <a:cs typeface="Courier"/>
+                <a:sym typeface="Courier New"/>
+              </a:rPr>
+              <a:t> </a:t>
+            </a:r>
+            <a:r>
+              <a:rPr lang="pl" sz="3000" b="0" i="0" u="none" strike="noStrike" cap="none" baseline="0" dirty="0">
                 <a:solidFill>
                   <a:srgbClr val="00FF00"/>
                 </a:solidFill>
@@ -26934,7 +26834,7 @@
               <a:buNone/>
             </a:pPr>
             <a:r>
-              <a:rPr lang="pl" sz="3000" b="0" i="0" u="none" strike="noStrike" cap="none" baseline="0">
+              <a:rPr lang="pl" sz="3000" b="0" i="0" u="none" strike="noStrike" cap="none" baseline="0" dirty="0">
                 <a:solidFill>
                   <a:schemeClr val="lt1"/>
                 </a:solidFill>
@@ -26946,7 +26846,7 @@
               <a:t>&gt;&gt;&gt; </a:t>
             </a:r>
             <a:r>
-              <a:rPr lang="pl" sz="3000" b="0" i="0" u="none" strike="noStrike" cap="none" baseline="0">
+              <a:rPr lang="pl" sz="3000" b="0" i="0" u="none" strike="noStrike" cap="none" baseline="0" dirty="0">
                 <a:solidFill>
                   <a:srgbClr val="00FF00"/>
                 </a:solidFill>
@@ -26958,7 +26858,7 @@
               <a:t>x </a:t>
             </a:r>
             <a:r>
-              <a:rPr lang="pl" sz="3000" b="0" i="0" u="none" strike="noStrike" cap="none" baseline="0">
+              <a:rPr lang="pl" sz="3000" b="0" i="0" u="none" strike="noStrike" cap="none" baseline="0" dirty="0">
                 <a:solidFill>
                   <a:schemeClr val="lt1"/>
                 </a:solidFill>
@@ -26970,7 +26870,7 @@
               <a:t>=</a:t>
             </a:r>
             <a:r>
-              <a:rPr lang="pl" sz="3000" b="0" i="0" u="none" strike="noStrike" cap="none" baseline="0">
+              <a:rPr lang="pl" sz="3000" b="0" i="0" u="none" strike="noStrike" cap="none" baseline="0" dirty="0">
                 <a:solidFill>
                   <a:srgbClr val="FF7F00"/>
                 </a:solidFill>
@@ -26982,7 +26882,7 @@
               <a:t> </a:t>
             </a:r>
             <a:r>
-              <a:rPr lang="pl" sz="3000" b="0" i="0" u="none" strike="noStrike" cap="none" baseline="0">
+              <a:rPr lang="pl" sz="3000" b="0" i="0" u="none" strike="noStrike" cap="none" baseline="0" dirty="0">
                 <a:solidFill>
                   <a:srgbClr val="00FF00"/>
                 </a:solidFill>
@@ -26994,7 +26894,7 @@
               <a:t>apple</a:t>
             </a:r>
             <a:r>
-              <a:rPr lang="pl" sz="3000" b="0" i="0" u="none" strike="noStrike" cap="none" baseline="0">
+              <a:rPr lang="pl" sz="3000" b="0" i="0" u="none" strike="noStrike" cap="none" baseline="0" dirty="0">
                 <a:solidFill>
                   <a:srgbClr val="FF7F00"/>
                 </a:solidFill>
@@ -27006,7 +26906,7 @@
               <a:t> </a:t>
             </a:r>
             <a:r>
-              <a:rPr lang="pl" sz="3000" b="0" i="0" u="none" strike="noStrike" cap="none" baseline="0">
+              <a:rPr lang="pl" sz="3000" b="0" i="0" u="none" strike="noStrike" cap="none" baseline="0" dirty="0">
                 <a:solidFill>
                   <a:srgbClr val="00FFFF"/>
                 </a:solidFill>
@@ -27018,7 +26918,7 @@
               <a:t>– </a:t>
             </a:r>
             <a:r>
-              <a:rPr lang="pl" sz="3000" b="0" i="0" u="none" strike="noStrike" cap="none" baseline="0">
+              <a:rPr lang="pl" sz="3000" b="0" i="0" u="none" strike="noStrike" cap="none" baseline="0" dirty="0">
                 <a:solidFill>
                   <a:srgbClr val="FF7F00"/>
                 </a:solidFill>
@@ -27049,7 +26949,7 @@
               <a:buNone/>
             </a:pPr>
             <a:r>
-              <a:rPr lang="pl" sz="3000" b="0" i="0" u="none" strike="noStrike" cap="none" baseline="0">
+              <a:rPr lang="pl" sz="3000" b="0" i="0" u="none" strike="noStrike" cap="none" baseline="0" dirty="0">
                 <a:solidFill>
                   <a:srgbClr val="E06666"/>
                 </a:solidFill>
@@ -27080,7 +26980,7 @@
               <a:buNone/>
             </a:pPr>
             <a:r>
-              <a:rPr lang="pl" sz="3000" b="0" i="0" u="none" strike="noStrike" cap="none" baseline="0">
+              <a:rPr lang="pl" sz="3000" b="0" i="0" u="none" strike="noStrike" cap="none" baseline="0" dirty="0">
                 <a:solidFill>
                   <a:srgbClr val="E06666"/>
                 </a:solidFill>
@@ -27111,7 +27011,7 @@
               <a:buNone/>
             </a:pPr>
             <a:r>
-              <a:rPr lang="pl" sz="3000" b="0" i="0" u="none" strike="noStrike" cap="none" baseline="0">
+              <a:rPr lang="pl" sz="3000" b="0" i="0" u="none" strike="noStrike" cap="none" baseline="0" dirty="0">
                 <a:solidFill>
                   <a:schemeClr val="lt1"/>
                 </a:solidFill>
@@ -27123,7 +27023,7 @@
               <a:t>&gt;&gt;&gt; </a:t>
             </a:r>
             <a:r>
-              <a:rPr lang="pl" sz="3000" b="0" i="0" u="none" strike="noStrike" cap="none" baseline="0">
+              <a:rPr lang="pl" sz="3000" b="0" i="0" u="none" strike="noStrike" cap="none" baseline="0" dirty="0">
                 <a:solidFill>
                   <a:srgbClr val="00FF00"/>
                 </a:solidFill>
@@ -27135,7 +27035,7 @@
               <a:t>x</a:t>
             </a:r>
             <a:r>
-              <a:rPr lang="pl" sz="3000" b="0" i="0" u="none" strike="noStrike" cap="none" baseline="0">
+              <a:rPr lang="pl" sz="3000" b="0" i="0" u="none" strike="noStrike" cap="none" baseline="0" dirty="0">
                 <a:solidFill>
                   <a:srgbClr val="FF7F00"/>
                 </a:solidFill>
@@ -27147,7 +27047,7 @@
               <a:t> </a:t>
             </a:r>
             <a:r>
-              <a:rPr lang="pl" sz="3000" b="0" i="0" u="none" strike="noStrike" cap="none" baseline="0">
+              <a:rPr lang="pl" sz="3000" b="0" i="0" u="none" strike="noStrike" cap="none" baseline="0" dirty="0">
                 <a:solidFill>
                   <a:schemeClr val="lt1"/>
                 </a:solidFill>
@@ -27159,7 +27059,7 @@
               <a:t>=</a:t>
             </a:r>
             <a:r>
-              <a:rPr lang="pl" sz="3000" b="0" i="0" u="none" strike="noStrike" cap="none" baseline="0">
+              <a:rPr lang="pl" sz="3000" b="0" i="0" u="none" strike="noStrike" cap="none" baseline="0" dirty="0">
                 <a:solidFill>
                   <a:srgbClr val="FF7F00"/>
                 </a:solidFill>
@@ -27171,7 +27071,7 @@
               <a:t> </a:t>
             </a:r>
             <a:r>
-              <a:rPr lang="pl" sz="3000" b="0" i="0" u="none" strike="noStrike" cap="none" baseline="0">
+              <a:rPr lang="pl" sz="3000" b="0" i="0" u="none" strike="noStrike" cap="none" baseline="0" dirty="0">
                 <a:solidFill>
                   <a:srgbClr val="FF00FF"/>
                 </a:solidFill>
@@ -27183,7 +27083,7 @@
               <a:t>int</a:t>
             </a:r>
             <a:r>
-              <a:rPr lang="pl" sz="3000" b="0" i="0" u="none" strike="noStrike" cap="none" baseline="0">
+              <a:rPr lang="pl" sz="3000" b="0" i="0" u="none" strike="noStrike" cap="none" baseline="0" dirty="0">
                 <a:solidFill>
                   <a:srgbClr val="FF7F00"/>
                 </a:solidFill>
@@ -27195,7 +27095,7 @@
               <a:t>(</a:t>
             </a:r>
             <a:r>
-              <a:rPr lang="pl" sz="3000" b="0" i="0" u="none" strike="noStrike" cap="none" baseline="0">
+              <a:rPr lang="pl" sz="3000" b="0" i="0" u="none" strike="noStrike" cap="none" baseline="0" dirty="0">
                 <a:solidFill>
                   <a:srgbClr val="00FF00"/>
                 </a:solidFill>
@@ -27207,7 +27107,7 @@
               <a:t>apple</a:t>
             </a:r>
             <a:r>
-              <a:rPr lang="pl" sz="3000" b="0" i="0" u="none" strike="noStrike" cap="none" baseline="0">
+              <a:rPr lang="pl" sz="3000" b="0" i="0" u="none" strike="noStrike" cap="none" baseline="0" dirty="0">
                 <a:solidFill>
                   <a:srgbClr val="FF7F00"/>
                 </a:solidFill>
@@ -27219,7 +27119,7 @@
               <a:t>) </a:t>
             </a:r>
             <a:r>
-              <a:rPr lang="pl" sz="3000" b="0" i="0" u="none" strike="noStrike" cap="none" baseline="0">
+              <a:rPr lang="pl" sz="3000" b="0" i="0" u="none" strike="noStrike" cap="none" baseline="0" dirty="0">
                 <a:solidFill>
                   <a:srgbClr val="00FFFF"/>
                 </a:solidFill>
@@ -27231,7 +27131,7 @@
               <a:t>–</a:t>
             </a:r>
             <a:r>
-              <a:rPr lang="pl" sz="3000" b="0" i="0" u="none" strike="noStrike" cap="none" baseline="0">
+              <a:rPr lang="pl" sz="3000" b="0" i="0" u="none" strike="noStrike" cap="none" baseline="0" dirty="0">
                 <a:solidFill>
                   <a:srgbClr val="FF7F00"/>
                 </a:solidFill>
@@ -27262,7 +27162,7 @@
               <a:buNone/>
             </a:pPr>
             <a:r>
-              <a:rPr lang="pl" sz="3000" b="0" i="0" u="none" strike="noStrike" cap="none" baseline="0">
+              <a:rPr lang="pl" sz="3000" b="0" i="0" u="none" strike="noStrike" cap="none" baseline="0" dirty="0">
                 <a:solidFill>
                   <a:schemeClr val="lt1"/>
                 </a:solidFill>
@@ -27274,7 +27174,7 @@
               <a:t>&gt;&gt;&gt; </a:t>
             </a:r>
             <a:r>
-              <a:rPr lang="pl" sz="3000" b="0" i="0" u="none" strike="noStrike" cap="none" baseline="0">
+              <a:rPr lang="pl" sz="3000" b="0" i="0" u="none" strike="noStrike" cap="none" baseline="0" dirty="0">
                 <a:solidFill>
                   <a:srgbClr val="FFFF00"/>
                 </a:solidFill>
@@ -27286,7 +27186,7 @@
               <a:t>print</a:t>
             </a:r>
             <a:r>
-              <a:rPr lang="pl" sz="3000" b="0" i="0" u="none" baseline="0">
+              <a:rPr lang="pl" sz="3000" b="0" i="0" u="none" baseline="0" dirty="0">
                 <a:solidFill>
                   <a:schemeClr val="lt1"/>
                 </a:solidFill>
@@ -27298,7 +27198,7 @@
               <a:t>(</a:t>
             </a:r>
             <a:r>
-              <a:rPr lang="pl" sz="3000" b="0" i="0" u="none" strike="noStrike" cap="none" baseline="0">
+              <a:rPr lang="pl" sz="3000" b="0" i="0" u="none" strike="noStrike" cap="none" baseline="0" dirty="0">
                 <a:solidFill>
                   <a:srgbClr val="00FF00"/>
                 </a:solidFill>
@@ -27310,7 +27210,7 @@
               <a:t>x</a:t>
             </a:r>
             <a:r>
-              <a:rPr lang="pl" sz="3000" b="0" i="0" u="none" strike="noStrike" cap="none" baseline="0">
+              <a:rPr lang="pl" sz="3000" b="0" i="0" u="none" strike="noStrike" cap="none" baseline="0" dirty="0">
                 <a:solidFill>
                   <a:schemeClr val="bg1"/>
                 </a:solidFill>
@@ -27350,7 +27250,7 @@
               <a:buNone/>
             </a:pPr>
             <a:r>
-              <a:rPr lang="pl" sz="3000" b="0" i="0" u="none" strike="noStrike" cap="none" baseline="0">
+              <a:rPr lang="pl" sz="3000" b="0" i="0" u="none" strike="noStrike" cap="none" baseline="0" dirty="0">
                 <a:solidFill>
                   <a:schemeClr val="lt1"/>
                 </a:solidFill>
@@ -28650,7 +28550,7 @@
           <a:p>
             <a:pPr algn="l" rtl="0"/>
             <a:r>
-              <a:rPr lang="pl" sz="3200" b="0" i="0" u="none" baseline="0">
+              <a:rPr lang="pl" sz="3200" b="0" i="0" u="none" baseline="0" dirty="0">
                 <a:solidFill>
                   <a:srgbClr val="FF40FF"/>
                 </a:solidFill>
@@ -28658,13 +28558,13 @@
                 <a:ea typeface="Courier" charset="0"/>
                 <a:cs typeface="Courier" charset="0"/>
               </a:rPr>
-              <a:t>Python 3.5.1</a:t>
+              <a:t>Python 3</a:t>
             </a:r>
           </a:p>
           <a:p>
             <a:pPr algn="l" rtl="0"/>
             <a:r>
-              <a:rPr lang="pl" sz="3200" b="0" i="0" u="none" baseline="0">
+              <a:rPr lang="pl" sz="3200" b="0" i="0" u="none" baseline="0" dirty="0">
                 <a:solidFill>
                   <a:schemeClr val="bg1"/>
                 </a:solidFill>
@@ -28678,7 +28578,7 @@
           <a:p>
             <a:pPr algn="l" rtl="0"/>
             <a:r>
-              <a:rPr lang="pl" sz="3200" b="0" i="0" u="none" baseline="0">
+              <a:rPr lang="pl" sz="3200" b="0" i="0" u="none" baseline="0" dirty="0">
                 <a:solidFill>
                   <a:schemeClr val="bg1"/>
                 </a:solidFill>
@@ -28692,7 +28592,7 @@
           <a:p>
             <a:pPr algn="l" rtl="0"/>
             <a:r>
-              <a:rPr lang="pl" sz="3200" b="0" i="0" u="none" baseline="0">
+              <a:rPr lang="pl" sz="3200" b="0" i="0" u="none" baseline="0" dirty="0">
                 <a:solidFill>
                   <a:schemeClr val="bg1"/>
                 </a:solidFill>
@@ -28706,7 +28606,7 @@
           <a:p>
             <a:pPr algn="l" rtl="0"/>
             <a:r>
-              <a:rPr lang="pl" sz="3200" b="0" i="0" u="none" baseline="0">
+              <a:rPr lang="pl" sz="3200" b="0" i="0" u="none" baseline="0" dirty="0">
                 <a:solidFill>
                   <a:schemeClr val="bg1"/>
                 </a:solidFill>
@@ -28720,7 +28620,7 @@
           <a:p>
             <a:pPr algn="l" rtl="0"/>
             <a:r>
-              <a:rPr lang="pl" sz="3200" b="0" i="0" u="none" baseline="0">
+              <a:rPr lang="pl" sz="3200" b="0" i="0" u="none" baseline="0" dirty="0">
                 <a:solidFill>
                   <a:schemeClr val="bg1"/>
                 </a:solidFill>
@@ -28734,7 +28634,7 @@
           <a:p>
             <a:pPr algn="l" rtl="0"/>
             <a:r>
-              <a:rPr lang="pl" sz="3200" b="0" i="0" u="none" baseline="0">
+              <a:rPr lang="pl" sz="3200" b="0" i="0" u="none" baseline="0" dirty="0">
                 <a:solidFill>
                   <a:srgbClr val="00FA00"/>
                 </a:solidFill>
@@ -28748,7 +28648,7 @@
           <a:p>
             <a:pPr algn="l" rtl="0"/>
             <a:r>
-              <a:rPr lang="pl" sz="3200" b="0" i="0" u="none" baseline="0">
+              <a:rPr lang="pl" sz="3200" b="0" i="0" u="none" baseline="0" dirty="0">
                 <a:solidFill>
                   <a:schemeClr val="bg1"/>
                 </a:solidFill>
@@ -28793,7 +28693,7 @@
           <a:p>
             <a:pPr algn="l" rtl="0"/>
             <a:r>
-              <a:rPr lang="pl" sz="3200" b="0" i="0" u="none" baseline="0">
+              <a:rPr lang="pl" sz="3200" b="0" i="0" u="none" baseline="0" dirty="0">
                 <a:solidFill>
                   <a:srgbClr val="FF40FF"/>
                 </a:solidFill>
@@ -28801,13 +28701,13 @@
                 <a:ea typeface="Courier" charset="0"/>
                 <a:cs typeface="Courier" charset="0"/>
               </a:rPr>
-              <a:t>Python 2.7.10 </a:t>
+              <a:t>Python 2 </a:t>
             </a:r>
           </a:p>
           <a:p>
             <a:pPr algn="l" rtl="0"/>
             <a:r>
-              <a:rPr lang="pl" sz="3200" b="0" i="0" u="none" baseline="0">
+              <a:rPr lang="pl" sz="3200" b="0" i="0" u="none" baseline="0" dirty="0">
                 <a:solidFill>
                   <a:schemeClr val="bg1"/>
                 </a:solidFill>
@@ -28821,7 +28721,7 @@
           <a:p>
             <a:pPr algn="l" rtl="0"/>
             <a:r>
-              <a:rPr lang="pl" sz="3200" b="0" i="0" u="none" baseline="0">
+              <a:rPr lang="pl" sz="3200" b="0" i="0" u="none" baseline="0" dirty="0">
                 <a:solidFill>
                   <a:schemeClr val="bg1"/>
                 </a:solidFill>
@@ -28835,7 +28735,7 @@
           <a:p>
             <a:pPr algn="l" rtl="0"/>
             <a:r>
-              <a:rPr lang="pl" sz="3200" b="0" i="0" u="none" baseline="0">
+              <a:rPr lang="pl" sz="3200" b="0" i="0" u="none" baseline="0" dirty="0">
                 <a:solidFill>
                   <a:schemeClr val="bg1"/>
                 </a:solidFill>
@@ -28849,7 +28749,7 @@
           <a:p>
             <a:pPr algn="l" rtl="0"/>
             <a:r>
-              <a:rPr lang="pl" sz="3200" b="0" i="0" u="none" baseline="0">
+              <a:rPr lang="pl" sz="3200" b="0" i="0" u="none" baseline="0" dirty="0">
                 <a:solidFill>
                   <a:schemeClr val="bg1"/>
                 </a:solidFill>
@@ -28863,7 +28763,7 @@
           <a:p>
             <a:pPr algn="l" rtl="0"/>
             <a:r>
-              <a:rPr lang="pl" sz="3200" b="0" i="0" u="none" baseline="0">
+              <a:rPr lang="pl" sz="3200" b="0" i="0" u="none" baseline="0" dirty="0">
                 <a:solidFill>
                   <a:schemeClr val="bg1"/>
                 </a:solidFill>
@@ -28877,7 +28777,7 @@
           <a:p>
             <a:pPr algn="l" rtl="0"/>
             <a:r>
-              <a:rPr lang="pl" sz="3200" b="0" i="0" u="none" baseline="0">
+              <a:rPr lang="pl" sz="3200" b="0" i="0" u="none" baseline="0" dirty="0">
                 <a:solidFill>
                   <a:srgbClr val="00FA00"/>
                 </a:solidFill>
@@ -28891,7 +28791,7 @@
           <a:p>
             <a:pPr algn="l" rtl="0"/>
             <a:r>
-              <a:rPr lang="pl" sz="3200" b="0" i="0" u="none" baseline="0">
+              <a:rPr lang="pl" sz="3200" b="0" i="0" u="none" baseline="0" dirty="0">
                 <a:solidFill>
                   <a:schemeClr val="bg1"/>
                 </a:solidFill>
@@ -29897,8 +29797,85 @@
                   <a:srgbClr val="FFFFFF"/>
                 </a:solidFill>
               </a:rPr>
-              <a:t>Autorstwo pierwszej wersji: Charles Severance, University of Michigan School of Information</a:t>
-            </a:r>
+              <a:t>Autorstwo pierwszej wersji: Charles Severance, </a:t>
+            </a:r>
+            <a:br>
+              <a:rPr lang="en-US" sz="1800" b="0" i="0" u="none" baseline="0" dirty="0">
+                <a:solidFill>
+                  <a:srgbClr val="FFFFFF"/>
+                </a:solidFill>
+              </a:rPr>
+            </a:br>
+            <a:r>
+              <a:rPr lang="pl" sz="1800" b="0" i="0" u="none" baseline="0" dirty="0">
+                <a:solidFill>
+                  <a:srgbClr val="FFFFFF"/>
+                </a:solidFill>
+              </a:rPr>
+              <a:t>University of Michigan School of Information</a:t>
+            </a:r>
+            <a:endParaRPr lang="en-US" sz="1800" b="0" i="0" u="none" baseline="0" dirty="0">
+              <a:solidFill>
+                <a:srgbClr val="FFFFFF"/>
+              </a:solidFill>
+            </a:endParaRPr>
+          </a:p>
+          <a:p>
+            <a:pPr lvl="0" algn="l" rtl="0">
+              <a:spcBef>
+                <a:spcPts val="0"/>
+              </a:spcBef>
+              <a:buNone/>
+            </a:pPr>
+            <a:endParaRPr lang="en-US" sz="1800" dirty="0">
+              <a:solidFill>
+                <a:srgbClr val="FFFFFF"/>
+              </a:solidFill>
+            </a:endParaRPr>
+          </a:p>
+          <a:p>
+            <a:pPr lvl="0" algn="l" rtl="0">
+              <a:spcBef>
+                <a:spcPts val="0"/>
+              </a:spcBef>
+              <a:buNone/>
+            </a:pPr>
+            <a:r>
+              <a:rPr lang="pl-PL" sz="1800" dirty="0">
+                <a:solidFill>
+                  <a:srgbClr val="FFFFFF"/>
+                </a:solidFill>
+              </a:rPr>
+              <a:t>Polska wersja powstała z inicjatywy Wydziału Matematyki </a:t>
+            </a:r>
+            <a:br>
+              <a:rPr lang="en-US" sz="1800" dirty="0">
+                <a:solidFill>
+                  <a:srgbClr val="FFFFFF"/>
+                </a:solidFill>
+              </a:rPr>
+            </a:br>
+            <a:r>
+              <a:rPr lang="pl-PL" sz="1800" dirty="0">
+                <a:solidFill>
+                  <a:srgbClr val="FFFFFF"/>
+                </a:solidFill>
+              </a:rPr>
+              <a:t>i Informatyki Uniwersytetu im. </a:t>
+            </a:r>
+            <a:r>
+              <a:rPr lang="pl-PL" sz="1800">
+                <a:solidFill>
+                  <a:srgbClr val="FFFFFF"/>
+                </a:solidFill>
+              </a:rPr>
+              <a:t>Adama Mickiewicza w Poznaniu</a:t>
+            </a:r>
+            <a:endParaRPr lang="en-US" sz="1800" dirty="0">
+              <a:solidFill>
+                <a:srgbClr val="FFFFFF"/>
+              </a:solidFill>
+            </a:endParaRPr>
           </a:p>
           <a:p>
             <a:pPr lvl="0" algn="l" rtl="0">
@@ -29926,23 +29903,7 @@
                   <a:srgbClr val="FFFFFF"/>
                 </a:solidFill>
               </a:rPr>
-              <a:t>Tłumaczenie</a:t>
-            </a:r>
-            <a:r>
-              <a:rPr lang="pl" sz="1800" b="0" i="0" u="none" baseline="0">
-                <a:solidFill>
-                  <a:srgbClr val="FFFFFF"/>
-                </a:solidFill>
-              </a:rPr>
-              <a:t>: Agata i Krzysztof Wierzbiccy</a:t>
-            </a:r>
-            <a:r>
-              <a:rPr lang="pl" sz="1800" b="0" i="0" u="none" baseline="0" dirty="0">
-                <a:solidFill>
-                  <a:srgbClr val="FFFFFF"/>
-                </a:solidFill>
-              </a:rPr>
-              <a:t>, EnglishT.eu </a:t>
+              <a:t>Tłumaczenie: Agata i Krzysztof Wierzbiccy, EnglishT.eu </a:t>
             </a:r>
           </a:p>
           <a:p>
@@ -30240,7 +30201,7 @@
               <a:buNone/>
             </a:pPr>
             <a:r>
-              <a:rPr lang="pl" sz="3000" b="0" i="0" u="none" strike="noStrike" cap="none" baseline="0">
+              <a:rPr lang="pl" sz="3000" b="0" i="0" u="none" strike="noStrike" cap="none" baseline="0" dirty="0">
                 <a:solidFill>
                   <a:schemeClr val="lt1"/>
                 </a:solidFill>
@@ -30252,7 +30213,7 @@
               <a:t>&gt;&gt;&gt; </a:t>
             </a:r>
             <a:r>
-              <a:rPr lang="pl" sz="3000" b="0" i="0" u="none" strike="noStrike" cap="none" baseline="0">
+              <a:rPr lang="pl" sz="3000" b="0" i="0" u="none" strike="noStrike" cap="none" baseline="0" dirty="0">
                 <a:solidFill>
                   <a:srgbClr val="00FF00"/>
                 </a:solidFill>
@@ -30264,7 +30225,7 @@
               <a:t>fruit</a:t>
             </a:r>
             <a:r>
-              <a:rPr lang="pl" sz="3000" b="0" i="0" u="none" strike="noStrike" cap="none" baseline="0">
+              <a:rPr lang="pl" sz="3000" b="0" i="0" u="none" strike="noStrike" cap="none" baseline="0" dirty="0">
                 <a:solidFill>
                   <a:schemeClr val="lt1"/>
                 </a:solidFill>
@@ -30276,7 +30237,7 @@
               <a:t> = </a:t>
             </a:r>
             <a:r>
-              <a:rPr lang="pl" sz="3000" b="0" i="0" u="none" strike="noStrike" cap="none" baseline="0">
+              <a:rPr lang="pl" sz="3000" b="0" i="0" u="none" strike="noStrike" cap="none" baseline="0" dirty="0">
                 <a:solidFill>
                   <a:srgbClr val="FF7F00"/>
                 </a:solidFill>
@@ -30285,7 +30246,7 @@
                 <a:cs typeface="Courier"/>
                 <a:sym typeface="Courier New"/>
               </a:rPr>
-              <a:t>'banana'</a:t>
+              <a:t>'banan'</a:t>
             </a:r>
           </a:p>
           <a:p>
@@ -30307,7 +30268,7 @@
               <a:buNone/>
             </a:pPr>
             <a:r>
-              <a:rPr lang="pl" sz="3000" b="0" i="0" u="none" strike="noStrike" cap="none" baseline="0">
+              <a:rPr lang="pl" sz="3000" b="0" i="0" u="none" strike="noStrike" cap="none" baseline="0" dirty="0">
                 <a:solidFill>
                   <a:schemeClr val="lt1"/>
                 </a:solidFill>
@@ -30319,7 +30280,7 @@
               <a:t>&gt;&gt;&gt; </a:t>
             </a:r>
             <a:r>
-              <a:rPr lang="pl" sz="3000" b="0" i="0" u="none" strike="noStrike" cap="none" baseline="0">
+              <a:rPr lang="pl" sz="3000" b="0" i="0" u="none" strike="noStrike" cap="none" baseline="0" dirty="0">
                 <a:solidFill>
                   <a:srgbClr val="00FF00"/>
                 </a:solidFill>
@@ -30331,7 +30292,7 @@
               <a:t>letter</a:t>
             </a:r>
             <a:r>
-              <a:rPr lang="pl" sz="3000" b="0" i="0" u="none" strike="noStrike" cap="none" baseline="0">
+              <a:rPr lang="pl" sz="3000" b="0" i="0" u="none" strike="noStrike" cap="none" baseline="0" dirty="0">
                 <a:solidFill>
                   <a:schemeClr val="lt1"/>
                 </a:solidFill>
@@ -30343,7 +30304,7 @@
               <a:t> = </a:t>
             </a:r>
             <a:r>
-              <a:rPr lang="pl" sz="3000" b="0" i="0" u="none" strike="noStrike" cap="none" baseline="0">
+              <a:rPr lang="pl" sz="3000" b="0" i="0" u="none" strike="noStrike" cap="none" baseline="0" dirty="0">
                 <a:solidFill>
                   <a:srgbClr val="00FF00"/>
                 </a:solidFill>
@@ -30355,7 +30316,7 @@
               <a:t>fruit</a:t>
             </a:r>
             <a:r>
-              <a:rPr lang="pl" sz="3000" b="0" i="0" u="none" strike="noStrike" cap="none" baseline="0">
+              <a:rPr lang="pl" sz="3000" b="0" i="0" u="none" strike="noStrike" cap="none" baseline="0" dirty="0">
                 <a:solidFill>
                   <a:srgbClr val="00FFFF"/>
                 </a:solidFill>
@@ -30367,7 +30328,7 @@
               <a:t>[</a:t>
             </a:r>
             <a:r>
-              <a:rPr lang="pl" sz="3000" b="0" i="0" u="none" strike="noStrike" cap="none" baseline="0">
+              <a:rPr lang="pl" sz="3000" b="0" i="0" u="none" strike="noStrike" cap="none" baseline="0" dirty="0">
                 <a:solidFill>
                   <a:srgbClr val="FF7F00"/>
                 </a:solidFill>
@@ -30379,7 +30340,7 @@
               <a:t>1</a:t>
             </a:r>
             <a:r>
-              <a:rPr lang="pl" sz="3000" b="0" i="0" u="none" strike="noStrike" cap="none" baseline="0">
+              <a:rPr lang="pl" sz="3000" b="0" i="0" u="none" strike="noStrike" cap="none" baseline="0" dirty="0">
                 <a:solidFill>
                   <a:srgbClr val="00FFFF"/>
                 </a:solidFill>
@@ -30410,7 +30371,7 @@
               <a:buNone/>
             </a:pPr>
             <a:r>
-              <a:rPr lang="pl" sz="3000" b="0" i="0" u="none" strike="noStrike" cap="none" baseline="0">
+              <a:rPr lang="pl" sz="3000" b="0" i="0" u="none" strike="noStrike" cap="none" baseline="0" dirty="0">
                 <a:solidFill>
                   <a:schemeClr val="lt1"/>
                 </a:solidFill>
@@ -30422,7 +30383,7 @@
               <a:t>&gt;&gt;&gt; </a:t>
             </a:r>
             <a:r>
-              <a:rPr lang="pl" sz="3000" b="0" i="0" u="none" strike="noStrike" cap="none" baseline="0">
+              <a:rPr lang="pl" sz="3000" b="0" i="0" u="none" strike="noStrike" cap="none" baseline="0" dirty="0">
                 <a:solidFill>
                   <a:srgbClr val="FFFF00"/>
                 </a:solidFill>
@@ -30434,7 +30395,7 @@
               <a:t>print</a:t>
             </a:r>
             <a:r>
-              <a:rPr lang="pl" sz="3000" b="0" i="0" u="none" baseline="0">
+              <a:rPr lang="pl" sz="3000" b="0" i="0" u="none" baseline="0" dirty="0">
                 <a:solidFill>
                   <a:schemeClr val="lt1"/>
                 </a:solidFill>
@@ -30446,7 +30407,7 @@
               <a:t>(</a:t>
             </a:r>
             <a:r>
-              <a:rPr lang="pl" sz="3000" b="0" i="0" u="none" strike="noStrike" cap="none" baseline="0">
+              <a:rPr lang="pl" sz="3000" b="0" i="0" u="none" strike="noStrike" cap="none" baseline="0" dirty="0">
                 <a:solidFill>
                   <a:srgbClr val="00FF00"/>
                 </a:solidFill>
@@ -30458,7 +30419,7 @@
               <a:t>letter</a:t>
             </a:r>
             <a:r>
-              <a:rPr lang="pl" sz="3000" b="0" i="0" u="none" strike="noStrike" cap="none" baseline="0">
+              <a:rPr lang="pl" sz="3000" b="0" i="0" u="none" strike="noStrike" cap="none" baseline="0" dirty="0">
                 <a:solidFill>
                   <a:schemeClr val="bg1"/>
                 </a:solidFill>
@@ -30498,7 +30459,7 @@
               <a:buNone/>
             </a:pPr>
             <a:r>
-              <a:rPr lang="pl" sz="3000" b="0" i="0" u="none" strike="noStrike" cap="none" baseline="0">
+              <a:rPr lang="pl" sz="3000" b="0" i="0" u="none" strike="noStrike" cap="none" baseline="0" dirty="0">
                 <a:solidFill>
                   <a:schemeClr val="lt1"/>
                 </a:solidFill>
@@ -30529,7 +30490,7 @@
               <a:buNone/>
             </a:pPr>
             <a:r>
-              <a:rPr lang="pl" sz="3000" b="0" i="0" u="none" strike="noStrike" cap="none" baseline="0">
+              <a:rPr lang="pl" sz="3000" b="0" i="0" u="none" strike="noStrike" cap="none" baseline="0" dirty="0">
                 <a:solidFill>
                   <a:schemeClr val="lt1"/>
                 </a:solidFill>
@@ -30541,7 +30502,7 @@
               <a:t>&gt;&gt;&gt; </a:t>
             </a:r>
             <a:r>
-              <a:rPr lang="pl" sz="3000" b="0" i="0" u="none" baseline="0">
+              <a:rPr lang="pl" sz="3000" b="0" i="0" u="none" baseline="0" dirty="0">
                 <a:solidFill>
                   <a:srgbClr val="00FF00"/>
                 </a:solidFill>
@@ -30553,7 +30514,7 @@
               <a:t>x</a:t>
             </a:r>
             <a:r>
-              <a:rPr lang="pl" sz="3000" b="0" i="0" u="none" strike="noStrike" cap="none" baseline="0">
+              <a:rPr lang="pl" sz="3000" b="0" i="0" u="none" strike="noStrike" cap="none" baseline="0" dirty="0">
                 <a:solidFill>
                   <a:schemeClr val="lt1"/>
                 </a:solidFill>
@@ -30565,7 +30526,7 @@
               <a:t> = </a:t>
             </a:r>
             <a:r>
-              <a:rPr lang="pl" sz="3000" b="0" i="0" u="none" strike="noStrike" cap="none" baseline="0">
+              <a:rPr lang="pl" sz="3000" b="0" i="0" u="none" strike="noStrike" cap="none" baseline="0" dirty="0">
                 <a:solidFill>
                   <a:srgbClr val="FF7F00"/>
                 </a:solidFill>
@@ -30596,7 +30557,7 @@
               <a:buNone/>
             </a:pPr>
             <a:r>
-              <a:rPr lang="pl" sz="3000" b="0" i="0" u="none" strike="noStrike" cap="none" baseline="0">
+              <a:rPr lang="pl" sz="3000" b="0" i="0" u="none" strike="noStrike" cap="none" baseline="0" dirty="0">
                 <a:solidFill>
                   <a:schemeClr val="lt1"/>
                 </a:solidFill>
@@ -30608,7 +30569,7 @@
               <a:t>&gt;&gt;&gt; </a:t>
             </a:r>
             <a:r>
-              <a:rPr lang="pl" sz="3000" b="0" i="0" u="none" strike="noStrike" cap="none" baseline="0">
+              <a:rPr lang="pl" sz="3000" b="0" i="0" u="none" strike="noStrike" cap="none" baseline="0" dirty="0">
                 <a:solidFill>
                   <a:srgbClr val="00FF00"/>
                 </a:solidFill>
@@ -30620,7 +30581,7 @@
               <a:t>w</a:t>
             </a:r>
             <a:r>
-              <a:rPr lang="pl" sz="3000" b="0" i="0" u="none" strike="noStrike" cap="none" baseline="0">
+              <a:rPr lang="pl" sz="3000" b="0" i="0" u="none" strike="noStrike" cap="none" baseline="0" dirty="0">
                 <a:solidFill>
                   <a:schemeClr val="lt1"/>
                 </a:solidFill>
@@ -30632,7 +30593,7 @@
               <a:t> = </a:t>
             </a:r>
             <a:r>
-              <a:rPr lang="pl" sz="3000" b="0" i="0" u="none" strike="noStrike" cap="none" baseline="0">
+              <a:rPr lang="pl" sz="3000" b="0" i="0" u="none" strike="noStrike" cap="none" baseline="0" dirty="0">
                 <a:solidFill>
                   <a:srgbClr val="00FF00"/>
                 </a:solidFill>
@@ -30644,7 +30605,7 @@
               <a:t>fruit</a:t>
             </a:r>
             <a:r>
-              <a:rPr lang="pl" sz="3000" b="0" i="0" u="none" strike="noStrike" cap="none" baseline="0">
+              <a:rPr lang="pl" sz="3000" b="0" i="0" u="none" strike="noStrike" cap="none" baseline="0" dirty="0">
                 <a:solidFill>
                   <a:srgbClr val="00FFFF"/>
                 </a:solidFill>
@@ -30656,7 +30617,7 @@
               <a:t>[</a:t>
             </a:r>
             <a:r>
-              <a:rPr lang="pl" sz="3000" b="0" i="0" u="none" baseline="0">
+              <a:rPr lang="pl" sz="3000" b="0" i="0" u="none" baseline="0" dirty="0">
                 <a:solidFill>
                   <a:srgbClr val="00FF00"/>
                 </a:solidFill>
@@ -30668,7 +30629,7 @@
               <a:t>x</a:t>
             </a:r>
             <a:r>
-              <a:rPr lang="pl" sz="3000" b="0" i="0" u="none" strike="noStrike" cap="none" baseline="0">
+              <a:rPr lang="pl" sz="3000" b="0" i="0" u="none" strike="noStrike" cap="none" baseline="0" dirty="0">
                 <a:solidFill>
                   <a:srgbClr val="00FFFF"/>
                 </a:solidFill>
@@ -30680,7 +30641,7 @@
               <a:t> - </a:t>
             </a:r>
             <a:r>
-              <a:rPr lang="pl" sz="3000" b="0" i="0" u="none" strike="noStrike" cap="none" baseline="0">
+              <a:rPr lang="pl" sz="3000" b="0" i="0" u="none" strike="noStrike" cap="none" baseline="0" dirty="0">
                 <a:solidFill>
                   <a:srgbClr val="FF7F00"/>
                 </a:solidFill>
@@ -30692,7 +30653,7 @@
               <a:t>1</a:t>
             </a:r>
             <a:r>
-              <a:rPr lang="pl" sz="3000" b="0" i="0" u="none" strike="noStrike" cap="none" baseline="0">
+              <a:rPr lang="pl" sz="3000" b="0" i="0" u="none" strike="noStrike" cap="none" baseline="0" dirty="0">
                 <a:solidFill>
                   <a:srgbClr val="00FFFF"/>
                 </a:solidFill>
@@ -30723,7 +30684,7 @@
               <a:buNone/>
             </a:pPr>
             <a:r>
-              <a:rPr lang="pl" sz="3000" b="0" i="0" u="none" strike="noStrike" cap="none" baseline="0">
+              <a:rPr lang="pl" sz="3000" b="0" i="0" u="none" strike="noStrike" cap="none" baseline="0" dirty="0">
                 <a:solidFill>
                   <a:schemeClr val="lt1"/>
                 </a:solidFill>
@@ -30735,7 +30696,7 @@
               <a:t>&gt;&gt;&gt; </a:t>
             </a:r>
             <a:r>
-              <a:rPr lang="pl" sz="3000" b="0" i="0" u="none" strike="noStrike" cap="none" baseline="0">
+              <a:rPr lang="pl" sz="3000" b="0" i="0" u="none" strike="noStrike" cap="none" baseline="0" dirty="0">
                 <a:solidFill>
                   <a:srgbClr val="FFFF00"/>
                 </a:solidFill>
@@ -30747,7 +30708,7 @@
               <a:t>print</a:t>
             </a:r>
             <a:r>
-              <a:rPr lang="pl" sz="3000" b="0" i="0" u="none" baseline="0">
+              <a:rPr lang="pl" sz="3000" b="0" i="0" u="none" baseline="0" dirty="0">
                 <a:solidFill>
                   <a:schemeClr val="lt1"/>
                 </a:solidFill>
@@ -30759,7 +30720,7 @@
               <a:t>(</a:t>
             </a:r>
             <a:r>
-              <a:rPr lang="pl" sz="3000" b="0" i="0" u="none" strike="noStrike" cap="none" baseline="0">
+              <a:rPr lang="pl" sz="3000" b="0" i="0" u="none" strike="noStrike" cap="none" baseline="0" dirty="0">
                 <a:solidFill>
                   <a:srgbClr val="00FF00"/>
                 </a:solidFill>
@@ -30771,7 +30732,7 @@
               <a:t>w</a:t>
             </a:r>
             <a:r>
-              <a:rPr lang="pl" sz="3000" b="0" i="0" u="none" strike="noStrike" cap="none" baseline="0">
+              <a:rPr lang="pl" sz="3000" b="0" i="0" u="none" strike="noStrike" cap="none" baseline="0" dirty="0">
                 <a:solidFill>
                   <a:schemeClr val="bg1"/>
                 </a:solidFill>
@@ -30811,7 +30772,7 @@
               <a:buNone/>
             </a:pPr>
             <a:r>
-              <a:rPr lang="pl" sz="3000" b="0" i="0" u="none" strike="noStrike" cap="none" baseline="0">
+              <a:rPr lang="pl" sz="3000" b="0" i="0" u="none" strike="noStrike" cap="none" baseline="0" dirty="0">
                 <a:solidFill>
                   <a:schemeClr val="lt1"/>
                 </a:solidFill>
@@ -31452,126 +31413,6 @@
           </a:p>
         </p:txBody>
       </p:sp>
-      <p:sp>
-        <p:nvSpPr>
-          <p:cNvPr id="241" name="Shape 241"/>
-          <p:cNvSpPr txBox="1"/>
-          <p:nvPr/>
-        </p:nvSpPr>
-        <p:spPr>
-          <a:xfrm>
-            <a:off x="14312900" y="3670300"/>
-            <a:ext cx="736599" cy="736599"/>
-          </a:xfrm>
-          <a:prstGeom prst="rect">
-            <a:avLst/>
-          </a:prstGeom>
-          <a:noFill/>
-          <a:ln>
-            <a:noFill/>
-          </a:ln>
-        </p:spPr>
-        <p:txBody>
-          <a:bodyPr lIns="0" tIns="0" rIns="0" bIns="0" anchor="ctr" anchorCtr="0">
-            <a:noAutofit/>
-          </a:bodyPr>
-          <a:lstStyle/>
-          <a:p>
-            <a:pPr marL="0" marR="0" lvl="0" indent="0" algn="ctr" rtl="0">
-              <a:lnSpc>
-                <a:spcPct val="100000"/>
-              </a:lnSpc>
-              <a:spcBef>
-                <a:spcPts val="0"/>
-              </a:spcBef>
-              <a:spcAft>
-                <a:spcPts val="0"/>
-              </a:spcAft>
-              <a:buClr>
-                <a:schemeClr val="lt1"/>
-              </a:buClr>
-              <a:buSzPct val="25000"/>
-              <a:buFont typeface="Cabin"/>
-              <a:buNone/>
-            </a:pPr>
-            <a:r>
-              <a:rPr lang="pl" sz="4000" b="0" i="0" u="none" strike="noStrike" cap="none" baseline="0">
-                <a:solidFill>
-                  <a:schemeClr val="lt1"/>
-                </a:solidFill>
-                <a:latin typeface="Arial" charset="0"/>
-                <a:ea typeface="Arial" charset="0"/>
-                <a:cs typeface="Arial" charset="0"/>
-                <a:sym typeface="Cabin"/>
-              </a:rPr>
-              <a:t>5</a:t>
-            </a:r>
-          </a:p>
-        </p:txBody>
-      </p:sp>
-      <p:sp>
-        <p:nvSpPr>
-          <p:cNvPr id="242" name="Shape 242"/>
-          <p:cNvSpPr txBox="1"/>
-          <p:nvPr/>
-        </p:nvSpPr>
-        <p:spPr>
-          <a:xfrm>
-            <a:off x="14312900" y="2933700"/>
-            <a:ext cx="736599" cy="736599"/>
-          </a:xfrm>
-          <a:prstGeom prst="rect">
-            <a:avLst/>
-          </a:prstGeom>
-          <a:noFill/>
-          <a:ln w="50800" cap="rnd" cmpd="sng">
-            <a:solidFill>
-              <a:srgbClr val="FF7F00"/>
-            </a:solidFill>
-            <a:prstDash val="solid"/>
-            <a:miter/>
-            <a:headEnd type="none" w="med" len="med"/>
-            <a:tailEnd type="none" w="med" len="med"/>
-          </a:ln>
-        </p:spPr>
-        <p:txBody>
-          <a:bodyPr lIns="0" tIns="0" rIns="0" bIns="0" anchor="ctr" anchorCtr="0">
-            <a:noAutofit/>
-          </a:bodyPr>
-          <a:lstStyle/>
-          <a:p>
-            <a:pPr marL="0" marR="0" lvl="0" indent="0" algn="ctr" rtl="0">
-              <a:lnSpc>
-                <a:spcPct val="100000"/>
-              </a:lnSpc>
-              <a:spcBef>
-                <a:spcPts val="0"/>
-              </a:spcBef>
-              <a:spcAft>
-                <a:spcPts val="0"/>
-              </a:spcAft>
-              <a:buClr>
-                <a:schemeClr val="lt1"/>
-              </a:buClr>
-              <a:buSzPct val="25000"/>
-              <a:buFont typeface="Cabin"/>
-              <a:buNone/>
-            </a:pPr>
-            <a:r>
-              <a:rPr lang="pl" sz="4000" b="0" i="0" u="none" strike="noStrike" cap="none" baseline="0">
-                <a:solidFill>
-                  <a:schemeClr val="lt1"/>
-                </a:solidFill>
-                <a:latin typeface="Arial" charset="0"/>
-                <a:ea typeface="Arial" charset="0"/>
-                <a:cs typeface="Arial" charset="0"/>
-                <a:sym typeface="Cabin"/>
-              </a:rPr>
-              <a:t>a</a:t>
-            </a:r>
-          </a:p>
-        </p:txBody>
-      </p:sp>
     </p:spTree>
   </p:cSld>
   <p:clrMapOvr>
@@ -32310,7 +32151,7 @@
               <a:buNone/>
             </a:pPr>
             <a:r>
-              <a:rPr lang="pl" sz="3600" b="0" i="0" u="none" strike="noStrike" cap="none" baseline="0">
+              <a:rPr lang="pl" sz="3600" b="0" i="0" u="none" strike="noStrike" cap="none" baseline="0" dirty="0">
                 <a:solidFill>
                   <a:schemeClr val="lt1"/>
                 </a:solidFill>
@@ -32322,7 +32163,7 @@
               <a:t>&gt;&gt;&gt; </a:t>
             </a:r>
             <a:r>
-              <a:rPr lang="pl" sz="3600" b="0" i="0" u="none" strike="noStrike" cap="none" baseline="0">
+              <a:rPr lang="pl" sz="3600" b="0" i="0" u="none" strike="noStrike" cap="none" baseline="0" dirty="0">
                 <a:solidFill>
                   <a:srgbClr val="00FF00"/>
                 </a:solidFill>
@@ -32334,7 +32175,7 @@
               <a:t>fruit</a:t>
             </a:r>
             <a:r>
-              <a:rPr lang="pl" sz="3600" b="0" i="0" u="none" strike="noStrike" cap="none" baseline="0">
+              <a:rPr lang="pl" sz="3600" b="0" i="0" u="none" strike="noStrike" cap="none" baseline="0" dirty="0">
                 <a:solidFill>
                   <a:schemeClr val="lt1"/>
                 </a:solidFill>
@@ -32346,7 +32187,7 @@
               <a:t> = </a:t>
             </a:r>
             <a:r>
-              <a:rPr lang="pl" sz="3600" b="0" i="0" u="none" strike="noStrike" cap="none" baseline="0">
+              <a:rPr lang="pl" sz="3600" b="0" i="0" u="none" strike="noStrike" cap="none" baseline="0" dirty="0">
                 <a:solidFill>
                   <a:srgbClr val="FF7F00"/>
                 </a:solidFill>
@@ -32355,7 +32196,7 @@
                 <a:cs typeface="Courier"/>
                 <a:sym typeface="Courier New"/>
               </a:rPr>
-              <a:t>'banana'</a:t>
+              <a:t>'banan'</a:t>
             </a:r>
           </a:p>
           <a:p>
@@ -32377,7 +32218,7 @@
               <a:buNone/>
             </a:pPr>
             <a:r>
-              <a:rPr lang="pl" sz="3600" b="0" i="0" u="none" strike="noStrike" cap="none" baseline="0">
+              <a:rPr lang="pl" sz="3600" b="0" i="0" u="none" strike="noStrike" cap="none" baseline="0" dirty="0">
                 <a:solidFill>
                   <a:schemeClr val="lt1"/>
                 </a:solidFill>
@@ -32389,7 +32230,7 @@
               <a:t>&gt;&gt;&gt; </a:t>
             </a:r>
             <a:r>
-              <a:rPr lang="pl" sz="3600" b="0" i="0" u="none" strike="noStrike" cap="none" baseline="0">
+              <a:rPr lang="pl" sz="3600" b="0" i="0" u="none" strike="noStrike" cap="none" baseline="0" dirty="0">
                 <a:solidFill>
                   <a:srgbClr val="FFFF00"/>
                 </a:solidFill>
@@ -32401,7 +32242,7 @@
               <a:t>print</a:t>
             </a:r>
             <a:r>
-              <a:rPr lang="pl" sz="3600" b="0" i="0" u="none" baseline="0">
+              <a:rPr lang="pl" sz="3600" b="0" i="0" u="none" baseline="0" dirty="0">
                 <a:solidFill>
                   <a:schemeClr val="lt1"/>
                 </a:solidFill>
@@ -32413,7 +32254,7 @@
               <a:t>(</a:t>
             </a:r>
             <a:r>
-              <a:rPr lang="pl" sz="3600" b="0" i="0" u="none" strike="noStrike" cap="none" baseline="0">
+              <a:rPr lang="pl" sz="3600" b="0" i="0" u="none" strike="noStrike" cap="none" baseline="0" dirty="0">
                 <a:solidFill>
                   <a:srgbClr val="FF00FF"/>
                 </a:solidFill>
@@ -32425,7 +32266,7 @@
               <a:t>len</a:t>
             </a:r>
             <a:r>
-              <a:rPr lang="pl" sz="3600" b="0" i="0" u="none" strike="noStrike" cap="none" baseline="0">
+              <a:rPr lang="pl" sz="3600" b="0" i="0" u="none" strike="noStrike" cap="none" baseline="0" dirty="0">
                 <a:solidFill>
                   <a:schemeClr val="lt1"/>
                 </a:solidFill>
@@ -32437,7 +32278,7 @@
               <a:t>(</a:t>
             </a:r>
             <a:r>
-              <a:rPr lang="pl" sz="3600" b="0" i="0" u="none" strike="noStrike" cap="none" baseline="0">
+              <a:rPr lang="pl" sz="3600" b="0" i="0" u="none" strike="noStrike" cap="none" baseline="0" dirty="0">
                 <a:solidFill>
                   <a:srgbClr val="00FF00"/>
                 </a:solidFill>
@@ -32449,7 +32290,7 @@
               <a:t>fruit</a:t>
             </a:r>
             <a:r>
-              <a:rPr lang="pl" sz="3600" b="0" i="0" u="none" strike="noStrike" cap="none" baseline="0">
+              <a:rPr lang="pl" sz="3600" b="0" i="0" u="none" strike="noStrike" cap="none" baseline="0" dirty="0">
                 <a:solidFill>
                   <a:schemeClr val="lt1"/>
                 </a:solidFill>
@@ -32489,17 +32330,26 @@
               <a:buNone/>
             </a:pPr>
             <a:r>
-              <a:rPr lang="pl" sz="3600" b="0" i="0" u="none" strike="noStrike" cap="none" baseline="0">
-                <a:solidFill>
-                  <a:schemeClr val="lt1"/>
-                </a:solidFill>
-                <a:latin typeface="Courier"/>
-                <a:ea typeface="Courier"/>
-                <a:cs typeface="Courier"/>
-                <a:sym typeface="Courier New"/>
-              </a:rPr>
-              <a:t>6</a:t>
-            </a:r>
+              <a:rPr lang="en-US" sz="3600" b="0" i="0" u="none" strike="noStrike" cap="none" baseline="0" dirty="0">
+                <a:solidFill>
+                  <a:schemeClr val="lt1"/>
+                </a:solidFill>
+                <a:latin typeface="Courier"/>
+                <a:ea typeface="Courier"/>
+                <a:cs typeface="Courier"/>
+                <a:sym typeface="Courier New"/>
+              </a:rPr>
+              <a:t>5</a:t>
+            </a:r>
+            <a:endParaRPr lang="pl" sz="3600" b="0" i="0" u="none" strike="noStrike" cap="none" baseline="0" dirty="0">
+              <a:solidFill>
+                <a:schemeClr val="lt1"/>
+              </a:solidFill>
+              <a:latin typeface="Courier"/>
+              <a:ea typeface="Courier"/>
+              <a:cs typeface="Courier"/>
+              <a:sym typeface="Courier New"/>
+            </a:endParaRPr>
           </a:p>
         </p:txBody>
       </p:sp>
@@ -33099,126 +32949,6 @@
                 <a:sym typeface="Cabin"/>
               </a:rPr>
               <a:t>n</a:t>
-            </a:r>
-          </a:p>
-        </p:txBody>
-      </p:sp>
-      <p:sp>
-        <p:nvSpPr>
-          <p:cNvPr id="267" name="Shape 267"/>
-          <p:cNvSpPr txBox="1"/>
-          <p:nvPr/>
-        </p:nvSpPr>
-        <p:spPr>
-          <a:xfrm>
-            <a:off x="14122400" y="4216400"/>
-            <a:ext cx="736599" cy="736599"/>
-          </a:xfrm>
-          <a:prstGeom prst="rect">
-            <a:avLst/>
-          </a:prstGeom>
-          <a:noFill/>
-          <a:ln>
-            <a:noFill/>
-          </a:ln>
-        </p:spPr>
-        <p:txBody>
-          <a:bodyPr lIns="0" tIns="0" rIns="0" bIns="0" anchor="ctr" anchorCtr="0">
-            <a:noAutofit/>
-          </a:bodyPr>
-          <a:lstStyle/>
-          <a:p>
-            <a:pPr marL="0" marR="0" lvl="0" indent="0" algn="ctr" rtl="0">
-              <a:lnSpc>
-                <a:spcPct val="100000"/>
-              </a:lnSpc>
-              <a:spcBef>
-                <a:spcPts val="0"/>
-              </a:spcBef>
-              <a:spcAft>
-                <a:spcPts val="0"/>
-              </a:spcAft>
-              <a:buClr>
-                <a:schemeClr val="lt1"/>
-              </a:buClr>
-              <a:buSzPct val="25000"/>
-              <a:buFont typeface="Cabin"/>
-              <a:buNone/>
-            </a:pPr>
-            <a:r>
-              <a:rPr lang="pl" sz="4000" b="0" i="0" u="none" strike="noStrike" cap="none" baseline="0">
-                <a:solidFill>
-                  <a:schemeClr val="lt1"/>
-                </a:solidFill>
-                <a:latin typeface="Arial" charset="0"/>
-                <a:ea typeface="Arial" charset="0"/>
-                <a:cs typeface="Arial" charset="0"/>
-                <a:sym typeface="Cabin"/>
-              </a:rPr>
-              <a:t>5</a:t>
-            </a:r>
-          </a:p>
-        </p:txBody>
-      </p:sp>
-      <p:sp>
-        <p:nvSpPr>
-          <p:cNvPr id="268" name="Shape 268"/>
-          <p:cNvSpPr txBox="1"/>
-          <p:nvPr/>
-        </p:nvSpPr>
-        <p:spPr>
-          <a:xfrm>
-            <a:off x="14122400" y="3479800"/>
-            <a:ext cx="736599" cy="736599"/>
-          </a:xfrm>
-          <a:prstGeom prst="rect">
-            <a:avLst/>
-          </a:prstGeom>
-          <a:noFill/>
-          <a:ln w="50800" cap="rnd" cmpd="sng">
-            <a:solidFill>
-              <a:srgbClr val="FF7F00"/>
-            </a:solidFill>
-            <a:prstDash val="solid"/>
-            <a:miter/>
-            <a:headEnd type="none" w="med" len="med"/>
-            <a:tailEnd type="none" w="med" len="med"/>
-          </a:ln>
-        </p:spPr>
-        <p:txBody>
-          <a:bodyPr lIns="0" tIns="0" rIns="0" bIns="0" anchor="ctr" anchorCtr="0">
-            <a:noAutofit/>
-          </a:bodyPr>
-          <a:lstStyle/>
-          <a:p>
-            <a:pPr marL="0" marR="0" lvl="0" indent="0" algn="ctr" rtl="0">
-              <a:lnSpc>
-                <a:spcPct val="100000"/>
-              </a:lnSpc>
-              <a:spcBef>
-                <a:spcPts val="0"/>
-              </a:spcBef>
-              <a:spcAft>
-                <a:spcPts val="0"/>
-              </a:spcAft>
-              <a:buClr>
-                <a:schemeClr val="lt1"/>
-              </a:buClr>
-              <a:buSzPct val="25000"/>
-              <a:buFont typeface="Cabin"/>
-              <a:buNone/>
-            </a:pPr>
-            <a:r>
-              <a:rPr lang="pl" sz="4000" b="0" i="0" u="none" strike="noStrike" cap="none" baseline="0">
-                <a:solidFill>
-                  <a:schemeClr val="lt1"/>
-                </a:solidFill>
-                <a:latin typeface="Arial" charset="0"/>
-                <a:ea typeface="Arial" charset="0"/>
-                <a:cs typeface="Arial" charset="0"/>
-                <a:sym typeface="Cabin"/>
-              </a:rPr>
-              <a:t>a</a:t>
             </a:r>
           </a:p>
         </p:txBody>
@@ -33291,7 +33021,7 @@
               <a:buNone/>
             </a:pPr>
             <a:r>
-              <a:rPr lang="pl" sz="7600" b="0" i="0" u="none" strike="noStrike" cap="none" baseline="0">
+              <a:rPr lang="pl" sz="7600" b="0" i="0" u="none" strike="noStrike" cap="none" baseline="0" dirty="0">
                 <a:solidFill>
                   <a:srgbClr val="FFD966"/>
                 </a:solidFill>
@@ -33303,7 +33033,7 @@
               <a:t>Funkcja</a:t>
             </a:r>
             <a:r>
-              <a:rPr lang="pl" sz="7600" b="0" i="0" u="none" strike="noStrike" cap="none" baseline="0">
+              <a:rPr lang="pl" sz="7600" b="0" i="0" u="none" strike="noStrike" cap="none" baseline="0" dirty="0">
                 <a:solidFill>
                   <a:srgbClr val="FFFF00"/>
                 </a:solidFill>
@@ -33315,7 +33045,7 @@
               <a:t> </a:t>
             </a:r>
             <a:r>
-              <a:rPr lang="pl" sz="7600" b="0" i="0" u="none" strike="noStrike" cap="none" baseline="0">
+              <a:rPr lang="pl" sz="7600" b="0" i="0" u="none" strike="noStrike" cap="none" baseline="0" dirty="0">
                 <a:solidFill>
                   <a:srgbClr val="FF40FF"/>
                 </a:solidFill>
@@ -33326,6 +33056,27 @@
               </a:rPr>
               <a:t>len</a:t>
             </a:r>
+            <a:r>
+              <a:rPr lang="en-US" sz="7600" b="0" i="0" u="none" strike="noStrike" cap="none" baseline="0" dirty="0">
+                <a:solidFill>
+                  <a:srgbClr val="FF40FF"/>
+                </a:solidFill>
+                <a:latin typeface="Arial" charset="0"/>
+                <a:ea typeface="Arial" charset="0"/>
+                <a:cs typeface="Arial" charset="0"/>
+                <a:sym typeface="Cabin"/>
+              </a:rPr>
+              <a:t>()</a:t>
+            </a:r>
+            <a:endParaRPr lang="pl" sz="7600" b="0" i="0" u="none" strike="noStrike" cap="none" baseline="0" dirty="0">
+              <a:solidFill>
+                <a:srgbClr val="FF40FF"/>
+              </a:solidFill>
+              <a:latin typeface="Arial" charset="0"/>
+              <a:ea typeface="Arial" charset="0"/>
+              <a:cs typeface="Arial" charset="0"/>
+              <a:sym typeface="Cabin"/>
+            </a:endParaRPr>
           </a:p>
         </p:txBody>
       </p:sp>
@@ -33372,7 +33123,7 @@
               <a:buNone/>
             </a:pPr>
             <a:r>
-              <a:rPr lang="pl" sz="3600" b="0" i="0" u="none" strike="noStrike" cap="none" baseline="0">
+              <a:rPr lang="pl" sz="3600" b="0" i="0" u="none" strike="noStrike" cap="none" baseline="0" dirty="0">
                 <a:solidFill>
                   <a:schemeClr val="lt1"/>
                 </a:solidFill>
@@ -33384,7 +33135,7 @@
               <a:t>&gt;&gt;&gt; </a:t>
             </a:r>
             <a:r>
-              <a:rPr lang="pl" sz="3600" b="0" i="0" u="none" strike="noStrike" cap="none" baseline="0">
+              <a:rPr lang="pl" sz="3600" b="0" i="0" u="none" strike="noStrike" cap="none" baseline="0" dirty="0">
                 <a:solidFill>
                   <a:srgbClr val="00FF00"/>
                 </a:solidFill>
@@ -33396,7 +33147,7 @@
               <a:t>fruit</a:t>
             </a:r>
             <a:r>
-              <a:rPr lang="pl" sz="3600" b="0" i="0" u="none" strike="noStrike" cap="none" baseline="0">
+              <a:rPr lang="pl" sz="3600" b="0" i="0" u="none" strike="noStrike" cap="none" baseline="0" dirty="0">
                 <a:solidFill>
                   <a:srgbClr val="FF7F00"/>
                 </a:solidFill>
@@ -33408,7 +33159,7 @@
               <a:t> </a:t>
             </a:r>
             <a:r>
-              <a:rPr lang="pl" sz="3600" b="0" i="0" u="none" strike="noStrike" cap="none" baseline="0">
+              <a:rPr lang="pl" sz="3600" b="0" i="0" u="none" strike="noStrike" cap="none" baseline="0" dirty="0">
                 <a:solidFill>
                   <a:schemeClr val="lt1"/>
                 </a:solidFill>
@@ -33420,7 +33171,7 @@
               <a:t>=</a:t>
             </a:r>
             <a:r>
-              <a:rPr lang="pl" sz="3600" b="0" i="0" u="none" strike="noStrike" cap="none" baseline="0">
+              <a:rPr lang="pl" sz="3600" b="0" i="0" u="none" strike="noStrike" cap="none" baseline="0" dirty="0">
                 <a:solidFill>
                   <a:srgbClr val="FF7F00"/>
                 </a:solidFill>
@@ -33429,7 +33180,7 @@
                 <a:cs typeface="Courier"/>
                 <a:sym typeface="Courier New"/>
               </a:rPr>
-              <a:t> 'banana'</a:t>
+              <a:t> 'banan'</a:t>
             </a:r>
           </a:p>
           <a:p>
@@ -33451,7 +33202,7 @@
               <a:buNone/>
             </a:pPr>
             <a:r>
-              <a:rPr lang="pl" sz="3600" b="0" i="0" u="none" strike="noStrike" cap="none" baseline="0">
+              <a:rPr lang="pl" sz="3600" b="0" i="0" u="none" strike="noStrike" cap="none" baseline="0" dirty="0">
                 <a:solidFill>
                   <a:schemeClr val="lt1"/>
                 </a:solidFill>
@@ -33463,7 +33214,7 @@
               <a:t>&gt;&gt;&gt; </a:t>
             </a:r>
             <a:r>
-              <a:rPr lang="pl" sz="3600" b="0" i="0" u="none" strike="noStrike" cap="none" baseline="0">
+              <a:rPr lang="pl" sz="3600" b="0" i="0" u="none" strike="noStrike" cap="none" baseline="0" dirty="0">
                 <a:solidFill>
                   <a:srgbClr val="00FF00"/>
                 </a:solidFill>
@@ -33475,7 +33226,7 @@
               <a:t>x</a:t>
             </a:r>
             <a:r>
-              <a:rPr lang="pl" sz="3600" b="0" i="0" u="none" strike="noStrike" cap="none" baseline="0">
+              <a:rPr lang="pl" sz="3600" b="0" i="0" u="none" strike="noStrike" cap="none" baseline="0" dirty="0">
                 <a:solidFill>
                   <a:srgbClr val="FF7F00"/>
                 </a:solidFill>
@@ -33487,7 +33238,7 @@
               <a:t> </a:t>
             </a:r>
             <a:r>
-              <a:rPr lang="pl" sz="3600" b="0" i="0" u="none" strike="noStrike" cap="none" baseline="0">
+              <a:rPr lang="pl" sz="3600" b="0" i="0" u="none" strike="noStrike" cap="none" baseline="0" dirty="0">
                 <a:solidFill>
                   <a:schemeClr val="lt1"/>
                 </a:solidFill>
@@ -33499,7 +33250,7 @@
               <a:t>= </a:t>
             </a:r>
             <a:r>
-              <a:rPr lang="pl" sz="3600" b="0" i="0" u="none" strike="noStrike" cap="none" baseline="0">
+              <a:rPr lang="pl" sz="3600" b="0" i="0" u="none" strike="noStrike" cap="none" baseline="0" dirty="0">
                 <a:solidFill>
                   <a:srgbClr val="FF00FF"/>
                 </a:solidFill>
@@ -33511,7 +33262,7 @@
               <a:t>len(</a:t>
             </a:r>
             <a:r>
-              <a:rPr lang="pl" sz="3600" b="0" i="0" u="none" strike="noStrike" cap="none" baseline="0">
+              <a:rPr lang="pl" sz="3600" b="0" i="0" u="none" strike="noStrike" cap="none" baseline="0" dirty="0">
                 <a:solidFill>
                   <a:srgbClr val="00FF00"/>
                 </a:solidFill>
@@ -33520,10 +33271,10 @@
                 <a:cs typeface="Courier"/>
                 <a:sym typeface="Courier New"/>
               </a:rPr>
-              <a:t>owoc</a:t>
-            </a:r>
-            <a:r>
-              <a:rPr lang="pl" sz="3600" b="0" i="0" u="none" strike="noStrike" cap="none" baseline="0">
+              <a:t>fruit</a:t>
+            </a:r>
+            <a:r>
+              <a:rPr lang="pl" sz="3600" b="0" i="0" u="none" strike="noStrike" cap="none" baseline="0" dirty="0">
                 <a:solidFill>
                   <a:srgbClr val="FF00FF"/>
                 </a:solidFill>
@@ -33554,7 +33305,7 @@
               <a:buNone/>
             </a:pPr>
             <a:r>
-              <a:rPr lang="pl" sz="3600" b="0" i="0" u="none" strike="noStrike" cap="none" baseline="0">
+              <a:rPr lang="pl" sz="3600" b="0" i="0" u="none" strike="noStrike" cap="none" baseline="0" dirty="0">
                 <a:solidFill>
                   <a:schemeClr val="lt1"/>
                 </a:solidFill>
@@ -33566,7 +33317,7 @@
               <a:t>&gt;&gt;&gt; </a:t>
             </a:r>
             <a:r>
-              <a:rPr lang="pl" sz="3600" b="0" i="0" u="none" strike="noStrike" cap="none" baseline="0">
+              <a:rPr lang="pl" sz="3600" b="0" i="0" u="none" strike="noStrike" cap="none" baseline="0" dirty="0">
                 <a:solidFill>
                   <a:srgbClr val="FFFF00"/>
                 </a:solidFill>
@@ -33578,7 +33329,7 @@
               <a:t>print</a:t>
             </a:r>
             <a:r>
-              <a:rPr lang="pl" sz="3600" b="0" i="0" u="none" baseline="0">
+              <a:rPr lang="pl" sz="3600" b="0" i="0" u="none" baseline="0" dirty="0">
                 <a:solidFill>
                   <a:schemeClr val="bg1"/>
                 </a:solidFill>
@@ -33590,7 +33341,7 @@
               <a:t>(</a:t>
             </a:r>
             <a:r>
-              <a:rPr lang="pl" sz="3600" b="0" i="0" u="none" strike="noStrike" cap="none" baseline="0">
+              <a:rPr lang="pl" sz="3600" b="0" i="0" u="none" strike="noStrike" cap="none" baseline="0" dirty="0">
                 <a:solidFill>
                   <a:srgbClr val="00FF00"/>
                 </a:solidFill>
@@ -33602,7 +33353,7 @@
               <a:t>x</a:t>
             </a:r>
             <a:r>
-              <a:rPr lang="pl" sz="3600" b="0" i="0" u="none" strike="noStrike" cap="none" baseline="0">
+              <a:rPr lang="pl" sz="3600" b="0" i="0" u="none" strike="noStrike" cap="none" baseline="0" dirty="0">
                 <a:solidFill>
                   <a:schemeClr val="bg1"/>
                 </a:solidFill>
@@ -33642,17 +33393,26 @@
               <a:buNone/>
             </a:pPr>
             <a:r>
-              <a:rPr lang="pl" sz="3600" b="0" i="0" u="none" strike="noStrike" cap="none" baseline="0">
-                <a:solidFill>
-                  <a:schemeClr val="lt1"/>
-                </a:solidFill>
-                <a:latin typeface="Courier"/>
-                <a:ea typeface="Courier"/>
-                <a:cs typeface="Courier"/>
-                <a:sym typeface="Courier New"/>
-              </a:rPr>
-              <a:t>6</a:t>
-            </a:r>
+              <a:rPr lang="en-US" sz="3600" b="0" i="0" u="none" strike="noStrike" cap="none" baseline="0" dirty="0">
+                <a:solidFill>
+                  <a:schemeClr val="lt1"/>
+                </a:solidFill>
+                <a:latin typeface="Courier"/>
+                <a:ea typeface="Courier"/>
+                <a:cs typeface="Courier"/>
+                <a:sym typeface="Courier New"/>
+              </a:rPr>
+              <a:t>5</a:t>
+            </a:r>
+            <a:endParaRPr lang="pl" sz="3600" b="0" i="0" u="none" strike="noStrike" cap="none" baseline="0" dirty="0">
+              <a:solidFill>
+                <a:schemeClr val="lt1"/>
+              </a:solidFill>
+              <a:latin typeface="Courier"/>
+              <a:ea typeface="Courier"/>
+              <a:cs typeface="Courier"/>
+              <a:sym typeface="Courier New"/>
+            </a:endParaRPr>
           </a:p>
         </p:txBody>
       </p:sp>
@@ -33839,7 +33599,7 @@
                 <a:cs typeface="Arial" charset="0"/>
                 <a:sym typeface="Cabin"/>
               </a:rPr>
-              <a:t>'banana' </a:t>
+              <a:t>'banan' </a:t>
             </a:r>
           </a:p>
           <a:p>
@@ -33918,7 +33678,7 @@
               <a:buNone/>
             </a:pPr>
             <a:r>
-              <a:rPr lang="pl" sz="3600" b="0" i="0" u="none" strike="noStrike" cap="none" baseline="0" dirty="0">
+              <a:rPr lang="en-US" sz="3600" b="0" i="0" u="none" strike="noStrike" cap="none" baseline="0" dirty="0">
                 <a:solidFill>
                   <a:srgbClr val="00FF00"/>
                 </a:solidFill>
@@ -33927,8 +33687,17 @@
                 <a:cs typeface="Arial" charset="0"/>
                 <a:sym typeface="Cabin"/>
               </a:rPr>
-              <a:t>6</a:t>
-            </a:r>
+              <a:t>5</a:t>
+            </a:r>
+            <a:endParaRPr lang="pl" sz="3600" b="0" i="0" u="none" strike="noStrike" cap="none" baseline="0" dirty="0">
+              <a:solidFill>
+                <a:srgbClr val="00FF00"/>
+              </a:solidFill>
+              <a:latin typeface="Arial" charset="0"/>
+              <a:ea typeface="Arial" charset="0"/>
+              <a:cs typeface="Arial" charset="0"/>
+              <a:sym typeface="Cabin"/>
+            </a:endParaRPr>
           </a:p>
           <a:p>
             <a:pPr marL="0" marR="0" lvl="0" indent="0" algn="ctr" rtl="0">
@@ -34210,7 +33979,7 @@
               <a:buNone/>
             </a:pPr>
             <a:r>
-              <a:rPr lang="pl" sz="7600" b="0" i="0" u="none" strike="noStrike" cap="none" baseline="0">
+              <a:rPr lang="pl" sz="7600" b="0" i="0" u="none" strike="noStrike" cap="none" baseline="0" dirty="0">
                 <a:solidFill>
                   <a:srgbClr val="FFD966"/>
                 </a:solidFill>
@@ -34222,7 +33991,7 @@
               <a:t>Funkcja</a:t>
             </a:r>
             <a:r>
-              <a:rPr lang="pl" sz="7600" b="0" i="0" u="none" strike="noStrike" cap="none" baseline="0">
+              <a:rPr lang="pl" sz="7600" b="0" i="0" u="none" strike="noStrike" cap="none" baseline="0" dirty="0">
                 <a:solidFill>
                   <a:srgbClr val="FFFF00"/>
                 </a:solidFill>
@@ -34234,7 +34003,7 @@
               <a:t> </a:t>
             </a:r>
             <a:r>
-              <a:rPr lang="pl" sz="7600" b="0" i="0" u="none" strike="noStrike" cap="none" baseline="0">
+              <a:rPr lang="pl" sz="7600" b="0" i="0" u="none" strike="noStrike" cap="none" baseline="0" dirty="0">
                 <a:solidFill>
                   <a:srgbClr val="FF40FF"/>
                 </a:solidFill>
@@ -34245,6 +34014,27 @@
               </a:rPr>
               <a:t>len</a:t>
             </a:r>
+            <a:r>
+              <a:rPr lang="en-US" sz="7600" b="0" i="0" u="none" strike="noStrike" cap="none" baseline="0" dirty="0">
+                <a:solidFill>
+                  <a:srgbClr val="FF40FF"/>
+                </a:solidFill>
+                <a:latin typeface="Arial" charset="0"/>
+                <a:ea typeface="Arial" charset="0"/>
+                <a:cs typeface="Arial" charset="0"/>
+                <a:sym typeface="Cabin"/>
+              </a:rPr>
+              <a:t>()</a:t>
+            </a:r>
+            <a:endParaRPr lang="pl" sz="7600" b="0" i="0" u="none" strike="noStrike" cap="none" baseline="0" dirty="0">
+              <a:solidFill>
+                <a:srgbClr val="FF40FF"/>
+              </a:solidFill>
+              <a:latin typeface="Arial" charset="0"/>
+              <a:ea typeface="Arial" charset="0"/>
+              <a:cs typeface="Arial" charset="0"/>
+              <a:sym typeface="Cabin"/>
+            </a:endParaRPr>
           </a:p>
         </p:txBody>
       </p:sp>
@@ -34719,7 +34509,7 @@
               <a:buNone/>
             </a:pPr>
             <a:r>
-              <a:rPr lang="pl" sz="3600" b="0" i="0" u="none" strike="noStrike" cap="none" baseline="0">
+              <a:rPr lang="pl" sz="3600" b="0" i="0" u="none" strike="noStrike" cap="none" baseline="0" dirty="0">
                 <a:solidFill>
                   <a:schemeClr val="lt1"/>
                 </a:solidFill>
@@ -34731,7 +34521,7 @@
               <a:t>&gt;&gt;&gt; </a:t>
             </a:r>
             <a:r>
-              <a:rPr lang="pl" sz="3600" b="0" i="0" u="none" strike="noStrike" cap="none" baseline="0">
+              <a:rPr lang="pl" sz="3600" b="0" i="0" u="none" strike="noStrike" cap="none" baseline="0" dirty="0">
                 <a:solidFill>
                   <a:srgbClr val="00FF00"/>
                 </a:solidFill>
@@ -34743,7 +34533,7 @@
               <a:t>fruit</a:t>
             </a:r>
             <a:r>
-              <a:rPr lang="pl" sz="3600" b="0" i="0" u="none" strike="noStrike" cap="none" baseline="0">
+              <a:rPr lang="pl" sz="3600" b="0" i="0" u="none" strike="noStrike" cap="none" baseline="0" dirty="0">
                 <a:solidFill>
                   <a:srgbClr val="FF7F00"/>
                 </a:solidFill>
@@ -34755,7 +34545,7 @@
               <a:t> </a:t>
             </a:r>
             <a:r>
-              <a:rPr lang="pl" sz="3600" b="0" i="0" u="none" strike="noStrike" cap="none" baseline="0">
+              <a:rPr lang="pl" sz="3600" b="0" i="0" u="none" strike="noStrike" cap="none" baseline="0" dirty="0">
                 <a:solidFill>
                   <a:schemeClr val="lt1"/>
                 </a:solidFill>
@@ -34767,7 +34557,7 @@
               <a:t>=</a:t>
             </a:r>
             <a:r>
-              <a:rPr lang="pl" sz="3600" b="0" i="0" u="none" strike="noStrike" cap="none" baseline="0">
+              <a:rPr lang="pl" sz="3600" b="0" i="0" u="none" strike="noStrike" cap="none" baseline="0" dirty="0">
                 <a:solidFill>
                   <a:srgbClr val="FF7F00"/>
                 </a:solidFill>
@@ -34776,7 +34566,7 @@
                 <a:cs typeface="Courier"/>
                 <a:sym typeface="Courier New"/>
               </a:rPr>
-              <a:t> 'banana'</a:t>
+              <a:t> 'banan'</a:t>
             </a:r>
           </a:p>
           <a:p>
@@ -34798,7 +34588,7 @@
               <a:buNone/>
             </a:pPr>
             <a:r>
-              <a:rPr lang="pl" sz="3600" b="0" i="0" u="none" strike="noStrike" cap="none" baseline="0">
+              <a:rPr lang="pl" sz="3600" b="0" i="0" u="none" strike="noStrike" cap="none" baseline="0" dirty="0">
                 <a:solidFill>
                   <a:schemeClr val="lt1"/>
                 </a:solidFill>
@@ -34810,7 +34600,7 @@
               <a:t>&gt;&gt;&gt; </a:t>
             </a:r>
             <a:r>
-              <a:rPr lang="pl" sz="3600" b="0" i="0" u="none" strike="noStrike" cap="none" baseline="0">
+              <a:rPr lang="pl" sz="3600" b="0" i="0" u="none" strike="noStrike" cap="none" baseline="0" dirty="0">
                 <a:solidFill>
                   <a:srgbClr val="00FF00"/>
                 </a:solidFill>
@@ -34822,7 +34612,7 @@
               <a:t>x</a:t>
             </a:r>
             <a:r>
-              <a:rPr lang="pl" sz="3600" b="0" i="0" u="none" strike="noStrike" cap="none" baseline="0">
+              <a:rPr lang="pl" sz="3600" b="0" i="0" u="none" strike="noStrike" cap="none" baseline="0" dirty="0">
                 <a:solidFill>
                   <a:srgbClr val="FF7F00"/>
                 </a:solidFill>
@@ -34834,7 +34624,7 @@
               <a:t> </a:t>
             </a:r>
             <a:r>
-              <a:rPr lang="pl" sz="3600" b="0" i="0" u="none" strike="noStrike" cap="none" baseline="0">
+              <a:rPr lang="pl" sz="3600" b="0" i="0" u="none" strike="noStrike" cap="none" baseline="0" dirty="0">
                 <a:solidFill>
                   <a:schemeClr val="lt1"/>
                 </a:solidFill>
@@ -34846,7 +34636,7 @@
               <a:t>= </a:t>
             </a:r>
             <a:r>
-              <a:rPr lang="pl" sz="3600" b="0" i="0" u="none" strike="noStrike" cap="none" baseline="0">
+              <a:rPr lang="pl" sz="3600" b="0" i="0" u="none" strike="noStrike" cap="none" baseline="0" dirty="0">
                 <a:solidFill>
                   <a:srgbClr val="FF00FF"/>
                 </a:solidFill>
@@ -34858,7 +34648,7 @@
               <a:t>len(</a:t>
             </a:r>
             <a:r>
-              <a:rPr lang="pl" sz="3600" b="0" i="0" u="none" strike="noStrike" cap="none" baseline="0">
+              <a:rPr lang="pl" sz="3600" b="0" i="0" u="none" strike="noStrike" cap="none" baseline="0" dirty="0">
                 <a:solidFill>
                   <a:srgbClr val="00FF00"/>
                 </a:solidFill>
@@ -34870,7 +34660,7 @@
               <a:t>fruit</a:t>
             </a:r>
             <a:r>
-              <a:rPr lang="pl" sz="3600" b="0" i="0" u="none" strike="noStrike" cap="none" baseline="0">
+              <a:rPr lang="pl" sz="3600" b="0" i="0" u="none" strike="noStrike" cap="none" baseline="0" dirty="0">
                 <a:solidFill>
                   <a:srgbClr val="FF00FF"/>
                 </a:solidFill>
@@ -34901,7 +34691,7 @@
               <a:buNone/>
             </a:pPr>
             <a:r>
-              <a:rPr lang="pl" sz="3600" b="0" i="0" u="none" strike="noStrike" cap="none" baseline="0">
+              <a:rPr lang="pl" sz="3600" b="0" i="0" u="none" strike="noStrike" cap="none" baseline="0" dirty="0">
                 <a:solidFill>
                   <a:schemeClr val="lt1"/>
                 </a:solidFill>
@@ -34913,7 +34703,7 @@
               <a:t>&gt;&gt;&gt; </a:t>
             </a:r>
             <a:r>
-              <a:rPr lang="pl" sz="3600" b="0" i="0" u="none" strike="noStrike" cap="none" baseline="0">
+              <a:rPr lang="pl" sz="3600" b="0" i="0" u="none" strike="noStrike" cap="none" baseline="0" dirty="0">
                 <a:solidFill>
                   <a:srgbClr val="FFFF00"/>
                 </a:solidFill>
@@ -34925,7 +34715,7 @@
               <a:t>print</a:t>
             </a:r>
             <a:r>
-              <a:rPr lang="pl" sz="3600" b="0" i="0" u="none" baseline="0">
+              <a:rPr lang="pl" sz="3600" b="0" i="0" u="none" baseline="0" dirty="0">
                 <a:solidFill>
                   <a:schemeClr val="bg1"/>
                 </a:solidFill>
@@ -34937,7 +34727,7 @@
               <a:t>(</a:t>
             </a:r>
             <a:r>
-              <a:rPr lang="pl" sz="3600" b="0" i="0" u="none" strike="noStrike" cap="none" baseline="0">
+              <a:rPr lang="pl" sz="3600" b="0" i="0" u="none" strike="noStrike" cap="none" baseline="0" dirty="0">
                 <a:solidFill>
                   <a:srgbClr val="00FF00"/>
                 </a:solidFill>
@@ -34949,7 +34739,7 @@
               <a:t>x</a:t>
             </a:r>
             <a:r>
-              <a:rPr lang="pl" sz="3600" b="0" i="0" u="none" strike="noStrike" cap="none" baseline="0">
+              <a:rPr lang="pl" sz="3600" b="0" i="0" u="none" strike="noStrike" cap="none" baseline="0" dirty="0">
                 <a:solidFill>
                   <a:schemeClr val="bg1"/>
                 </a:solidFill>
@@ -34989,17 +34779,26 @@
               <a:buNone/>
             </a:pPr>
             <a:r>
-              <a:rPr lang="pl" sz="3600" b="0" i="0" u="none" strike="noStrike" cap="none" baseline="0">
-                <a:solidFill>
-                  <a:schemeClr val="lt1"/>
-                </a:solidFill>
-                <a:latin typeface="Courier"/>
-                <a:ea typeface="Courier"/>
-                <a:cs typeface="Courier"/>
-                <a:sym typeface="Courier New"/>
-              </a:rPr>
-              <a:t>6</a:t>
-            </a:r>
+              <a:rPr lang="en-US" sz="3600" b="0" i="0" u="none" strike="noStrike" cap="none" baseline="0" dirty="0">
+                <a:solidFill>
+                  <a:schemeClr val="lt1"/>
+                </a:solidFill>
+                <a:latin typeface="Courier"/>
+                <a:ea typeface="Courier"/>
+                <a:cs typeface="Courier"/>
+                <a:sym typeface="Courier New"/>
+              </a:rPr>
+              <a:t>5</a:t>
+            </a:r>
+            <a:endParaRPr lang="pl" sz="3600" b="0" i="0" u="none" strike="noStrike" cap="none" baseline="0" dirty="0">
+              <a:solidFill>
+                <a:schemeClr val="lt1"/>
+              </a:solidFill>
+              <a:latin typeface="Courier"/>
+              <a:ea typeface="Courier"/>
+              <a:cs typeface="Courier"/>
+              <a:sym typeface="Courier New"/>
+            </a:endParaRPr>
           </a:p>
         </p:txBody>
       </p:sp>
@@ -35061,7 +34860,7 @@
                 <a:cs typeface="Arial" charset="0"/>
                 <a:sym typeface="Cabin"/>
               </a:rPr>
-              <a:t>'banana' </a:t>
+              <a:t>'banan' </a:t>
             </a:r>
           </a:p>
           <a:p>
@@ -35146,7 +34945,7 @@
               <a:buNone/>
             </a:pPr>
             <a:r>
-              <a:rPr lang="pl" sz="3600" b="0" i="0" u="none" strike="noStrike" cap="none" baseline="0" dirty="0">
+              <a:rPr lang="en-US" sz="3600" b="0" i="0" u="none" strike="noStrike" cap="none" baseline="0" dirty="0">
                 <a:solidFill>
                   <a:srgbClr val="00FF00"/>
                 </a:solidFill>
@@ -35155,8 +34954,17 @@
                 <a:cs typeface="Arial" charset="0"/>
                 <a:sym typeface="Cabin"/>
               </a:rPr>
-              <a:t>6</a:t>
-            </a:r>
+              <a:t>5</a:t>
+            </a:r>
+            <a:endParaRPr lang="pl" sz="3600" b="0" i="0" u="none" strike="noStrike" cap="none" baseline="0" dirty="0">
+              <a:solidFill>
+                <a:srgbClr val="00FF00"/>
+              </a:solidFill>
+              <a:latin typeface="Arial" charset="0"/>
+              <a:ea typeface="Arial" charset="0"/>
+              <a:cs typeface="Arial" charset="0"/>
+              <a:sym typeface="Cabin"/>
+            </a:endParaRPr>
           </a:p>
           <a:p>
             <a:pPr marL="0" marR="0" lvl="0" indent="0" algn="ctr" rtl="0">
@@ -35396,6 +35204,18 @@
               <a:t>len</a:t>
             </a:r>
             <a:r>
+              <a:rPr lang="en-US" sz="3600" b="0" i="0" u="none" strike="noStrike" cap="none" baseline="0" dirty="0">
+                <a:solidFill>
+                  <a:srgbClr val="FF00FF"/>
+                </a:solidFill>
+                <a:latin typeface="Arial" charset="0"/>
+                <a:ea typeface="Arial" charset="0"/>
+                <a:cs typeface="Arial" charset="0"/>
+                <a:sym typeface="Cabin"/>
+              </a:rPr>
+              <a:t>()</a:t>
+            </a:r>
+            <a:r>
               <a:rPr lang="pl" sz="3600" b="0" i="0" u="none" strike="noStrike" cap="none" baseline="0" dirty="0">
                 <a:latin typeface="Arial" charset="0"/>
                 <a:ea typeface="Arial" charset="0"/>
@@ -35462,7 +35282,7 @@
               <a:buNone/>
             </a:pPr>
             <a:r>
-              <a:rPr lang="pl" sz="3000" b="0" i="0" u="none" strike="noStrike" cap="none" baseline="0">
+              <a:rPr lang="pl" sz="3000" b="0" i="0" u="none" strike="noStrike" cap="none" baseline="0" dirty="0">
                 <a:solidFill>
                   <a:srgbClr val="00FF00"/>
                 </a:solidFill>
@@ -35471,7 +35291,7 @@
                 <a:cs typeface="Courier"/>
                 <a:sym typeface="Courier New"/>
               </a:rPr>
-              <a:t>fruit = 'banana'</a:t>
+              <a:t>fruit = 'banan'</a:t>
             </a:r>
           </a:p>
           <a:p>
@@ -35493,7 +35313,7 @@
               <a:buNone/>
             </a:pPr>
             <a:r>
-              <a:rPr lang="pl" sz="3000" b="0" i="0" u="none" strike="noStrike" cap="none" baseline="0">
+              <a:rPr lang="pl" sz="3000" b="0" i="0" u="none" strike="noStrike" cap="none" baseline="0" dirty="0">
                 <a:solidFill>
                   <a:srgbClr val="00FF00"/>
                 </a:solidFill>
@@ -35505,7 +35325,7 @@
               <a:t>index</a:t>
             </a:r>
             <a:r>
-              <a:rPr lang="pl" sz="3000" b="0" i="0" u="none" strike="noStrike" cap="none" baseline="0">
+              <a:rPr lang="pl" sz="3000" b="0" i="0" u="none" strike="noStrike" cap="none" baseline="0" dirty="0">
                 <a:solidFill>
                   <a:schemeClr val="lt1"/>
                 </a:solidFill>
@@ -35517,7 +35337,7 @@
               <a:t> = </a:t>
             </a:r>
             <a:r>
-              <a:rPr lang="pl" sz="3000" b="0" i="0" u="none" strike="noStrike" cap="none" baseline="0">
+              <a:rPr lang="pl" sz="3000" b="0" i="0" u="none" strike="noStrike" cap="none" baseline="0" dirty="0">
                 <a:solidFill>
                   <a:srgbClr val="FF7F00"/>
                 </a:solidFill>
@@ -35548,7 +35368,7 @@
               <a:buNone/>
             </a:pPr>
             <a:r>
-              <a:rPr lang="pl" sz="3000" b="0" i="0" u="none" strike="noStrike" cap="none" baseline="0">
+              <a:rPr lang="pl" sz="3000" b="0" i="0" u="none" strike="noStrike" cap="none" baseline="0" dirty="0">
                 <a:solidFill>
                   <a:srgbClr val="FFFF00"/>
                 </a:solidFill>
@@ -35560,7 +35380,7 @@
               <a:t>while</a:t>
             </a:r>
             <a:r>
-              <a:rPr lang="pl" sz="3000" b="0" i="0" u="none" strike="noStrike" cap="none" baseline="0">
+              <a:rPr lang="pl" sz="3000" b="0" i="0" u="none" strike="noStrike" cap="none" baseline="0" dirty="0">
                 <a:solidFill>
                   <a:schemeClr val="lt1"/>
                 </a:solidFill>
@@ -35572,7 +35392,7 @@
               <a:t> </a:t>
             </a:r>
             <a:r>
-              <a:rPr lang="pl" sz="3000" b="0" i="0" u="none" strike="noStrike" cap="none" baseline="0">
+              <a:rPr lang="pl" sz="3000" b="0" i="0" u="none" strike="noStrike" cap="none" baseline="0" dirty="0">
                 <a:solidFill>
                   <a:srgbClr val="00FF00"/>
                 </a:solidFill>
@@ -35584,7 +35404,7 @@
               <a:t>index</a:t>
             </a:r>
             <a:r>
-              <a:rPr lang="pl" sz="3000" b="0" i="0" u="none" strike="noStrike" cap="none" baseline="0">
+              <a:rPr lang="pl" sz="3000" b="0" i="0" u="none" strike="noStrike" cap="none" baseline="0" dirty="0">
                 <a:solidFill>
                   <a:schemeClr val="lt1"/>
                 </a:solidFill>
@@ -35596,7 +35416,7 @@
               <a:t> &lt; </a:t>
             </a:r>
             <a:r>
-              <a:rPr lang="pl" sz="3000" b="0" i="0" u="none" strike="noStrike" cap="none" baseline="0">
+              <a:rPr lang="pl" sz="3000" b="0" i="0" u="none" strike="noStrike" cap="none" baseline="0" dirty="0">
                 <a:solidFill>
                   <a:srgbClr val="FF00FF"/>
                 </a:solidFill>
@@ -35608,7 +35428,7 @@
               <a:t>len</a:t>
             </a:r>
             <a:r>
-              <a:rPr lang="pl" sz="3000" b="0" i="0" u="none" strike="noStrike" cap="none" baseline="0">
+              <a:rPr lang="pl" sz="3000" b="0" i="0" u="none" strike="noStrike" cap="none" baseline="0" dirty="0">
                 <a:solidFill>
                   <a:schemeClr val="lt1"/>
                 </a:solidFill>
@@ -35620,7 +35440,7 @@
               <a:t>(</a:t>
             </a:r>
             <a:r>
-              <a:rPr lang="pl" sz="3000" b="0" i="0" u="none" strike="noStrike" cap="none" baseline="0">
+              <a:rPr lang="pl" sz="3000" b="0" i="0" u="none" strike="noStrike" cap="none" baseline="0" dirty="0">
                 <a:solidFill>
                   <a:srgbClr val="00FF00"/>
                 </a:solidFill>
@@ -35632,7 +35452,7 @@
               <a:t>fruit</a:t>
             </a:r>
             <a:r>
-              <a:rPr lang="pl" sz="3000" b="0" i="0" u="none" strike="noStrike" cap="none" baseline="0">
+              <a:rPr lang="pl" sz="3000" b="0" i="0" u="none" strike="noStrike" cap="none" baseline="0" dirty="0">
                 <a:solidFill>
                   <a:schemeClr val="lt1"/>
                 </a:solidFill>
@@ -35663,7 +35483,7 @@
               <a:buNone/>
             </a:pPr>
             <a:r>
-              <a:rPr lang="pl" sz="3000" b="0" i="0" u="none" strike="noStrike" cap="none" baseline="0">
+              <a:rPr lang="pl" sz="3000" b="0" i="0" u="none" strike="noStrike" cap="none" baseline="0" dirty="0">
                 <a:solidFill>
                   <a:schemeClr val="lt1"/>
                 </a:solidFill>
@@ -35675,7 +35495,7 @@
               <a:t>    </a:t>
             </a:r>
             <a:r>
-              <a:rPr lang="pl" sz="3000" b="0" i="0" u="none" strike="noStrike" cap="none" baseline="0">
+              <a:rPr lang="pl" sz="3000" b="0" i="0" u="none" strike="noStrike" cap="none" baseline="0" dirty="0">
                 <a:solidFill>
                   <a:srgbClr val="00FF00"/>
                 </a:solidFill>
@@ -35687,7 +35507,7 @@
               <a:t>letter</a:t>
             </a:r>
             <a:r>
-              <a:rPr lang="pl" sz="3000" b="0" i="0" u="none" strike="noStrike" cap="none" baseline="0">
+              <a:rPr lang="pl" sz="3000" b="0" i="0" u="none" strike="noStrike" cap="none" baseline="0" dirty="0">
                 <a:solidFill>
                   <a:schemeClr val="lt1"/>
                 </a:solidFill>
@@ -35699,7 +35519,7 @@
               <a:t> = </a:t>
             </a:r>
             <a:r>
-              <a:rPr lang="pl" sz="3000" b="0" i="0" u="none" strike="noStrike" cap="none" baseline="0">
+              <a:rPr lang="pl" sz="3000" b="0" i="0" u="none" strike="noStrike" cap="none" baseline="0" dirty="0">
                 <a:solidFill>
                   <a:srgbClr val="00FF00"/>
                 </a:solidFill>
@@ -35711,7 +35531,7 @@
               <a:t>fruit</a:t>
             </a:r>
             <a:r>
-              <a:rPr lang="pl" sz="3000" b="0" i="0" u="none" strike="noStrike" cap="none" baseline="0">
+              <a:rPr lang="pl" sz="3000" b="0" i="0" u="none" strike="noStrike" cap="none" baseline="0" dirty="0">
                 <a:solidFill>
                   <a:srgbClr val="00FFFF"/>
                 </a:solidFill>
@@ -35723,7 +35543,7 @@
               <a:t>[</a:t>
             </a:r>
             <a:r>
-              <a:rPr lang="pl" sz="3000" b="0" i="0" u="none" strike="noStrike" cap="none" baseline="0">
+              <a:rPr lang="pl" sz="3000" b="0" i="0" u="none" strike="noStrike" cap="none" baseline="0" dirty="0">
                 <a:solidFill>
                   <a:srgbClr val="00FF00"/>
                 </a:solidFill>
@@ -35735,7 +35555,7 @@
               <a:t>index</a:t>
             </a:r>
             <a:r>
-              <a:rPr lang="pl" sz="3000" b="0" i="0" u="none" strike="noStrike" cap="none" baseline="0">
+              <a:rPr lang="pl" sz="3000" b="0" i="0" u="none" strike="noStrike" cap="none" baseline="0" dirty="0">
                 <a:solidFill>
                   <a:srgbClr val="00FFFF"/>
                 </a:solidFill>
@@ -35766,7 +35586,7 @@
               <a:buNone/>
             </a:pPr>
             <a:r>
-              <a:rPr lang="pl" sz="3000" b="0" i="0" u="none" strike="noStrike" cap="none" baseline="0">
+              <a:rPr lang="pl" sz="3000" b="0" i="0" u="none" strike="noStrike" cap="none" baseline="0" dirty="0">
                 <a:solidFill>
                   <a:schemeClr val="lt1"/>
                 </a:solidFill>
@@ -35778,7 +35598,7 @@
               <a:t>    </a:t>
             </a:r>
             <a:r>
-              <a:rPr lang="pl" sz="3000" b="0" i="0" u="none" strike="noStrike" cap="none" baseline="0">
+              <a:rPr lang="pl" sz="3000" b="0" i="0" u="none" strike="noStrike" cap="none" baseline="0" dirty="0">
                 <a:solidFill>
                   <a:srgbClr val="FFFF00"/>
                 </a:solidFill>
@@ -35790,7 +35610,7 @@
               <a:t>print</a:t>
             </a:r>
             <a:r>
-              <a:rPr lang="pl" sz="3000" b="0" i="0" u="none" baseline="0">
+              <a:rPr lang="pl" sz="3000" b="0" i="0" u="none" baseline="0" dirty="0">
                 <a:solidFill>
                   <a:schemeClr val="lt1"/>
                 </a:solidFill>
@@ -35802,7 +35622,7 @@
               <a:t>(</a:t>
             </a:r>
             <a:r>
-              <a:rPr lang="pl" sz="3000" b="0" i="0" u="none" strike="noStrike" cap="none" baseline="0">
+              <a:rPr lang="pl" sz="3000" b="0" i="0" u="none" strike="noStrike" cap="none" baseline="0" dirty="0">
                 <a:solidFill>
                   <a:schemeClr val="lt1"/>
                 </a:solidFill>
@@ -35814,7 +35634,7 @@
               <a:t>index, </a:t>
             </a:r>
             <a:r>
-              <a:rPr lang="pl" sz="3000" b="0" i="0" u="none" strike="noStrike" cap="none" baseline="0">
+              <a:rPr lang="pl" sz="3000" b="0" i="0" u="none" strike="noStrike" cap="none" baseline="0" dirty="0">
                 <a:solidFill>
                   <a:srgbClr val="00FF00"/>
                 </a:solidFill>
@@ -35826,7 +35646,7 @@
               <a:t>letter</a:t>
             </a:r>
             <a:r>
-              <a:rPr lang="pl" sz="3000" b="0" i="0" u="none" strike="noStrike" cap="none" baseline="0">
+              <a:rPr lang="pl" sz="3000" b="0" i="0" u="none" strike="noStrike" cap="none" baseline="0" dirty="0">
                 <a:solidFill>
                   <a:schemeClr val="bg1"/>
                 </a:solidFill>
@@ -35866,7 +35686,7 @@
               <a:buNone/>
             </a:pPr>
             <a:r>
-              <a:rPr lang="pl" sz="3000" b="0" i="0" u="none" strike="noStrike" cap="none" baseline="0">
+              <a:rPr lang="pl" sz="3000" b="0" i="0" u="none" strike="noStrike" cap="none" baseline="0" dirty="0">
                 <a:solidFill>
                   <a:schemeClr val="lt1"/>
                 </a:solidFill>
@@ -35878,7 +35698,7 @@
               <a:t>    </a:t>
             </a:r>
             <a:r>
-              <a:rPr lang="pl" sz="3000" b="0" i="0" u="none" strike="noStrike" cap="none" baseline="0">
+              <a:rPr lang="pl" sz="3000" b="0" i="0" u="none" strike="noStrike" cap="none" baseline="0" dirty="0">
                 <a:solidFill>
                   <a:srgbClr val="00FF00"/>
                 </a:solidFill>
@@ -35890,7 +35710,7 @@
               <a:t>index</a:t>
             </a:r>
             <a:r>
-              <a:rPr lang="pl" sz="3000" b="0" i="0" u="none" strike="noStrike" cap="none" baseline="0">
+              <a:rPr lang="pl" sz="3000" b="0" i="0" u="none" strike="noStrike" cap="none" baseline="0" dirty="0">
                 <a:solidFill>
                   <a:schemeClr val="lt1"/>
                 </a:solidFill>
@@ -35902,7 +35722,7 @@
               <a:t> = </a:t>
             </a:r>
             <a:r>
-              <a:rPr lang="pl" sz="3000" b="0" i="0" u="none" strike="noStrike" cap="none" baseline="0">
+              <a:rPr lang="pl" sz="3000" b="0" i="0" u="none" strike="noStrike" cap="none" baseline="0" dirty="0">
                 <a:solidFill>
                   <a:srgbClr val="00FF00"/>
                 </a:solidFill>
@@ -35914,7 +35734,7 @@
               <a:t>index</a:t>
             </a:r>
             <a:r>
-              <a:rPr lang="pl" sz="3000" b="0" i="0" u="none" strike="noStrike" cap="none" baseline="0">
+              <a:rPr lang="pl" sz="3000" b="0" i="0" u="none" strike="noStrike" cap="none" baseline="0" dirty="0">
                 <a:solidFill>
                   <a:schemeClr val="lt1"/>
                 </a:solidFill>
@@ -35926,7 +35746,7 @@
               <a:t> </a:t>
             </a:r>
             <a:r>
-              <a:rPr lang="pl" sz="3000" b="0" i="0" u="none" strike="noStrike" cap="none" baseline="0">
+              <a:rPr lang="pl" sz="3000" b="0" i="0" u="none" strike="noStrike" cap="none" baseline="0" dirty="0">
                 <a:solidFill>
                   <a:srgbClr val="00FFFF"/>
                 </a:solidFill>
@@ -35938,7 +35758,7 @@
               <a:t>+</a:t>
             </a:r>
             <a:r>
-              <a:rPr lang="pl" sz="3000" b="0" i="0" u="none" strike="noStrike" cap="none" baseline="0">
+              <a:rPr lang="pl" sz="3000" b="0" i="0" u="none" strike="noStrike" cap="none" baseline="0" dirty="0">
                 <a:solidFill>
                   <a:schemeClr val="lt1"/>
                 </a:solidFill>
@@ -35950,7 +35770,7 @@
               <a:t> </a:t>
             </a:r>
             <a:r>
-              <a:rPr lang="pl" sz="3000" b="0" i="0" u="none" strike="noStrike" cap="none" baseline="0">
+              <a:rPr lang="pl" sz="3000" b="0" i="0" u="none" strike="noStrike" cap="none" baseline="0" dirty="0">
                 <a:solidFill>
                   <a:srgbClr val="FF7F00"/>
                 </a:solidFill>
@@ -36007,7 +35827,7 @@
               <a:buNone/>
             </a:pPr>
             <a:r>
-              <a:rPr lang="pl" sz="3600" b="0" i="0" u="none" strike="noStrike" cap="none" baseline="0">
+              <a:rPr lang="pl" sz="3600" b="0" i="0" u="none" strike="noStrike" cap="none" baseline="0" dirty="0">
                 <a:solidFill>
                   <a:srgbClr val="FF00FF"/>
                 </a:solidFill>
@@ -36038,7 +35858,7 @@
               <a:buNone/>
             </a:pPr>
             <a:r>
-              <a:rPr lang="pl" sz="3600" b="0" i="0" u="none" strike="noStrike" cap="none" baseline="0">
+              <a:rPr lang="pl" sz="3600" b="0" i="0" u="none" strike="noStrike" cap="none" baseline="0" dirty="0">
                 <a:solidFill>
                   <a:srgbClr val="FF00FF"/>
                 </a:solidFill>
@@ -36069,7 +35889,7 @@
               <a:buNone/>
             </a:pPr>
             <a:r>
-              <a:rPr lang="pl" sz="3600" b="0" i="0" u="none" strike="noStrike" cap="none" baseline="0">
+              <a:rPr lang="pl" sz="3600" b="0" i="0" u="none" strike="noStrike" cap="none" baseline="0" dirty="0">
                 <a:solidFill>
                   <a:srgbClr val="FF00FF"/>
                 </a:solidFill>
@@ -36100,7 +35920,7 @@
               <a:buNone/>
             </a:pPr>
             <a:r>
-              <a:rPr lang="pl" sz="3600" b="0" i="0" u="none" strike="noStrike" cap="none" baseline="0">
+              <a:rPr lang="pl" sz="3600" b="0" i="0" u="none" strike="noStrike" cap="none" baseline="0" dirty="0">
                 <a:solidFill>
                   <a:srgbClr val="FF00FF"/>
                 </a:solidFill>
@@ -36131,7 +35951,7 @@
               <a:buNone/>
             </a:pPr>
             <a:r>
-              <a:rPr lang="pl" sz="3600" b="0" i="0" u="none" strike="noStrike" cap="none" baseline="0">
+              <a:rPr lang="pl" sz="3600" b="0" i="0" u="none" strike="noStrike" cap="none" baseline="0" dirty="0">
                 <a:solidFill>
                   <a:srgbClr val="FF00FF"/>
                 </a:solidFill>
@@ -36141,37 +35961,6 @@
                 <a:sym typeface="Cabin"/>
               </a:rPr>
               <a:t>4 n</a:t>
-            </a:r>
-          </a:p>
-          <a:p>
-            <a:pPr marL="0" marR="0" lvl="0" indent="0" algn="ctr" rtl="0">
-              <a:lnSpc>
-                <a:spcPct val="100000"/>
-              </a:lnSpc>
-              <a:spcBef>
-                <a:spcPts val="0"/>
-              </a:spcBef>
-              <a:spcAft>
-                <a:spcPts val="0"/>
-              </a:spcAft>
-              <a:buClr>
-                <a:srgbClr val="FF00FF"/>
-              </a:buClr>
-              <a:buSzPct val="25000"/>
-              <a:buFont typeface="Cabin"/>
-              <a:buNone/>
-            </a:pPr>
-            <a:r>
-              <a:rPr lang="pl" sz="3600" b="0" i="0" u="none" strike="noStrike" cap="none" baseline="0">
-                <a:solidFill>
-                  <a:srgbClr val="FF00FF"/>
-                </a:solidFill>
-                <a:latin typeface="Arial" charset="0"/>
-                <a:ea typeface="Arial" charset="0"/>
-                <a:cs typeface="Arial" charset="0"/>
-                <a:sym typeface="Cabin"/>
-              </a:rPr>
-              <a:t>5 a</a:t>
             </a:r>
           </a:p>
         </p:txBody>
